--- a/D2-documentation/YennyF.Diaz-Risk Percep &Injuries_CommitteeUdate 04-10-21.pptx
+++ b/D2-documentation/YennyF.Diaz-Risk Percep &Injuries_CommitteeUdate 04-10-21.pptx
@@ -5,7 +5,7 @@
     <p:sldMasterId id="2147483648" r:id="rId1"/>
   </p:sldMasterIdLst>
   <p:notesMasterIdLst>
-    <p:notesMasterId r:id="rId44"/>
+    <p:notesMasterId r:id="rId45"/>
   </p:notesMasterIdLst>
   <p:sldIdLst>
     <p:sldId id="276" r:id="rId2"/>
@@ -19,37 +19,38 @@
     <p:sldId id="458" r:id="rId10"/>
     <p:sldId id="459" r:id="rId11"/>
     <p:sldId id="460" r:id="rId12"/>
-    <p:sldId id="461" r:id="rId13"/>
-    <p:sldId id="462" r:id="rId14"/>
-    <p:sldId id="463" r:id="rId15"/>
-    <p:sldId id="464" r:id="rId16"/>
-    <p:sldId id="465" r:id="rId17"/>
-    <p:sldId id="407" r:id="rId18"/>
-    <p:sldId id="466" r:id="rId19"/>
-    <p:sldId id="430" r:id="rId20"/>
-    <p:sldId id="443" r:id="rId21"/>
-    <p:sldId id="467" r:id="rId22"/>
-    <p:sldId id="424" r:id="rId23"/>
-    <p:sldId id="425" r:id="rId24"/>
-    <p:sldId id="447" r:id="rId25"/>
-    <p:sldId id="444" r:id="rId26"/>
-    <p:sldId id="446" r:id="rId27"/>
-    <p:sldId id="450" r:id="rId28"/>
-    <p:sldId id="449" r:id="rId29"/>
-    <p:sldId id="435" r:id="rId30"/>
-    <p:sldId id="470" r:id="rId31"/>
-    <p:sldId id="471" r:id="rId32"/>
-    <p:sldId id="472" r:id="rId33"/>
-    <p:sldId id="473" r:id="rId34"/>
-    <p:sldId id="468" r:id="rId35"/>
-    <p:sldId id="429" r:id="rId36"/>
-    <p:sldId id="434" r:id="rId37"/>
-    <p:sldId id="469" r:id="rId38"/>
-    <p:sldId id="402" r:id="rId39"/>
-    <p:sldId id="394" r:id="rId40"/>
-    <p:sldId id="396" r:id="rId41"/>
-    <p:sldId id="440" r:id="rId42"/>
-    <p:sldId id="362" r:id="rId43"/>
+    <p:sldId id="474" r:id="rId13"/>
+    <p:sldId id="475" r:id="rId14"/>
+    <p:sldId id="462" r:id="rId15"/>
+    <p:sldId id="463" r:id="rId16"/>
+    <p:sldId id="464" r:id="rId17"/>
+    <p:sldId id="465" r:id="rId18"/>
+    <p:sldId id="407" r:id="rId19"/>
+    <p:sldId id="466" r:id="rId20"/>
+    <p:sldId id="430" r:id="rId21"/>
+    <p:sldId id="443" r:id="rId22"/>
+    <p:sldId id="467" r:id="rId23"/>
+    <p:sldId id="424" r:id="rId24"/>
+    <p:sldId id="425" r:id="rId25"/>
+    <p:sldId id="447" r:id="rId26"/>
+    <p:sldId id="444" r:id="rId27"/>
+    <p:sldId id="446" r:id="rId28"/>
+    <p:sldId id="450" r:id="rId29"/>
+    <p:sldId id="449" r:id="rId30"/>
+    <p:sldId id="435" r:id="rId31"/>
+    <p:sldId id="470" r:id="rId32"/>
+    <p:sldId id="477" r:id="rId33"/>
+    <p:sldId id="478" r:id="rId34"/>
+    <p:sldId id="479" r:id="rId35"/>
+    <p:sldId id="468" r:id="rId36"/>
+    <p:sldId id="429" r:id="rId37"/>
+    <p:sldId id="434" r:id="rId38"/>
+    <p:sldId id="469" r:id="rId39"/>
+    <p:sldId id="402" r:id="rId40"/>
+    <p:sldId id="394" r:id="rId41"/>
+    <p:sldId id="396" r:id="rId42"/>
+    <p:sldId id="440" r:id="rId43"/>
+    <p:sldId id="362" r:id="rId44"/>
   </p:sldIdLst>
   <p:sldSz cx="12192000" cy="6858000"/>
   <p:notesSz cx="6858000" cy="9144000"/>
@@ -647,6 +648,90 @@
           <a:bodyPr/>
           <a:lstStyle/>
           <a:p>
+            <a:endParaRPr lang="en-US" dirty="0"/>
+          </a:p>
+        </p:txBody>
+      </p:sp>
+      <p:sp>
+        <p:nvSpPr>
+          <p:cNvPr id="4" name="Slide Number Placeholder 3"/>
+          <p:cNvSpPr>
+            <a:spLocks noGrp="1"/>
+          </p:cNvSpPr>
+          <p:nvPr>
+            <p:ph type="sldNum" sz="quarter" idx="5"/>
+          </p:nvPr>
+        </p:nvSpPr>
+        <p:spPr/>
+        <p:txBody>
+          <a:bodyPr/>
+          <a:lstStyle/>
+          <a:p>
+            <a:fld id="{F0E330A2-CD2B-45CA-AD44-A7A41C6AD554}" type="slidenum">
+              <a:rPr lang="en-US" smtClean="0"/>
+              <a:t>37</a:t>
+            </a:fld>
+            <a:endParaRPr lang="en-US"/>
+          </a:p>
+        </p:txBody>
+      </p:sp>
+    </p:spTree>
+    <p:extLst>
+      <p:ext uri="{BB962C8B-B14F-4D97-AF65-F5344CB8AC3E}">
+        <p14:creationId xmlns:p14="http://schemas.microsoft.com/office/powerpoint/2010/main" val="962683538"/>
+      </p:ext>
+    </p:extLst>
+  </p:cSld>
+  <p:clrMapOvr>
+    <a:masterClrMapping/>
+  </p:clrMapOvr>
+</p:notes>
+</file>
+
+<file path=ppt/notesSlides/notesSlide11.xml><?xml version="1.0" encoding="utf-8"?>
+<p:notes xmlns:a="http://schemas.openxmlformats.org/drawingml/2006/main" xmlns:r="http://schemas.openxmlformats.org/officeDocument/2006/relationships" xmlns:p="http://schemas.openxmlformats.org/presentationml/2006/main">
+  <p:cSld>
+    <p:spTree>
+      <p:nvGrpSpPr>
+        <p:cNvPr id="1" name=""/>
+        <p:cNvGrpSpPr/>
+        <p:nvPr/>
+      </p:nvGrpSpPr>
+      <p:grpSpPr>
+        <a:xfrm>
+          <a:off x="0" y="0"/>
+          <a:ext cx="0" cy="0"/>
+          <a:chOff x="0" y="0"/>
+          <a:chExt cx="0" cy="0"/>
+        </a:xfrm>
+      </p:grpSpPr>
+      <p:sp>
+        <p:nvSpPr>
+          <p:cNvPr id="2" name="Slide Image Placeholder 1"/>
+          <p:cNvSpPr>
+            <a:spLocks noGrp="1" noRot="1" noChangeAspect="1"/>
+          </p:cNvSpPr>
+          <p:nvPr>
+            <p:ph type="sldImg"/>
+          </p:nvPr>
+        </p:nvSpPr>
+        <p:spPr/>
+      </p:sp>
+      <p:sp>
+        <p:nvSpPr>
+          <p:cNvPr id="3" name="Notes Placeholder 2"/>
+          <p:cNvSpPr>
+            <a:spLocks noGrp="1"/>
+          </p:cNvSpPr>
+          <p:nvPr>
+            <p:ph type="body" idx="1"/>
+          </p:nvPr>
+        </p:nvSpPr>
+        <p:spPr/>
+        <p:txBody>
+          <a:bodyPr/>
+          <a:lstStyle/>
+          <a:p>
             <a:pPr lvl="0"/>
             <a:r>
               <a:rPr lang="en-US" sz="1200" b="1" kern="1200" dirty="0">
@@ -797,7 +882,7 @@
           <a:p>
             <a:fld id="{CEA69D61-F6FA-4088-8930-3AE437C79CE6}" type="slidenum">
               <a:rPr lang="en-US" smtClean="0"/>
-              <a:t>42</a:t>
+              <a:t>43</a:t>
             </a:fld>
             <a:endParaRPr lang="en-US"/>
           </a:p>
@@ -881,7 +966,7 @@
           <a:p>
             <a:fld id="{F0E330A2-CD2B-45CA-AD44-A7A41C6AD554}" type="slidenum">
               <a:rPr lang="en-US" smtClean="0"/>
-              <a:t>17</a:t>
+              <a:t>18</a:t>
             </a:fld>
             <a:endParaRPr lang="en-US"/>
           </a:p>
@@ -965,7 +1050,7 @@
           <a:p>
             <a:fld id="{F0E330A2-CD2B-45CA-AD44-A7A41C6AD554}" type="slidenum">
               <a:rPr lang="en-US" smtClean="0"/>
-              <a:t>19</a:t>
+              <a:t>20</a:t>
             </a:fld>
             <a:endParaRPr lang="en-US"/>
           </a:p>
@@ -1049,7 +1134,7 @@
           <a:p>
             <a:fld id="{F0E330A2-CD2B-45CA-AD44-A7A41C6AD554}" type="slidenum">
               <a:rPr lang="en-US" smtClean="0"/>
-              <a:t>20</a:t>
+              <a:t>21</a:t>
             </a:fld>
             <a:endParaRPr lang="en-US"/>
           </a:p>
@@ -1133,7 +1218,7 @@
           <a:p>
             <a:fld id="{F0E330A2-CD2B-45CA-AD44-A7A41C6AD554}" type="slidenum">
               <a:rPr lang="en-US" smtClean="0"/>
-              <a:t>23</a:t>
+              <a:t>24</a:t>
             </a:fld>
             <a:endParaRPr lang="en-US"/>
           </a:p>
@@ -1217,7 +1302,7 @@
           <a:p>
             <a:fld id="{F0E330A2-CD2B-45CA-AD44-A7A41C6AD554}" type="slidenum">
               <a:rPr lang="en-US" smtClean="0"/>
-              <a:t>27</a:t>
+              <a:t>28</a:t>
             </a:fld>
             <a:endParaRPr lang="en-US"/>
           </a:p>
@@ -1301,7 +1386,7 @@
           <a:p>
             <a:fld id="{F0E330A2-CD2B-45CA-AD44-A7A41C6AD554}" type="slidenum">
               <a:rPr lang="en-US" smtClean="0"/>
-              <a:t>28</a:t>
+              <a:t>29</a:t>
             </a:fld>
             <a:endParaRPr lang="en-US"/>
           </a:p>
@@ -1375,7 +1460,7 @@
             <a:spLocks noGrp="1"/>
           </p:cNvSpPr>
           <p:nvPr>
-            <p:ph type="sldNum" sz="quarter" idx="5"/>
+            <p:ph type="sldNum" sz="quarter" idx="10"/>
           </p:nvPr>
         </p:nvSpPr>
         <p:spPr/>
@@ -1385,7 +1470,7 @@
           <a:p>
             <a:fld id="{F0E330A2-CD2B-45CA-AD44-A7A41C6AD554}" type="slidenum">
               <a:rPr lang="en-US" smtClean="0"/>
-              <a:t>35</a:t>
+              <a:t>32</a:t>
             </a:fld>
             <a:endParaRPr lang="en-US"/>
           </a:p>
@@ -1394,7 +1479,7 @@
     </p:spTree>
     <p:extLst>
       <p:ext uri="{BB962C8B-B14F-4D97-AF65-F5344CB8AC3E}">
-        <p14:creationId xmlns:p14="http://schemas.microsoft.com/office/powerpoint/2010/main" val="3138684625"/>
+        <p14:creationId xmlns:p14="http://schemas.microsoft.com/office/powerpoint/2010/main" val="4004492474"/>
       </p:ext>
     </p:extLst>
   </p:cSld>
@@ -1478,7 +1563,7 @@
     </p:spTree>
     <p:extLst>
       <p:ext uri="{BB962C8B-B14F-4D97-AF65-F5344CB8AC3E}">
-        <p14:creationId xmlns:p14="http://schemas.microsoft.com/office/powerpoint/2010/main" val="962683538"/>
+        <p14:creationId xmlns:p14="http://schemas.microsoft.com/office/powerpoint/2010/main" val="3138684625"/>
       </p:ext>
     </p:extLst>
   </p:cSld>
@@ -4471,11 +4556,7 @@
             </a:r>
             <a:r>
               <a:rPr lang="en-US" sz="1600" dirty="0" smtClean="0"/>
-              <a:t>04</a:t>
-            </a:r>
-            <a:r>
-              <a:rPr lang="en-US" sz="1600" dirty="0" smtClean="0"/>
-              <a:t>/10/2021</a:t>
+              <a:t>04/10/2021</a:t>
             </a:r>
             <a:endParaRPr lang="en-US" sz="1600" dirty="0"/>
           </a:p>
@@ -5369,14 +5450,7 @@
                 <a:latin typeface="Arial" panose="020B0604020202020204" pitchFamily="34" charset="0"/>
                 <a:cs typeface="Arial" panose="020B0604020202020204" pitchFamily="34" charset="0"/>
               </a:rPr>
-              <a:t>Mathematical Summary</a:t>
-            </a:r>
-            <a:r>
-              <a:rPr lang="en-US" sz="2000" b="1" dirty="0" smtClean="0">
-                <a:latin typeface="Arial" panose="020B0604020202020204" pitchFamily="34" charset="0"/>
-                <a:cs typeface="Arial" panose="020B0604020202020204" pitchFamily="34" charset="0"/>
-              </a:rPr>
-              <a:t>:</a:t>
+              <a:t>Mathematical Summary:</a:t>
             </a:r>
             <a:endParaRPr lang="en-US" sz="2000" b="1" dirty="0">
               <a:solidFill>
@@ -5802,7 +5876,7 @@
     </p:spTree>
     <p:extLst>
       <p:ext uri="{BB962C8B-B14F-4D97-AF65-F5344CB8AC3E}">
-        <p14:creationId xmlns:p14="http://schemas.microsoft.com/office/powerpoint/2010/main" val="4189484616"/>
+        <p14:creationId xmlns:p14="http://schemas.microsoft.com/office/powerpoint/2010/main" val="1750538942"/>
       </p:ext>
     </p:extLst>
   </p:cSld>
@@ -5838,6 +5912,780 @@
       </p:grpSpPr>
       <p:sp>
         <p:nvSpPr>
+          <p:cNvPr id="4" name="Title 1">
+            <a:extLst>
+              <a:ext uri="{FF2B5EF4-FFF2-40B4-BE49-F238E27FC236}">
+                <a16:creationId xmlns:a16="http://schemas.microsoft.com/office/drawing/2014/main" id="{E316B5D4-4FE6-49C6-BD43-0BB822385B6D}"/>
+              </a:ext>
+            </a:extLst>
+          </p:cNvPr>
+          <p:cNvSpPr txBox="1">
+            <a:spLocks/>
+          </p:cNvSpPr>
+          <p:nvPr/>
+        </p:nvSpPr>
+        <p:spPr>
+          <a:xfrm>
+            <a:off x="537028" y="211016"/>
+            <a:ext cx="11065035" cy="369087"/>
+          </a:xfrm>
+          <a:prstGeom prst="rect">
+            <a:avLst/>
+          </a:prstGeom>
+          <a:solidFill>
+            <a:srgbClr val="00B0F0"/>
+          </a:solidFill>
+        </p:spPr>
+        <p:txBody>
+          <a:bodyPr vert="horz" lIns="91440" tIns="45720" rIns="91440" bIns="45720" rtlCol="0" anchor="ctr">
+            <a:normAutofit/>
+          </a:bodyPr>
+          <a:lstStyle>
+            <a:lvl1pPr algn="l" defTabSz="914400" rtl="0" eaLnBrk="1" latinLnBrk="0" hangingPunct="1">
+              <a:lnSpc>
+                <a:spcPct val="90000"/>
+              </a:lnSpc>
+              <a:spcBef>
+                <a:spcPct val="0"/>
+              </a:spcBef>
+              <a:buNone/>
+              <a:defRPr sz="4400" kern="1200">
+                <a:solidFill>
+                  <a:schemeClr val="tx1"/>
+                </a:solidFill>
+                <a:latin typeface="+mj-lt"/>
+                <a:ea typeface="+mj-ea"/>
+                <a:cs typeface="+mj-cs"/>
+              </a:defRPr>
+            </a:lvl1pPr>
+          </a:lstStyle>
+          <a:p>
+            <a:r>
+              <a:rPr lang="en-US" sz="2000" b="1" dirty="0" smtClean="0">
+                <a:latin typeface="Arial" panose="020B0604020202020204" pitchFamily="34" charset="0"/>
+                <a:cs typeface="Arial" panose="020B0604020202020204" pitchFamily="34" charset="0"/>
+              </a:rPr>
+              <a:t>Mathematical Summary</a:t>
+            </a:r>
+            <a:r>
+              <a:rPr lang="en-US" sz="2000" b="1" dirty="0" smtClean="0">
+                <a:latin typeface="Arial" panose="020B0604020202020204" pitchFamily="34" charset="0"/>
+                <a:cs typeface="Arial" panose="020B0604020202020204" pitchFamily="34" charset="0"/>
+              </a:rPr>
+              <a:t>:  Risk Perception Defined</a:t>
+            </a:r>
+            <a:endParaRPr lang="en-US" sz="2000" b="1" dirty="0">
+              <a:solidFill>
+                <a:schemeClr val="bg1"/>
+              </a:solidFill>
+              <a:latin typeface="Arial" panose="020B0604020202020204" pitchFamily="34" charset="0"/>
+              <a:cs typeface="Arial" panose="020B0604020202020204" pitchFamily="34" charset="0"/>
+            </a:endParaRPr>
+          </a:p>
+        </p:txBody>
+      </p:sp>
+      <p:sp>
+        <p:nvSpPr>
+          <p:cNvPr id="5" name="Content Placeholder 2"/>
+          <p:cNvSpPr>
+            <a:spLocks noGrp="1"/>
+          </p:cNvSpPr>
+          <p:nvPr>
+            <p:ph idx="1"/>
+          </p:nvPr>
+        </p:nvSpPr>
+        <p:spPr>
+          <a:xfrm>
+            <a:off x="555896" y="751517"/>
+            <a:ext cx="11212148" cy="5619413"/>
+          </a:xfrm>
+        </p:spPr>
+        <p:txBody>
+          <a:bodyPr>
+            <a:noAutofit/>
+          </a:bodyPr>
+          <a:lstStyle/>
+          <a:p>
+            <a:pPr marL="0" indent="0">
+              <a:buNone/>
+            </a:pPr>
+            <a:endParaRPr lang="en-US" sz="1400" dirty="0">
+              <a:latin typeface="Arial" panose="020B0604020202020204" pitchFamily="34" charset="0"/>
+              <a:cs typeface="Arial" panose="020B0604020202020204" pitchFamily="34" charset="0"/>
+            </a:endParaRPr>
+          </a:p>
+          <a:p>
+            <a:pPr marL="0" indent="0" algn="ctr">
+              <a:buNone/>
+            </a:pPr>
+            <a:r>
+              <a:rPr lang="en-US" sz="1400" b="1" dirty="0" smtClean="0">
+                <a:latin typeface="Arial" panose="020B0604020202020204" pitchFamily="34" charset="0"/>
+                <a:cs typeface="Arial" panose="020B0604020202020204" pitchFamily="34" charset="0"/>
+              </a:rPr>
+              <a:t>Fatal risk log </a:t>
+            </a:r>
+            <a:r>
+              <a:rPr lang="en-US" sz="1400" b="1" dirty="0" smtClean="0">
+                <a:latin typeface="Arial" panose="020B0604020202020204" pitchFamily="34" charset="0"/>
+                <a:cs typeface="Arial" panose="020B0604020202020204" pitchFamily="34" charset="0"/>
+              </a:rPr>
+              <a:t>factor (</a:t>
+            </a:r>
+            <a:r>
+              <a:rPr lang="en-US" sz="1400" b="1" dirty="0" smtClean="0">
+                <a:solidFill>
+                  <a:srgbClr val="00B050"/>
+                </a:solidFill>
+                <a:latin typeface="Arial" panose="020B0604020202020204" pitchFamily="34" charset="0"/>
+                <a:cs typeface="Arial" panose="020B0604020202020204" pitchFamily="34" charset="0"/>
+              </a:rPr>
+              <a:t>risk perception</a:t>
+            </a:r>
+            <a:r>
+              <a:rPr lang="en-US" sz="1400" b="1" dirty="0" smtClean="0">
+                <a:latin typeface="Arial" panose="020B0604020202020204" pitchFamily="34" charset="0"/>
+                <a:cs typeface="Arial" panose="020B0604020202020204" pitchFamily="34" charset="0"/>
+              </a:rPr>
+              <a:t>) </a:t>
+            </a:r>
+            <a:r>
+              <a:rPr lang="en-US" sz="1400" b="1" dirty="0" smtClean="0">
+                <a:latin typeface="Arial" panose="020B0604020202020204" pitchFamily="34" charset="0"/>
+                <a:cs typeface="Arial" panose="020B0604020202020204" pitchFamily="34" charset="0"/>
+              </a:rPr>
+              <a:t>=  -1 * LOG10 [ AVG(FATAL_COUNT / INJURY_COUNT) </a:t>
+            </a:r>
+            <a:r>
+              <a:rPr lang="en-US" sz="1400" b="1" dirty="0" smtClean="0">
+                <a:latin typeface="Arial" panose="020B0604020202020204" pitchFamily="34" charset="0"/>
+                <a:cs typeface="Arial" panose="020B0604020202020204" pitchFamily="34" charset="0"/>
+              </a:rPr>
+              <a:t>]</a:t>
+            </a:r>
+          </a:p>
+          <a:p>
+            <a:pPr marL="0" indent="0" algn="ctr">
+              <a:buNone/>
+            </a:pPr>
+            <a:endParaRPr lang="en-US" sz="1400" b="1" dirty="0">
+              <a:latin typeface="Arial" panose="020B0604020202020204" pitchFamily="34" charset="0"/>
+              <a:cs typeface="Arial" panose="020B0604020202020204" pitchFamily="34" charset="0"/>
+            </a:endParaRPr>
+          </a:p>
+          <a:p>
+            <a:pPr marL="0" indent="0">
+              <a:buNone/>
+            </a:pPr>
+            <a:r>
+              <a:rPr lang="en-US" sz="1400" dirty="0" smtClean="0">
+                <a:latin typeface="Arial" panose="020B0604020202020204" pitchFamily="34" charset="0"/>
+                <a:cs typeface="Arial" panose="020B0604020202020204" pitchFamily="34" charset="0"/>
+              </a:rPr>
+              <a:t>The “Fatal risk log factor”, is not only the log of fatalities count divided by injuries count, it is also a measure of risk perception.</a:t>
+            </a:r>
+          </a:p>
+          <a:p>
+            <a:pPr marL="0" indent="0">
+              <a:buNone/>
+            </a:pPr>
+            <a:endParaRPr lang="en-US" sz="1400" dirty="0">
+              <a:latin typeface="Arial" panose="020B0604020202020204" pitchFamily="34" charset="0"/>
+              <a:cs typeface="Arial" panose="020B0604020202020204" pitchFamily="34" charset="0"/>
+            </a:endParaRPr>
+          </a:p>
+          <a:p>
+            <a:pPr marL="0" indent="0">
+              <a:buNone/>
+            </a:pPr>
+            <a:r>
+              <a:rPr lang="en-US" sz="1400" dirty="0" smtClean="0">
+                <a:latin typeface="Arial" panose="020B0604020202020204" pitchFamily="34" charset="0"/>
+                <a:cs typeface="Arial" panose="020B0604020202020204" pitchFamily="34" charset="0"/>
+              </a:rPr>
+              <a:t>In our analysis we will end up with a graph that represents risk perception vs a measure of risk. We will use this graph to analyze the overall response of the data.</a:t>
+            </a:r>
+            <a:endParaRPr lang="en-US" sz="1400" dirty="0" smtClean="0">
+              <a:latin typeface="Arial" panose="020B0604020202020204" pitchFamily="34" charset="0"/>
+              <a:cs typeface="Arial" panose="020B0604020202020204" pitchFamily="34" charset="0"/>
+            </a:endParaRPr>
+          </a:p>
+          <a:p>
+            <a:pPr marL="0" indent="0">
+              <a:buNone/>
+            </a:pPr>
+            <a:endParaRPr lang="en-US" sz="1400" dirty="0">
+              <a:latin typeface="Arial" panose="020B0604020202020204" pitchFamily="34" charset="0"/>
+              <a:cs typeface="Arial" panose="020B0604020202020204" pitchFamily="34" charset="0"/>
+            </a:endParaRPr>
+          </a:p>
+          <a:p>
+            <a:pPr marL="0" indent="0">
+              <a:buNone/>
+            </a:pPr>
+            <a:endParaRPr lang="en-US" sz="1400" dirty="0" smtClean="0">
+              <a:latin typeface="Arial" panose="020B0604020202020204" pitchFamily="34" charset="0"/>
+              <a:cs typeface="Arial" panose="020B0604020202020204" pitchFamily="34" charset="0"/>
+            </a:endParaRPr>
+          </a:p>
+          <a:p>
+            <a:pPr marL="0" indent="0">
+              <a:buNone/>
+            </a:pPr>
+            <a:endParaRPr lang="en-US" sz="1400" dirty="0">
+              <a:latin typeface="Arial" panose="020B0604020202020204" pitchFamily="34" charset="0"/>
+              <a:cs typeface="Arial" panose="020B0604020202020204" pitchFamily="34" charset="0"/>
+            </a:endParaRPr>
+          </a:p>
+          <a:p>
+            <a:pPr marL="0" indent="0">
+              <a:buNone/>
+            </a:pPr>
+            <a:endParaRPr lang="en-US" sz="1400" dirty="0" smtClean="0">
+              <a:latin typeface="Arial" panose="020B0604020202020204" pitchFamily="34" charset="0"/>
+              <a:cs typeface="Arial" panose="020B0604020202020204" pitchFamily="34" charset="0"/>
+            </a:endParaRPr>
+          </a:p>
+          <a:p>
+            <a:pPr marL="0" indent="0">
+              <a:buNone/>
+            </a:pPr>
+            <a:endParaRPr lang="en-US" sz="1400" dirty="0">
+              <a:latin typeface="Arial" panose="020B0604020202020204" pitchFamily="34" charset="0"/>
+              <a:cs typeface="Arial" panose="020B0604020202020204" pitchFamily="34" charset="0"/>
+            </a:endParaRPr>
+          </a:p>
+          <a:p>
+            <a:pPr marL="0" indent="0">
+              <a:buNone/>
+            </a:pPr>
+            <a:r>
+              <a:rPr lang="en-US" sz="1400" dirty="0" smtClean="0">
+                <a:latin typeface="Arial" panose="020B0604020202020204" pitchFamily="34" charset="0"/>
+                <a:cs typeface="Arial" panose="020B0604020202020204" pitchFamily="34" charset="0"/>
+              </a:rPr>
+              <a:t> </a:t>
+            </a:r>
+          </a:p>
+          <a:p>
+            <a:pPr marL="0" indent="0" algn="ctr">
+              <a:buNone/>
+            </a:pPr>
+            <a:endParaRPr lang="en-US" sz="1400" b="1" dirty="0" smtClean="0">
+              <a:latin typeface="Arial" panose="020B0604020202020204" pitchFamily="34" charset="0"/>
+              <a:cs typeface="Arial" panose="020B0604020202020204" pitchFamily="34" charset="0"/>
+            </a:endParaRPr>
+          </a:p>
+          <a:p>
+            <a:pPr marL="0" indent="0">
+              <a:buNone/>
+            </a:pPr>
+            <a:endParaRPr lang="en-US" sz="1400" dirty="0">
+              <a:latin typeface="Arial" panose="020B0604020202020204" pitchFamily="34" charset="0"/>
+              <a:cs typeface="Arial" panose="020B0604020202020204" pitchFamily="34" charset="0"/>
+            </a:endParaRPr>
+          </a:p>
+          <a:p>
+            <a:pPr marL="0" indent="0">
+              <a:buNone/>
+            </a:pPr>
+            <a:endParaRPr lang="en-US" sz="1400" dirty="0" smtClean="0">
+              <a:latin typeface="Arial" panose="020B0604020202020204" pitchFamily="34" charset="0"/>
+              <a:cs typeface="Arial" panose="020B0604020202020204" pitchFamily="34" charset="0"/>
+            </a:endParaRPr>
+          </a:p>
+          <a:p>
+            <a:pPr marL="0" indent="0">
+              <a:buNone/>
+            </a:pPr>
+            <a:endParaRPr lang="en-US" sz="1400" dirty="0">
+              <a:latin typeface="Arial" panose="020B0604020202020204" pitchFamily="34" charset="0"/>
+              <a:cs typeface="Arial" panose="020B0604020202020204" pitchFamily="34" charset="0"/>
+            </a:endParaRPr>
+          </a:p>
+          <a:p>
+            <a:pPr marL="0" indent="0">
+              <a:buNone/>
+            </a:pPr>
+            <a:endParaRPr lang="en-US" sz="1400" dirty="0" smtClean="0">
+              <a:latin typeface="Arial" panose="020B0604020202020204" pitchFamily="34" charset="0"/>
+              <a:cs typeface="Arial" panose="020B0604020202020204" pitchFamily="34" charset="0"/>
+            </a:endParaRPr>
+          </a:p>
+          <a:p>
+            <a:pPr marL="0" indent="0">
+              <a:buNone/>
+            </a:pPr>
+            <a:endParaRPr lang="en-US" sz="1400" dirty="0" smtClean="0">
+              <a:latin typeface="Arial" panose="020B0604020202020204" pitchFamily="34" charset="0"/>
+              <a:cs typeface="Arial" panose="020B0604020202020204" pitchFamily="34" charset="0"/>
+            </a:endParaRPr>
+          </a:p>
+          <a:p>
+            <a:pPr marL="0" indent="0">
+              <a:buNone/>
+            </a:pPr>
+            <a:endParaRPr lang="en-US" sz="1400" dirty="0">
+              <a:latin typeface="Arial" panose="020B0604020202020204" pitchFamily="34" charset="0"/>
+              <a:cs typeface="Arial" panose="020B0604020202020204" pitchFamily="34" charset="0"/>
+            </a:endParaRPr>
+          </a:p>
+          <a:p>
+            <a:pPr marL="0" indent="0">
+              <a:buNone/>
+            </a:pPr>
+            <a:endParaRPr lang="en-US" sz="1400" dirty="0">
+              <a:latin typeface="Arial" panose="020B0604020202020204" pitchFamily="34" charset="0"/>
+              <a:cs typeface="Arial" panose="020B0604020202020204" pitchFamily="34" charset="0"/>
+            </a:endParaRPr>
+          </a:p>
+          <a:p>
+            <a:pPr lvl="1"/>
+            <a:endParaRPr lang="en-US" sz="1400" dirty="0" smtClean="0">
+              <a:latin typeface="Arial" panose="020B0604020202020204" pitchFamily="34" charset="0"/>
+              <a:cs typeface="Arial" panose="020B0604020202020204" pitchFamily="34" charset="0"/>
+            </a:endParaRPr>
+          </a:p>
+          <a:p>
+            <a:pPr marL="0" indent="0">
+              <a:buNone/>
+            </a:pPr>
+            <a:endParaRPr lang="en-US" sz="1600" dirty="0">
+              <a:latin typeface="Arial" panose="020B0604020202020204" pitchFamily="34" charset="0"/>
+              <a:cs typeface="Arial" panose="020B0604020202020204" pitchFamily="34" charset="0"/>
+            </a:endParaRPr>
+          </a:p>
+        </p:txBody>
+      </p:sp>
+      <p:grpSp>
+        <p:nvGrpSpPr>
+          <p:cNvPr id="13" name="Group 12">
+            <a:extLst>
+              <a:ext uri="{FF2B5EF4-FFF2-40B4-BE49-F238E27FC236}">
+                <a16:creationId xmlns:a16="http://schemas.microsoft.com/office/drawing/2014/main" id="{18D1CD37-8CFB-4B53-B59A-33FF38E53C98}"/>
+              </a:ext>
+            </a:extLst>
+          </p:cNvPr>
+          <p:cNvGrpSpPr/>
+          <p:nvPr/>
+        </p:nvGrpSpPr>
+        <p:grpSpPr>
+          <a:xfrm>
+            <a:off x="3942079" y="2987040"/>
+            <a:ext cx="4802637" cy="3195159"/>
+            <a:chOff x="7163312" y="1312696"/>
+            <a:chExt cx="3404581" cy="2536739"/>
+          </a:xfrm>
+        </p:grpSpPr>
+        <p:pic>
+          <p:nvPicPr>
+            <p:cNvPr id="14" name="Picture 13">
+              <a:extLst>
+                <a:ext uri="{FF2B5EF4-FFF2-40B4-BE49-F238E27FC236}">
+                  <a16:creationId xmlns:a16="http://schemas.microsoft.com/office/drawing/2014/main" id="{857138F2-54EE-461A-AF01-F5B557EDA7CF}"/>
+                </a:ext>
+              </a:extLst>
+            </p:cNvPr>
+            <p:cNvPicPr>
+              <a:picLocks noChangeAspect="1"/>
+            </p:cNvPicPr>
+            <p:nvPr/>
+          </p:nvPicPr>
+          <p:blipFill>
+            <a:blip r:embed="rId2"/>
+            <a:stretch>
+              <a:fillRect/>
+            </a:stretch>
+          </p:blipFill>
+          <p:spPr>
+            <a:xfrm>
+              <a:off x="7483498" y="1312696"/>
+              <a:ext cx="3084395" cy="2405460"/>
+            </a:xfrm>
+            <a:prstGeom prst="rect">
+              <a:avLst/>
+            </a:prstGeom>
+          </p:spPr>
+        </p:pic>
+        <p:sp>
+          <p:nvSpPr>
+            <p:cNvPr id="15" name="TextBox 14">
+              <a:extLst>
+                <a:ext uri="{FF2B5EF4-FFF2-40B4-BE49-F238E27FC236}">
+                  <a16:creationId xmlns:a16="http://schemas.microsoft.com/office/drawing/2014/main" id="{38E521F6-9726-46B2-900F-D4EA8FC4E730}"/>
+                </a:ext>
+              </a:extLst>
+            </p:cNvPr>
+            <p:cNvSpPr txBox="1"/>
+            <p:nvPr/>
+          </p:nvSpPr>
+          <p:spPr>
+            <a:xfrm>
+              <a:off x="8888169" y="3627271"/>
+              <a:ext cx="334892" cy="222164"/>
+            </a:xfrm>
+            <a:prstGeom prst="rect">
+              <a:avLst/>
+            </a:prstGeom>
+            <a:noFill/>
+          </p:spPr>
+          <p:txBody>
+            <a:bodyPr wrap="none" rtlCol="0">
+              <a:spAutoFit/>
+            </a:bodyPr>
+            <a:lstStyle/>
+            <a:p>
+              <a:r>
+                <a:rPr lang="en-US" sz="1600" b="1" dirty="0" smtClean="0"/>
+                <a:t>Risk</a:t>
+              </a:r>
+              <a:endParaRPr lang="en-US" sz="1600" b="1" dirty="0"/>
+            </a:p>
+          </p:txBody>
+        </p:sp>
+        <p:sp>
+          <p:nvSpPr>
+            <p:cNvPr id="16" name="TextBox 15">
+              <a:extLst>
+                <a:ext uri="{FF2B5EF4-FFF2-40B4-BE49-F238E27FC236}">
+                  <a16:creationId xmlns:a16="http://schemas.microsoft.com/office/drawing/2014/main" id="{EE045E5E-F5D0-4BEE-A885-3875B38EE359}"/>
+                </a:ext>
+              </a:extLst>
+            </p:cNvPr>
+            <p:cNvSpPr txBox="1"/>
+            <p:nvPr/>
+          </p:nvSpPr>
+          <p:spPr>
+            <a:xfrm>
+              <a:off x="7163312" y="1875857"/>
+              <a:ext cx="428401" cy="1287919"/>
+            </a:xfrm>
+            <a:prstGeom prst="rect">
+              <a:avLst/>
+            </a:prstGeom>
+            <a:noFill/>
+          </p:spPr>
+          <p:txBody>
+            <a:bodyPr vert="vert270" wrap="none" rtlCol="0">
+              <a:spAutoFit/>
+            </a:bodyPr>
+            <a:lstStyle/>
+            <a:p>
+              <a:pPr algn="ctr"/>
+              <a:r>
+                <a:rPr lang="en-US" sz="1600" b="1" dirty="0" smtClean="0"/>
+                <a:t>Relative Fatality </a:t>
+              </a:r>
+              <a:r>
+                <a:rPr lang="en-US" sz="1600" b="1" dirty="0" smtClean="0"/>
+                <a:t>Index</a:t>
+              </a:r>
+            </a:p>
+            <a:p>
+              <a:pPr algn="ctr"/>
+              <a:r>
+                <a:rPr lang="en-US" sz="1600" b="1" dirty="0" smtClean="0"/>
+                <a:t>Risk perception</a:t>
+              </a:r>
+              <a:endParaRPr lang="en-US" sz="1600" b="1" dirty="0"/>
+            </a:p>
+          </p:txBody>
+        </p:sp>
+      </p:grpSp>
+      <p:sp>
+        <p:nvSpPr>
+          <p:cNvPr id="17" name="Rectangle 16">
+            <a:extLst>
+              <a:ext uri="{FF2B5EF4-FFF2-40B4-BE49-F238E27FC236}">
+                <a16:creationId xmlns:a16="http://schemas.microsoft.com/office/drawing/2014/main" id="{C3E4F717-B1FD-43B1-8303-3247F5E07D6D}"/>
+              </a:ext>
+            </a:extLst>
+          </p:cNvPr>
+          <p:cNvSpPr/>
+          <p:nvPr/>
+        </p:nvSpPr>
+        <p:spPr>
+          <a:xfrm>
+            <a:off x="4510921" y="6450467"/>
+            <a:ext cx="3717684" cy="286682"/>
+          </a:xfrm>
+          <a:prstGeom prst="rect">
+            <a:avLst/>
+          </a:prstGeom>
+        </p:spPr>
+        <p:txBody>
+          <a:bodyPr wrap="none">
+            <a:spAutoFit/>
+          </a:bodyPr>
+          <a:lstStyle/>
+          <a:p>
+            <a:pPr marL="457200" marR="0" indent="-457200">
+              <a:lnSpc>
+                <a:spcPct val="115000"/>
+              </a:lnSpc>
+              <a:spcBef>
+                <a:spcPts val="0"/>
+              </a:spcBef>
+              <a:spcAft>
+                <a:spcPts val="0"/>
+              </a:spcAft>
+            </a:pPr>
+            <a:r>
+              <a:rPr lang="en-US" sz="1200" i="1" dirty="0">
+                <a:solidFill>
+                  <a:srgbClr val="000000"/>
+                </a:solidFill>
+                <a:latin typeface="Arial" panose="020B0604020202020204" pitchFamily="34" charset="0"/>
+                <a:ea typeface="Times New Roman" panose="02020603050405020304" pitchFamily="18" charset="0"/>
+                <a:cs typeface="Arial" panose="020B0604020202020204" pitchFamily="34" charset="0"/>
+              </a:rPr>
+              <a:t>Figure 1</a:t>
+            </a:r>
+            <a:r>
+              <a:rPr lang="en-US" sz="1200" dirty="0">
+                <a:solidFill>
+                  <a:srgbClr val="000000"/>
+                </a:solidFill>
+                <a:latin typeface="Arial" panose="020B0604020202020204" pitchFamily="34" charset="0"/>
+                <a:ea typeface="Times New Roman" panose="02020603050405020304" pitchFamily="18" charset="0"/>
+                <a:cs typeface="Arial" panose="020B0604020202020204" pitchFamily="34" charset="0"/>
+              </a:rPr>
+              <a:t>:  </a:t>
+            </a:r>
+            <a:r>
+              <a:rPr lang="en-US" altLang="en-US" sz="1200" dirty="0">
+                <a:latin typeface="Arial" panose="020B0604020202020204" pitchFamily="34" charset="0"/>
+                <a:cs typeface="Arial" panose="020B0604020202020204" pitchFamily="34" charset="0"/>
+              </a:rPr>
+              <a:t>Graphical Representation of Hypothesis</a:t>
+            </a:r>
+            <a:r>
+              <a:rPr lang="en-US" sz="1200" dirty="0">
+                <a:latin typeface="Arial" panose="020B0604020202020204" pitchFamily="34" charset="0"/>
+                <a:cs typeface="Arial" panose="020B0604020202020204" pitchFamily="34" charset="0"/>
+              </a:rPr>
+              <a:t>.  </a:t>
+            </a:r>
+          </a:p>
+        </p:txBody>
+      </p:sp>
+      <p:cxnSp>
+        <p:nvCxnSpPr>
+          <p:cNvPr id="18" name="Straight Arrow Connector 17"/>
+          <p:cNvCxnSpPr/>
+          <p:nvPr/>
+        </p:nvCxnSpPr>
+        <p:spPr>
+          <a:xfrm flipV="1">
+            <a:off x="4968240" y="6248917"/>
+            <a:ext cx="3616960" cy="30136"/>
+          </a:xfrm>
+          <a:prstGeom prst="straightConnector1">
+            <a:avLst/>
+          </a:prstGeom>
+          <a:ln w="25400">
+            <a:solidFill>
+              <a:srgbClr val="FF0000"/>
+            </a:solidFill>
+            <a:prstDash val="dash"/>
+            <a:tailEnd type="triangle" w="lg" len="lg"/>
+          </a:ln>
+        </p:spPr>
+        <p:style>
+          <a:lnRef idx="1">
+            <a:schemeClr val="accent1"/>
+          </a:lnRef>
+          <a:fillRef idx="0">
+            <a:schemeClr val="accent1"/>
+          </a:fillRef>
+          <a:effectRef idx="0">
+            <a:schemeClr val="accent1"/>
+          </a:effectRef>
+          <a:fontRef idx="minor">
+            <a:schemeClr val="tx1"/>
+          </a:fontRef>
+        </p:style>
+      </p:cxnSp>
+      <p:sp>
+        <p:nvSpPr>
+          <p:cNvPr id="19" name="TextBox 18"/>
+          <p:cNvSpPr txBox="1"/>
+          <p:nvPr/>
+        </p:nvSpPr>
+        <p:spPr>
+          <a:xfrm>
+            <a:off x="4248858" y="6104297"/>
+            <a:ext cx="503664" cy="307777"/>
+          </a:xfrm>
+          <a:prstGeom prst="rect">
+            <a:avLst/>
+          </a:prstGeom>
+          <a:noFill/>
+        </p:spPr>
+        <p:txBody>
+          <a:bodyPr wrap="square" rtlCol="0">
+            <a:spAutoFit/>
+          </a:bodyPr>
+          <a:lstStyle/>
+          <a:p>
+            <a:r>
+              <a:rPr lang="en-US" sz="1400" b="1" dirty="0" smtClean="0">
+                <a:solidFill>
+                  <a:srgbClr val="FF0000"/>
+                </a:solidFill>
+                <a:latin typeface="Arial" panose="020B0604020202020204" pitchFamily="34" charset="0"/>
+                <a:cs typeface="Arial" panose="020B0604020202020204" pitchFamily="34" charset="0"/>
+              </a:rPr>
+              <a:t>risk</a:t>
+            </a:r>
+            <a:endParaRPr lang="en-US" sz="1400" b="1" dirty="0">
+              <a:solidFill>
+                <a:srgbClr val="FF0000"/>
+              </a:solidFill>
+              <a:latin typeface="Arial" panose="020B0604020202020204" pitchFamily="34" charset="0"/>
+              <a:cs typeface="Arial" panose="020B0604020202020204" pitchFamily="34" charset="0"/>
+            </a:endParaRPr>
+          </a:p>
+        </p:txBody>
+      </p:sp>
+      <p:cxnSp>
+        <p:nvCxnSpPr>
+          <p:cNvPr id="20" name="Straight Arrow Connector 19"/>
+          <p:cNvCxnSpPr/>
+          <p:nvPr/>
+        </p:nvCxnSpPr>
+        <p:spPr>
+          <a:xfrm flipV="1">
+            <a:off x="3545678" y="3261429"/>
+            <a:ext cx="10399" cy="1783161"/>
+          </a:xfrm>
+          <a:prstGeom prst="straightConnector1">
+            <a:avLst/>
+          </a:prstGeom>
+          <a:ln w="25400">
+            <a:solidFill>
+              <a:srgbClr val="00B050"/>
+            </a:solidFill>
+            <a:prstDash val="dash"/>
+            <a:tailEnd type="triangle" w="lg" len="lg"/>
+          </a:ln>
+        </p:spPr>
+        <p:style>
+          <a:lnRef idx="1">
+            <a:schemeClr val="accent1"/>
+          </a:lnRef>
+          <a:fillRef idx="0">
+            <a:schemeClr val="accent1"/>
+          </a:fillRef>
+          <a:effectRef idx="0">
+            <a:schemeClr val="accent1"/>
+          </a:effectRef>
+          <a:fontRef idx="minor">
+            <a:schemeClr val="tx1"/>
+          </a:fontRef>
+        </p:style>
+      </p:cxnSp>
+      <p:sp>
+        <p:nvSpPr>
+          <p:cNvPr id="21" name="TextBox 20"/>
+          <p:cNvSpPr txBox="1"/>
+          <p:nvPr/>
+        </p:nvSpPr>
+        <p:spPr>
+          <a:xfrm rot="16200000">
+            <a:off x="2691870" y="5442771"/>
+            <a:ext cx="1707615" cy="307777"/>
+          </a:xfrm>
+          <a:prstGeom prst="rect">
+            <a:avLst/>
+          </a:prstGeom>
+          <a:noFill/>
+        </p:spPr>
+        <p:txBody>
+          <a:bodyPr wrap="square" rtlCol="0">
+            <a:spAutoFit/>
+          </a:bodyPr>
+          <a:lstStyle/>
+          <a:p>
+            <a:r>
+              <a:rPr lang="en-US" sz="1400" b="1" dirty="0">
+                <a:solidFill>
+                  <a:srgbClr val="00B050"/>
+                </a:solidFill>
+                <a:latin typeface="Arial" panose="020B0604020202020204" pitchFamily="34" charset="0"/>
+                <a:cs typeface="Arial" panose="020B0604020202020204" pitchFamily="34" charset="0"/>
+              </a:rPr>
+              <a:t>r</a:t>
+            </a:r>
+            <a:r>
+              <a:rPr lang="en-US" sz="1400" b="1" dirty="0" smtClean="0">
+                <a:solidFill>
+                  <a:srgbClr val="00B050"/>
+                </a:solidFill>
+                <a:latin typeface="Arial" panose="020B0604020202020204" pitchFamily="34" charset="0"/>
+                <a:cs typeface="Arial" panose="020B0604020202020204" pitchFamily="34" charset="0"/>
+              </a:rPr>
+              <a:t>isk perce</a:t>
+            </a:r>
+            <a:r>
+              <a:rPr lang="en-US" sz="1400" b="1" dirty="0" smtClean="0">
+                <a:solidFill>
+                  <a:srgbClr val="00B050"/>
+                </a:solidFill>
+                <a:latin typeface="Arial" panose="020B0604020202020204" pitchFamily="34" charset="0"/>
+                <a:cs typeface="Arial" panose="020B0604020202020204" pitchFamily="34" charset="0"/>
+              </a:rPr>
+              <a:t>ption</a:t>
+            </a:r>
+            <a:endParaRPr lang="en-US" sz="1400" b="1" dirty="0">
+              <a:solidFill>
+                <a:srgbClr val="00B050"/>
+              </a:solidFill>
+              <a:latin typeface="Arial" panose="020B0604020202020204" pitchFamily="34" charset="0"/>
+              <a:cs typeface="Arial" panose="020B0604020202020204" pitchFamily="34" charset="0"/>
+            </a:endParaRPr>
+          </a:p>
+        </p:txBody>
+      </p:sp>
+    </p:spTree>
+    <p:extLst>
+      <p:ext uri="{BB962C8B-B14F-4D97-AF65-F5344CB8AC3E}">
+        <p14:creationId xmlns:p14="http://schemas.microsoft.com/office/powerpoint/2010/main" val="1539542021"/>
+      </p:ext>
+    </p:extLst>
+  </p:cSld>
+  <p:clrMapOvr>
+    <a:masterClrMapping/>
+  </p:clrMapOvr>
+  <p:timing>
+    <p:tnLst>
+      <p:par>
+        <p:cTn id="1" dur="indefinite" restart="never" nodeType="tmRoot"/>
+      </p:par>
+    </p:tnLst>
+  </p:timing>
+</p:sld>
+</file>
+
+<file path=ppt/slides/slide14.xml><?xml version="1.0" encoding="utf-8"?>
+<p:sld xmlns:a="http://schemas.openxmlformats.org/drawingml/2006/main" xmlns:r="http://schemas.openxmlformats.org/officeDocument/2006/relationships" xmlns:p="http://schemas.openxmlformats.org/presentationml/2006/main">
+  <p:cSld>
+    <p:spTree>
+      <p:nvGrpSpPr>
+        <p:cNvPr id="1" name=""/>
+        <p:cNvGrpSpPr/>
+        <p:nvPr/>
+      </p:nvGrpSpPr>
+      <p:grpSpPr>
+        <a:xfrm>
+          <a:off x="0" y="0"/>
+          <a:ext cx="0" cy="0"/>
+          <a:chOff x="0" y="0"/>
+          <a:chExt cx="0" cy="0"/>
+        </a:xfrm>
+      </p:grpSpPr>
+      <p:sp>
+        <p:nvSpPr>
           <p:cNvPr id="2" name="Content Placeholder 1"/>
           <p:cNvSpPr>
             <a:spLocks noGrp="1"/>
@@ -5895,7 +6743,7 @@
 </p:sld>
 </file>
 
-<file path=ppt/slides/slide14.xml><?xml version="1.0" encoding="utf-8"?>
+<file path=ppt/slides/slide15.xml><?xml version="1.0" encoding="utf-8"?>
 <p:sld xmlns:a="http://schemas.openxmlformats.org/drawingml/2006/main" xmlns:r="http://schemas.openxmlformats.org/officeDocument/2006/relationships" xmlns:p="http://schemas.openxmlformats.org/presentationml/2006/main">
   <p:cSld>
     <p:spTree>
@@ -6358,7 +7206,7 @@
 </p:sld>
 </file>
 
-<file path=ppt/slides/slide15.xml><?xml version="1.0" encoding="utf-8"?>
+<file path=ppt/slides/slide16.xml><?xml version="1.0" encoding="utf-8"?>
 <p:sld xmlns:a="http://schemas.openxmlformats.org/drawingml/2006/main" xmlns:r="http://schemas.openxmlformats.org/officeDocument/2006/relationships" xmlns:p="http://schemas.openxmlformats.org/presentationml/2006/main">
   <p:cSld>
     <p:spTree>
@@ -6757,10 +7605,6 @@
               </a:rPr>
               <a:t> and injury count. </a:t>
             </a:r>
-            <a:endParaRPr lang="en-US" sz="1400" dirty="0" smtClean="0">
-              <a:latin typeface="Arial" panose="020B0604020202020204" pitchFamily="34" charset="0"/>
-              <a:cs typeface="Arial" panose="020B0604020202020204" pitchFamily="34" charset="0"/>
-            </a:endParaRPr>
           </a:p>
           <a:p>
             <a:pPr marL="342900" indent="-342900">
@@ -6771,42 +7615,7 @@
                 <a:latin typeface="Arial" panose="020B0604020202020204" pitchFamily="34" charset="0"/>
                 <a:cs typeface="Arial" panose="020B0604020202020204" pitchFamily="34" charset="0"/>
               </a:rPr>
-              <a:t>Any </a:t>
-            </a:r>
-            <a:r>
-              <a:rPr lang="en-US" sz="1400" dirty="0" smtClean="0">
-                <a:latin typeface="Arial" panose="020B0604020202020204" pitchFamily="34" charset="0"/>
-                <a:cs typeface="Arial" panose="020B0604020202020204" pitchFamily="34" charset="0"/>
-              </a:rPr>
-              <a:t>other suggestions as to what other </a:t>
-            </a:r>
-            <a:r>
-              <a:rPr lang="en-US" sz="1400" dirty="0" smtClean="0">
-                <a:latin typeface="Arial" panose="020B0604020202020204" pitchFamily="34" charset="0"/>
-                <a:cs typeface="Arial" panose="020B0604020202020204" pitchFamily="34" charset="0"/>
-              </a:rPr>
-              <a:t>potential statistical </a:t>
-            </a:r>
-            <a:r>
-              <a:rPr lang="en-US" sz="1400" dirty="0" smtClean="0">
-                <a:latin typeface="Arial" panose="020B0604020202020204" pitchFamily="34" charset="0"/>
-                <a:cs typeface="Arial" panose="020B0604020202020204" pitchFamily="34" charset="0"/>
-              </a:rPr>
-              <a:t>measurements we can </a:t>
-            </a:r>
-            <a:r>
-              <a:rPr lang="en-US" sz="1400" dirty="0" smtClean="0">
-                <a:latin typeface="Arial" panose="020B0604020202020204" pitchFamily="34" charset="0"/>
-                <a:cs typeface="Arial" panose="020B0604020202020204" pitchFamily="34" charset="0"/>
-              </a:rPr>
-              <a:t>perform, </a:t>
-            </a:r>
-            <a:r>
-              <a:rPr lang="en-US" sz="1400" dirty="0" smtClean="0">
-                <a:latin typeface="Arial" panose="020B0604020202020204" pitchFamily="34" charset="0"/>
-                <a:cs typeface="Arial" panose="020B0604020202020204" pitchFamily="34" charset="0"/>
-              </a:rPr>
-              <a:t>would be appreciated?</a:t>
+              <a:t>Any other suggestions as to what other potential statistical measurements we can perform, would be appreciated?</a:t>
             </a:r>
           </a:p>
           <a:p>
@@ -6984,7 +7793,7 @@
 </p:sld>
 </file>
 
-<file path=ppt/slides/slide16.xml><?xml version="1.0" encoding="utf-8"?>
+<file path=ppt/slides/slide17.xml><?xml version="1.0" encoding="utf-8"?>
 <p:sld xmlns:a="http://schemas.openxmlformats.org/drawingml/2006/main" xmlns:r="http://schemas.openxmlformats.org/officeDocument/2006/relationships" xmlns:p="http://schemas.openxmlformats.org/presentationml/2006/main">
   <p:cSld>
     <p:spTree>
@@ -7060,7 +7869,7 @@
 </p:sld>
 </file>
 
-<file path=ppt/slides/slide17.xml><?xml version="1.0" encoding="utf-8"?>
+<file path=ppt/slides/slide18.xml><?xml version="1.0" encoding="utf-8"?>
 <p:sld xmlns:a="http://schemas.openxmlformats.org/drawingml/2006/main" xmlns:r="http://schemas.openxmlformats.org/officeDocument/2006/relationships" xmlns:p="http://schemas.openxmlformats.org/presentationml/2006/main">
   <p:cSld>
     <p:spTree>
@@ -7380,7 +8189,7 @@
 </p:sld>
 </file>
 
-<file path=ppt/slides/slide18.xml><?xml version="1.0" encoding="utf-8"?>
+<file path=ppt/slides/slide19.xml><?xml version="1.0" encoding="utf-8"?>
 <p:sld xmlns:a="http://schemas.openxmlformats.org/drawingml/2006/main" xmlns:r="http://schemas.openxmlformats.org/officeDocument/2006/relationships" xmlns:p="http://schemas.openxmlformats.org/presentationml/2006/main">
   <p:cSld>
     <p:spTree>
@@ -7456,7 +8265,213 @@
 </p:sld>
 </file>
 
-<file path=ppt/slides/slide19.xml><?xml version="1.0" encoding="utf-8"?>
+<file path=ppt/slides/slide2.xml><?xml version="1.0" encoding="utf-8"?>
+<p:sld xmlns:a="http://schemas.openxmlformats.org/drawingml/2006/main" xmlns:r="http://schemas.openxmlformats.org/officeDocument/2006/relationships" xmlns:p="http://schemas.openxmlformats.org/presentationml/2006/main">
+  <p:cSld>
+    <p:spTree>
+      <p:nvGrpSpPr>
+        <p:cNvPr id="1" name=""/>
+        <p:cNvGrpSpPr/>
+        <p:nvPr/>
+      </p:nvGrpSpPr>
+      <p:grpSpPr>
+        <a:xfrm>
+          <a:off x="0" y="0"/>
+          <a:ext cx="0" cy="0"/>
+          <a:chOff x="0" y="0"/>
+          <a:chExt cx="0" cy="0"/>
+        </a:xfrm>
+      </p:grpSpPr>
+      <p:sp>
+        <p:nvSpPr>
+          <p:cNvPr id="3" name="Content Placeholder 2"/>
+          <p:cNvSpPr>
+            <a:spLocks noGrp="1"/>
+          </p:cNvSpPr>
+          <p:nvPr>
+            <p:ph idx="1"/>
+          </p:nvPr>
+        </p:nvSpPr>
+        <p:spPr>
+          <a:xfrm>
+            <a:off x="537029" y="905644"/>
+            <a:ext cx="10937216" cy="5741339"/>
+          </a:xfrm>
+        </p:spPr>
+        <p:txBody>
+          <a:bodyPr>
+            <a:noAutofit/>
+          </a:bodyPr>
+          <a:lstStyle/>
+          <a:p>
+            <a:pPr marL="0" indent="0">
+              <a:buNone/>
+            </a:pPr>
+            <a:r>
+              <a:rPr lang="en-US" sz="1800" dirty="0">
+                <a:latin typeface="Arial" panose="020B0604020202020204" pitchFamily="34" charset="0"/>
+                <a:cs typeface="Arial" panose="020B0604020202020204" pitchFamily="34" charset="0"/>
+              </a:rPr>
+              <a:t>Understanding risk perception and the associated human behaviors are key in understanding how people react to hazards and how a culture of safety is developed. </a:t>
+            </a:r>
+          </a:p>
+          <a:p>
+            <a:pPr marL="0" indent="0">
+              <a:buNone/>
+            </a:pPr>
+            <a:endParaRPr lang="en-US" sz="1800" dirty="0">
+              <a:latin typeface="Arial" panose="020B0604020202020204" pitchFamily="34" charset="0"/>
+              <a:cs typeface="Arial" panose="020B0604020202020204" pitchFamily="34" charset="0"/>
+            </a:endParaRPr>
+          </a:p>
+          <a:p>
+            <a:pPr marL="0" indent="0">
+              <a:buNone/>
+            </a:pPr>
+            <a:r>
+              <a:rPr lang="en-US" sz="1800" dirty="0">
+                <a:latin typeface="Arial" panose="020B0604020202020204" pitchFamily="34" charset="0"/>
+                <a:cs typeface="Arial" panose="020B0604020202020204" pitchFamily="34" charset="0"/>
+              </a:rPr>
+              <a:t>How the individual perceives the risk associated with their work may determine how they will react in the event of an incident or a harmful exposure and this may be seen reflected in workplace injuries.  </a:t>
+            </a:r>
+          </a:p>
+          <a:p>
+            <a:pPr marL="0" indent="0">
+              <a:buNone/>
+            </a:pPr>
+            <a:endParaRPr lang="en-US" sz="1800" dirty="0">
+              <a:latin typeface="Arial" panose="020B0604020202020204" pitchFamily="34" charset="0"/>
+              <a:cs typeface="Arial" panose="020B0604020202020204" pitchFamily="34" charset="0"/>
+            </a:endParaRPr>
+          </a:p>
+          <a:p>
+            <a:pPr marL="0" indent="0">
+              <a:buNone/>
+            </a:pPr>
+            <a:r>
+              <a:rPr lang="en-US" sz="1800" dirty="0">
+                <a:latin typeface="Arial" panose="020B0604020202020204" pitchFamily="34" charset="0"/>
+                <a:cs typeface="Arial" panose="020B0604020202020204" pitchFamily="34" charset="0"/>
+              </a:rPr>
+              <a:t>Secondary data analysis of documented workplace injuries of laboratory workers in educational and healthcare institutions and manufacturing.  It will examine the </a:t>
+            </a:r>
+            <a:r>
+              <a:rPr lang="en-US" sz="1800" b="1" dirty="0">
+                <a:latin typeface="Arial" panose="020B0604020202020204" pitchFamily="34" charset="0"/>
+                <a:cs typeface="Arial" panose="020B0604020202020204" pitchFamily="34" charset="0"/>
+              </a:rPr>
+              <a:t>Relationship between Risk Perception and Occupational Injuries.  </a:t>
+            </a:r>
+          </a:p>
+          <a:p>
+            <a:pPr marL="0" indent="0">
+              <a:buNone/>
+            </a:pPr>
+            <a:endParaRPr lang="en-US" sz="1800" b="1" dirty="0">
+              <a:latin typeface="Arial" panose="020B0604020202020204" pitchFamily="34" charset="0"/>
+              <a:cs typeface="Arial" panose="020B0604020202020204" pitchFamily="34" charset="0"/>
+            </a:endParaRPr>
+          </a:p>
+          <a:p>
+            <a:pPr marL="0" indent="0">
+              <a:buNone/>
+            </a:pPr>
+            <a:r>
+              <a:rPr lang="en-US" sz="1800" dirty="0">
+                <a:latin typeface="Arial" panose="020B0604020202020204" pitchFamily="34" charset="0"/>
+                <a:cs typeface="Arial" panose="020B0604020202020204" pitchFamily="34" charset="0"/>
+              </a:rPr>
+              <a:t>	The general intent of the study is to understand how risk perception and injury experience affects 	safety behaviors in order to propose hazard mitigation interventions that consider the human 	factors.</a:t>
+            </a:r>
+            <a:endParaRPr lang="en-US" sz="1800" b="1" dirty="0">
+              <a:latin typeface="Arial" panose="020B0604020202020204" pitchFamily="34" charset="0"/>
+              <a:cs typeface="Arial" panose="020B0604020202020204" pitchFamily="34" charset="0"/>
+            </a:endParaRPr>
+          </a:p>
+        </p:txBody>
+      </p:sp>
+      <p:sp>
+        <p:nvSpPr>
+          <p:cNvPr id="11" name="Title 1">
+            <a:extLst>
+              <a:ext uri="{FF2B5EF4-FFF2-40B4-BE49-F238E27FC236}">
+                <a16:creationId xmlns:a16="http://schemas.microsoft.com/office/drawing/2014/main" id="{B1DC8F07-C72B-452C-A31A-477974197AF0}"/>
+              </a:ext>
+            </a:extLst>
+          </p:cNvPr>
+          <p:cNvSpPr txBox="1">
+            <a:spLocks/>
+          </p:cNvSpPr>
+          <p:nvPr/>
+        </p:nvSpPr>
+        <p:spPr>
+          <a:xfrm>
+            <a:off x="537028" y="211016"/>
+            <a:ext cx="11065035" cy="369087"/>
+          </a:xfrm>
+          <a:prstGeom prst="rect">
+            <a:avLst/>
+          </a:prstGeom>
+          <a:solidFill>
+            <a:srgbClr val="00B0F0"/>
+          </a:solidFill>
+        </p:spPr>
+        <p:txBody>
+          <a:bodyPr vert="horz" lIns="91440" tIns="45720" rIns="91440" bIns="45720" rtlCol="0" anchor="ctr">
+            <a:normAutofit/>
+          </a:bodyPr>
+          <a:lstStyle>
+            <a:lvl1pPr algn="l" defTabSz="914400" rtl="0" eaLnBrk="1" latinLnBrk="0" hangingPunct="1">
+              <a:lnSpc>
+                <a:spcPct val="90000"/>
+              </a:lnSpc>
+              <a:spcBef>
+                <a:spcPct val="0"/>
+              </a:spcBef>
+              <a:buNone/>
+              <a:defRPr sz="4400" kern="1200">
+                <a:solidFill>
+                  <a:schemeClr val="tx1"/>
+                </a:solidFill>
+                <a:latin typeface="+mj-lt"/>
+                <a:ea typeface="+mj-ea"/>
+                <a:cs typeface="+mj-cs"/>
+              </a:defRPr>
+            </a:lvl1pPr>
+          </a:lstStyle>
+          <a:p>
+            <a:r>
+              <a:rPr lang="en-US" sz="2000" b="1" dirty="0">
+                <a:latin typeface="Arial" panose="020B0604020202020204" pitchFamily="34" charset="0"/>
+                <a:cs typeface="Arial" panose="020B0604020202020204" pitchFamily="34" charset="0"/>
+              </a:rPr>
+              <a:t>Background</a:t>
+            </a:r>
+          </a:p>
+        </p:txBody>
+      </p:sp>
+    </p:spTree>
+    <p:extLst>
+      <p:ext uri="{BB962C8B-B14F-4D97-AF65-F5344CB8AC3E}">
+        <p14:creationId xmlns:p14="http://schemas.microsoft.com/office/powerpoint/2010/main" val="3204832370"/>
+      </p:ext>
+    </p:extLst>
+  </p:cSld>
+  <p:clrMapOvr>
+    <a:masterClrMapping/>
+  </p:clrMapOvr>
+  <p:timing>
+    <p:tnLst>
+      <p:par>
+        <p:cTn id="1" dur="indefinite" restart="never" nodeType="tmRoot"/>
+      </p:par>
+    </p:tnLst>
+  </p:timing>
+</p:sld>
+</file>
+
+<file path=ppt/slides/slide20.xml><?xml version="1.0" encoding="utf-8"?>
 <p:sld xmlns:a="http://schemas.openxmlformats.org/drawingml/2006/main" xmlns:r="http://schemas.openxmlformats.org/officeDocument/2006/relationships" xmlns:p="http://schemas.openxmlformats.org/presentationml/2006/main">
   <p:cSld>
     <p:spTree>
@@ -7899,213 +8914,7 @@
 </p:sld>
 </file>
 
-<file path=ppt/slides/slide2.xml><?xml version="1.0" encoding="utf-8"?>
-<p:sld xmlns:a="http://schemas.openxmlformats.org/drawingml/2006/main" xmlns:r="http://schemas.openxmlformats.org/officeDocument/2006/relationships" xmlns:p="http://schemas.openxmlformats.org/presentationml/2006/main">
-  <p:cSld>
-    <p:spTree>
-      <p:nvGrpSpPr>
-        <p:cNvPr id="1" name=""/>
-        <p:cNvGrpSpPr/>
-        <p:nvPr/>
-      </p:nvGrpSpPr>
-      <p:grpSpPr>
-        <a:xfrm>
-          <a:off x="0" y="0"/>
-          <a:ext cx="0" cy="0"/>
-          <a:chOff x="0" y="0"/>
-          <a:chExt cx="0" cy="0"/>
-        </a:xfrm>
-      </p:grpSpPr>
-      <p:sp>
-        <p:nvSpPr>
-          <p:cNvPr id="3" name="Content Placeholder 2"/>
-          <p:cNvSpPr>
-            <a:spLocks noGrp="1"/>
-          </p:cNvSpPr>
-          <p:nvPr>
-            <p:ph idx="1"/>
-          </p:nvPr>
-        </p:nvSpPr>
-        <p:spPr>
-          <a:xfrm>
-            <a:off x="537029" y="905644"/>
-            <a:ext cx="10937216" cy="5741339"/>
-          </a:xfrm>
-        </p:spPr>
-        <p:txBody>
-          <a:bodyPr>
-            <a:noAutofit/>
-          </a:bodyPr>
-          <a:lstStyle/>
-          <a:p>
-            <a:pPr marL="0" indent="0">
-              <a:buNone/>
-            </a:pPr>
-            <a:r>
-              <a:rPr lang="en-US" sz="1800" dirty="0">
-                <a:latin typeface="Arial" panose="020B0604020202020204" pitchFamily="34" charset="0"/>
-                <a:cs typeface="Arial" panose="020B0604020202020204" pitchFamily="34" charset="0"/>
-              </a:rPr>
-              <a:t>Understanding risk perception and the associated human behaviors are key in understanding how people react to hazards and how a culture of safety is developed. </a:t>
-            </a:r>
-          </a:p>
-          <a:p>
-            <a:pPr marL="0" indent="0">
-              <a:buNone/>
-            </a:pPr>
-            <a:endParaRPr lang="en-US" sz="1800" dirty="0">
-              <a:latin typeface="Arial" panose="020B0604020202020204" pitchFamily="34" charset="0"/>
-              <a:cs typeface="Arial" panose="020B0604020202020204" pitchFamily="34" charset="0"/>
-            </a:endParaRPr>
-          </a:p>
-          <a:p>
-            <a:pPr marL="0" indent="0">
-              <a:buNone/>
-            </a:pPr>
-            <a:r>
-              <a:rPr lang="en-US" sz="1800" dirty="0">
-                <a:latin typeface="Arial" panose="020B0604020202020204" pitchFamily="34" charset="0"/>
-                <a:cs typeface="Arial" panose="020B0604020202020204" pitchFamily="34" charset="0"/>
-              </a:rPr>
-              <a:t>How the individual perceives the risk associated with their work may determine how they will react in the event of an incident or a harmful exposure and this may be seen reflected in workplace injuries.  </a:t>
-            </a:r>
-          </a:p>
-          <a:p>
-            <a:pPr marL="0" indent="0">
-              <a:buNone/>
-            </a:pPr>
-            <a:endParaRPr lang="en-US" sz="1800" dirty="0">
-              <a:latin typeface="Arial" panose="020B0604020202020204" pitchFamily="34" charset="0"/>
-              <a:cs typeface="Arial" panose="020B0604020202020204" pitchFamily="34" charset="0"/>
-            </a:endParaRPr>
-          </a:p>
-          <a:p>
-            <a:pPr marL="0" indent="0">
-              <a:buNone/>
-            </a:pPr>
-            <a:r>
-              <a:rPr lang="en-US" sz="1800" dirty="0">
-                <a:latin typeface="Arial" panose="020B0604020202020204" pitchFamily="34" charset="0"/>
-                <a:cs typeface="Arial" panose="020B0604020202020204" pitchFamily="34" charset="0"/>
-              </a:rPr>
-              <a:t>Secondary data analysis of documented workplace injuries of laboratory workers in educational and healthcare institutions and manufacturing.  It will examine the </a:t>
-            </a:r>
-            <a:r>
-              <a:rPr lang="en-US" sz="1800" b="1" dirty="0">
-                <a:latin typeface="Arial" panose="020B0604020202020204" pitchFamily="34" charset="0"/>
-                <a:cs typeface="Arial" panose="020B0604020202020204" pitchFamily="34" charset="0"/>
-              </a:rPr>
-              <a:t>Relationship between Risk Perception and Occupational Injuries.  </a:t>
-            </a:r>
-          </a:p>
-          <a:p>
-            <a:pPr marL="0" indent="0">
-              <a:buNone/>
-            </a:pPr>
-            <a:endParaRPr lang="en-US" sz="1800" b="1" dirty="0">
-              <a:latin typeface="Arial" panose="020B0604020202020204" pitchFamily="34" charset="0"/>
-              <a:cs typeface="Arial" panose="020B0604020202020204" pitchFamily="34" charset="0"/>
-            </a:endParaRPr>
-          </a:p>
-          <a:p>
-            <a:pPr marL="0" indent="0">
-              <a:buNone/>
-            </a:pPr>
-            <a:r>
-              <a:rPr lang="en-US" sz="1800" dirty="0">
-                <a:latin typeface="Arial" panose="020B0604020202020204" pitchFamily="34" charset="0"/>
-                <a:cs typeface="Arial" panose="020B0604020202020204" pitchFamily="34" charset="0"/>
-              </a:rPr>
-              <a:t>	The general intent of the study is to understand how risk perception and injury experience affects 	safety behaviors in order to propose hazard mitigation interventions that consider the human 	factors.</a:t>
-            </a:r>
-            <a:endParaRPr lang="en-US" sz="1800" b="1" dirty="0">
-              <a:latin typeface="Arial" panose="020B0604020202020204" pitchFamily="34" charset="0"/>
-              <a:cs typeface="Arial" panose="020B0604020202020204" pitchFamily="34" charset="0"/>
-            </a:endParaRPr>
-          </a:p>
-        </p:txBody>
-      </p:sp>
-      <p:sp>
-        <p:nvSpPr>
-          <p:cNvPr id="11" name="Title 1">
-            <a:extLst>
-              <a:ext uri="{FF2B5EF4-FFF2-40B4-BE49-F238E27FC236}">
-                <a16:creationId xmlns:a16="http://schemas.microsoft.com/office/drawing/2014/main" id="{B1DC8F07-C72B-452C-A31A-477974197AF0}"/>
-              </a:ext>
-            </a:extLst>
-          </p:cNvPr>
-          <p:cNvSpPr txBox="1">
-            <a:spLocks/>
-          </p:cNvSpPr>
-          <p:nvPr/>
-        </p:nvSpPr>
-        <p:spPr>
-          <a:xfrm>
-            <a:off x="537028" y="211016"/>
-            <a:ext cx="11065035" cy="369087"/>
-          </a:xfrm>
-          <a:prstGeom prst="rect">
-            <a:avLst/>
-          </a:prstGeom>
-          <a:solidFill>
-            <a:srgbClr val="00B0F0"/>
-          </a:solidFill>
-        </p:spPr>
-        <p:txBody>
-          <a:bodyPr vert="horz" lIns="91440" tIns="45720" rIns="91440" bIns="45720" rtlCol="0" anchor="ctr">
-            <a:normAutofit/>
-          </a:bodyPr>
-          <a:lstStyle>
-            <a:lvl1pPr algn="l" defTabSz="914400" rtl="0" eaLnBrk="1" latinLnBrk="0" hangingPunct="1">
-              <a:lnSpc>
-                <a:spcPct val="90000"/>
-              </a:lnSpc>
-              <a:spcBef>
-                <a:spcPct val="0"/>
-              </a:spcBef>
-              <a:buNone/>
-              <a:defRPr sz="4400" kern="1200">
-                <a:solidFill>
-                  <a:schemeClr val="tx1"/>
-                </a:solidFill>
-                <a:latin typeface="+mj-lt"/>
-                <a:ea typeface="+mj-ea"/>
-                <a:cs typeface="+mj-cs"/>
-              </a:defRPr>
-            </a:lvl1pPr>
-          </a:lstStyle>
-          <a:p>
-            <a:r>
-              <a:rPr lang="en-US" sz="2000" b="1" dirty="0">
-                <a:latin typeface="Arial" panose="020B0604020202020204" pitchFamily="34" charset="0"/>
-                <a:cs typeface="Arial" panose="020B0604020202020204" pitchFamily="34" charset="0"/>
-              </a:rPr>
-              <a:t>Background</a:t>
-            </a:r>
-          </a:p>
-        </p:txBody>
-      </p:sp>
-    </p:spTree>
-    <p:extLst>
-      <p:ext uri="{BB962C8B-B14F-4D97-AF65-F5344CB8AC3E}">
-        <p14:creationId xmlns:p14="http://schemas.microsoft.com/office/powerpoint/2010/main" val="3204832370"/>
-      </p:ext>
-    </p:extLst>
-  </p:cSld>
-  <p:clrMapOvr>
-    <a:masterClrMapping/>
-  </p:clrMapOvr>
-  <p:timing>
-    <p:tnLst>
-      <p:par>
-        <p:cTn id="1" dur="indefinite" restart="never" nodeType="tmRoot"/>
-      </p:par>
-    </p:tnLst>
-  </p:timing>
-</p:sld>
-</file>
-
-<file path=ppt/slides/slide20.xml><?xml version="1.0" encoding="utf-8"?>
+<file path=ppt/slides/slide21.xml><?xml version="1.0" encoding="utf-8"?>
 <p:sld xmlns:a="http://schemas.openxmlformats.org/drawingml/2006/main" xmlns:r="http://schemas.openxmlformats.org/officeDocument/2006/relationships" xmlns:p="http://schemas.openxmlformats.org/presentationml/2006/main">
   <p:cSld>
     <p:spTree>
@@ -8659,7 +9468,7 @@
 </p:sld>
 </file>
 
-<file path=ppt/slides/slide21.xml><?xml version="1.0" encoding="utf-8"?>
+<file path=ppt/slides/slide22.xml><?xml version="1.0" encoding="utf-8"?>
 <p:sld xmlns:a="http://schemas.openxmlformats.org/drawingml/2006/main" xmlns:r="http://schemas.openxmlformats.org/officeDocument/2006/relationships" xmlns:p="http://schemas.openxmlformats.org/presentationml/2006/main">
   <p:cSld>
     <p:spTree>
@@ -8735,7 +9544,7 @@
 </p:sld>
 </file>
 
-<file path=ppt/slides/slide22.xml><?xml version="1.0" encoding="utf-8"?>
+<file path=ppt/slides/slide23.xml><?xml version="1.0" encoding="utf-8"?>
 <p:sld xmlns:a="http://schemas.openxmlformats.org/drawingml/2006/main" xmlns:r="http://schemas.openxmlformats.org/officeDocument/2006/relationships" xmlns:p="http://schemas.openxmlformats.org/presentationml/2006/main">
   <p:cSld>
     <p:spTree>
@@ -9509,7 +10318,7 @@
 </p:sld>
 </file>
 
-<file path=ppt/slides/slide23.xml><?xml version="1.0" encoding="utf-8"?>
+<file path=ppt/slides/slide24.xml><?xml version="1.0" encoding="utf-8"?>
 <p:sld xmlns:a="http://schemas.openxmlformats.org/drawingml/2006/main" xmlns:r="http://schemas.openxmlformats.org/officeDocument/2006/relationships" xmlns:p="http://schemas.openxmlformats.org/presentationml/2006/main">
   <p:cSld>
     <p:spTree>
@@ -11434,7 +12243,7 @@
 </p:sld>
 </file>
 
-<file path=ppt/slides/slide24.xml><?xml version="1.0" encoding="utf-8"?>
+<file path=ppt/slides/slide25.xml><?xml version="1.0" encoding="utf-8"?>
 <p:sld xmlns:a="http://schemas.openxmlformats.org/drawingml/2006/main" xmlns:r="http://schemas.openxmlformats.org/officeDocument/2006/relationships" xmlns:p="http://schemas.openxmlformats.org/presentationml/2006/main">
   <p:cSld>
     <p:spTree>
@@ -11605,7 +12414,7 @@
 </p:sld>
 </file>
 
-<file path=ppt/slides/slide25.xml><?xml version="1.0" encoding="utf-8"?>
+<file path=ppt/slides/slide26.xml><?xml version="1.0" encoding="utf-8"?>
 <p:sld xmlns:a="http://schemas.openxmlformats.org/drawingml/2006/main" xmlns:r="http://schemas.openxmlformats.org/officeDocument/2006/relationships" xmlns:p="http://schemas.openxmlformats.org/presentationml/2006/main">
   <p:cSld>
     <p:spTree>
@@ -12193,7 +13002,7 @@
 </p:sld>
 </file>
 
-<file path=ppt/slides/slide26.xml><?xml version="1.0" encoding="utf-8"?>
+<file path=ppt/slides/slide27.xml><?xml version="1.0" encoding="utf-8"?>
 <p:sld xmlns:a="http://schemas.openxmlformats.org/drawingml/2006/main" xmlns:r="http://schemas.openxmlformats.org/officeDocument/2006/relationships" xmlns:p="http://schemas.openxmlformats.org/presentationml/2006/main">
   <p:cSld>
     <p:spTree>
@@ -12455,7 +13264,7 @@
 </p:sld>
 </file>
 
-<file path=ppt/slides/slide27.xml><?xml version="1.0" encoding="utf-8"?>
+<file path=ppt/slides/slide28.xml><?xml version="1.0" encoding="utf-8"?>
 <p:sld xmlns:a="http://schemas.openxmlformats.org/drawingml/2006/main" xmlns:r="http://schemas.openxmlformats.org/officeDocument/2006/relationships" xmlns:p="http://schemas.openxmlformats.org/presentationml/2006/main">
   <p:cSld>
     <p:spTree>
@@ -13529,7 +14338,7 @@
 </p:sld>
 </file>
 
-<file path=ppt/slides/slide28.xml><?xml version="1.0" encoding="utf-8"?>
+<file path=ppt/slides/slide29.xml><?xml version="1.0" encoding="utf-8"?>
 <p:sld xmlns:a="http://schemas.openxmlformats.org/drawingml/2006/main" xmlns:r="http://schemas.openxmlformats.org/officeDocument/2006/relationships" xmlns:p="http://schemas.openxmlformats.org/presentationml/2006/main">
   <p:cSld>
     <p:spTree>
@@ -14418,7 +15227,737 @@
 </p:sld>
 </file>
 
-<file path=ppt/slides/slide29.xml><?xml version="1.0" encoding="utf-8"?>
+<file path=ppt/slides/slide3.xml><?xml version="1.0" encoding="utf-8"?>
+<p:sld xmlns:a="http://schemas.openxmlformats.org/drawingml/2006/main" xmlns:r="http://schemas.openxmlformats.org/officeDocument/2006/relationships" xmlns:p="http://schemas.openxmlformats.org/presentationml/2006/main">
+  <p:cSld>
+    <p:spTree>
+      <p:nvGrpSpPr>
+        <p:cNvPr id="1" name=""/>
+        <p:cNvGrpSpPr/>
+        <p:nvPr/>
+      </p:nvGrpSpPr>
+      <p:grpSpPr>
+        <a:xfrm>
+          <a:off x="0" y="0"/>
+          <a:ext cx="0" cy="0"/>
+          <a:chOff x="0" y="0"/>
+          <a:chExt cx="0" cy="0"/>
+        </a:xfrm>
+      </p:grpSpPr>
+      <p:sp>
+        <p:nvSpPr>
+          <p:cNvPr id="5" name="Content Placeholder 2"/>
+          <p:cNvSpPr txBox="1">
+            <a:spLocks/>
+          </p:cNvSpPr>
+          <p:nvPr/>
+        </p:nvSpPr>
+        <p:spPr>
+          <a:xfrm>
+            <a:off x="460243" y="1085057"/>
+            <a:ext cx="5724247" cy="4303019"/>
+          </a:xfrm>
+          <a:custGeom>
+            <a:avLst/>
+            <a:gdLst>
+              <a:gd name="connsiteX0" fmla="*/ 0 w 5724247"/>
+              <a:gd name="connsiteY0" fmla="*/ 0 h 4303019"/>
+              <a:gd name="connsiteX1" fmla="*/ 5724247 w 5724247"/>
+              <a:gd name="connsiteY1" fmla="*/ 0 h 4303019"/>
+              <a:gd name="connsiteX2" fmla="*/ 5724247 w 5724247"/>
+              <a:gd name="connsiteY2" fmla="*/ 4303019 h 4303019"/>
+              <a:gd name="connsiteX3" fmla="*/ 0 w 5724247"/>
+              <a:gd name="connsiteY3" fmla="*/ 4303019 h 4303019"/>
+              <a:gd name="connsiteX4" fmla="*/ 0 w 5724247"/>
+              <a:gd name="connsiteY4" fmla="*/ 0 h 4303019"/>
+            </a:gdLst>
+            <a:ahLst/>
+            <a:cxnLst>
+              <a:cxn ang="0">
+                <a:pos x="connsiteX0" y="connsiteY0"/>
+              </a:cxn>
+              <a:cxn ang="0">
+                <a:pos x="connsiteX1" y="connsiteY1"/>
+              </a:cxn>
+              <a:cxn ang="0">
+                <a:pos x="connsiteX2" y="connsiteY2"/>
+              </a:cxn>
+              <a:cxn ang="0">
+                <a:pos x="connsiteX3" y="connsiteY3"/>
+              </a:cxn>
+              <a:cxn ang="0">
+                <a:pos x="connsiteX4" y="connsiteY4"/>
+              </a:cxn>
+            </a:cxnLst>
+            <a:rect l="l" t="t" r="r" b="b"/>
+            <a:pathLst>
+              <a:path w="5724247" h="4303019" fill="none" extrusionOk="0">
+                <a:moveTo>
+                  <a:pt x="0" y="0"/>
+                </a:moveTo>
+                <a:cubicBezTo>
+                  <a:pt x="2270408" y="-24741"/>
+                  <a:pt x="4767754" y="143197"/>
+                  <a:pt x="5724247" y="0"/>
+                </a:cubicBezTo>
+                <a:cubicBezTo>
+                  <a:pt x="5701717" y="1401620"/>
+                  <a:pt x="5846693" y="3462827"/>
+                  <a:pt x="5724247" y="4303019"/>
+                </a:cubicBezTo>
+                <a:cubicBezTo>
+                  <a:pt x="4637960" y="4418593"/>
+                  <a:pt x="2072687" y="4239921"/>
+                  <a:pt x="0" y="4303019"/>
+                </a:cubicBezTo>
+                <a:cubicBezTo>
+                  <a:pt x="149157" y="3263171"/>
+                  <a:pt x="21014" y="1384451"/>
+                  <a:pt x="0" y="0"/>
+                </a:cubicBezTo>
+                <a:close/>
+              </a:path>
+              <a:path w="5724247" h="4303019" stroke="0" extrusionOk="0">
+                <a:moveTo>
+                  <a:pt x="0" y="0"/>
+                </a:moveTo>
+                <a:cubicBezTo>
+                  <a:pt x="960177" y="-5514"/>
+                  <a:pt x="4591825" y="-144147"/>
+                  <a:pt x="5724247" y="0"/>
+                </a:cubicBezTo>
+                <a:cubicBezTo>
+                  <a:pt x="5798046" y="1581827"/>
+                  <a:pt x="5846375" y="3336392"/>
+                  <a:pt x="5724247" y="4303019"/>
+                </a:cubicBezTo>
+                <a:cubicBezTo>
+                  <a:pt x="3593974" y="4168812"/>
+                  <a:pt x="624645" y="4225589"/>
+                  <a:pt x="0" y="4303019"/>
+                </a:cubicBezTo>
+                <a:cubicBezTo>
+                  <a:pt x="146676" y="3748188"/>
+                  <a:pt x="-78623" y="1026508"/>
+                  <a:pt x="0" y="0"/>
+                </a:cubicBezTo>
+                <a:close/>
+              </a:path>
+            </a:pathLst>
+          </a:custGeom>
+          <a:ln>
+            <a:solidFill>
+              <a:schemeClr val="tx1"/>
+            </a:solidFill>
+            <a:extLst>
+              <a:ext uri="{C807C97D-BFC1-408E-A445-0C87EB9F89A2}">
+                <ask:lineSketchStyleProps xmlns:ask="http://schemas.microsoft.com/office/drawing/2018/sketchyshapes" xmlns="" sd="1131949855">
+                  <a:prstGeom prst="rect">
+                    <a:avLst/>
+                  </a:prstGeom>
+                  <ask:type>
+                    <ask:lineSketchCurved/>
+                  </ask:type>
+                </ask:lineSketchStyleProps>
+              </a:ext>
+            </a:extLst>
+          </a:ln>
+        </p:spPr>
+        <p:txBody>
+          <a:bodyPr vert="horz" lIns="91440" tIns="45720" rIns="91440" bIns="45720" rtlCol="0">
+            <a:normAutofit lnSpcReduction="10000"/>
+          </a:bodyPr>
+          <a:lstStyle>
+            <a:lvl1pPr marL="228600" indent="-228600" algn="l" defTabSz="914400" rtl="0" eaLnBrk="1" latinLnBrk="0" hangingPunct="1">
+              <a:lnSpc>
+                <a:spcPct val="90000"/>
+              </a:lnSpc>
+              <a:spcBef>
+                <a:spcPts val="1000"/>
+              </a:spcBef>
+              <a:buFont typeface="Arial" panose="020B0604020202020204" pitchFamily="34" charset="0"/>
+              <a:buChar char="•"/>
+              <a:defRPr sz="2800" kern="1200">
+                <a:solidFill>
+                  <a:schemeClr val="tx1"/>
+                </a:solidFill>
+                <a:latin typeface="+mn-lt"/>
+                <a:ea typeface="+mn-ea"/>
+                <a:cs typeface="+mn-cs"/>
+              </a:defRPr>
+            </a:lvl1pPr>
+            <a:lvl2pPr marL="685800" indent="-228600" algn="l" defTabSz="914400" rtl="0" eaLnBrk="1" latinLnBrk="0" hangingPunct="1">
+              <a:lnSpc>
+                <a:spcPct val="90000"/>
+              </a:lnSpc>
+              <a:spcBef>
+                <a:spcPts val="500"/>
+              </a:spcBef>
+              <a:buFont typeface="Arial" panose="020B0604020202020204" pitchFamily="34" charset="0"/>
+              <a:buChar char="•"/>
+              <a:defRPr sz="2400" kern="1200">
+                <a:solidFill>
+                  <a:schemeClr val="tx1"/>
+                </a:solidFill>
+                <a:latin typeface="+mn-lt"/>
+                <a:ea typeface="+mn-ea"/>
+                <a:cs typeface="+mn-cs"/>
+              </a:defRPr>
+            </a:lvl2pPr>
+            <a:lvl3pPr marL="1143000" indent="-228600" algn="l" defTabSz="914400" rtl="0" eaLnBrk="1" latinLnBrk="0" hangingPunct="1">
+              <a:lnSpc>
+                <a:spcPct val="90000"/>
+              </a:lnSpc>
+              <a:spcBef>
+                <a:spcPts val="500"/>
+              </a:spcBef>
+              <a:buFont typeface="Arial" panose="020B0604020202020204" pitchFamily="34" charset="0"/>
+              <a:buChar char="•"/>
+              <a:defRPr sz="2000" kern="1200">
+                <a:solidFill>
+                  <a:schemeClr val="tx1"/>
+                </a:solidFill>
+                <a:latin typeface="+mn-lt"/>
+                <a:ea typeface="+mn-ea"/>
+                <a:cs typeface="+mn-cs"/>
+              </a:defRPr>
+            </a:lvl3pPr>
+            <a:lvl4pPr marL="1600200" indent="-228600" algn="l" defTabSz="914400" rtl="0" eaLnBrk="1" latinLnBrk="0" hangingPunct="1">
+              <a:lnSpc>
+                <a:spcPct val="90000"/>
+              </a:lnSpc>
+              <a:spcBef>
+                <a:spcPts val="500"/>
+              </a:spcBef>
+              <a:buFont typeface="Arial" panose="020B0604020202020204" pitchFamily="34" charset="0"/>
+              <a:buChar char="•"/>
+              <a:defRPr sz="1800" kern="1200">
+                <a:solidFill>
+                  <a:schemeClr val="tx1"/>
+                </a:solidFill>
+                <a:latin typeface="+mn-lt"/>
+                <a:ea typeface="+mn-ea"/>
+                <a:cs typeface="+mn-cs"/>
+              </a:defRPr>
+            </a:lvl4pPr>
+            <a:lvl5pPr marL="2057400" indent="-228600" algn="l" defTabSz="914400" rtl="0" eaLnBrk="1" latinLnBrk="0" hangingPunct="1">
+              <a:lnSpc>
+                <a:spcPct val="90000"/>
+              </a:lnSpc>
+              <a:spcBef>
+                <a:spcPts val="500"/>
+              </a:spcBef>
+              <a:buFont typeface="Arial" panose="020B0604020202020204" pitchFamily="34" charset="0"/>
+              <a:buChar char="•"/>
+              <a:defRPr sz="1800" kern="1200">
+                <a:solidFill>
+                  <a:schemeClr val="tx1"/>
+                </a:solidFill>
+                <a:latin typeface="+mn-lt"/>
+                <a:ea typeface="+mn-ea"/>
+                <a:cs typeface="+mn-cs"/>
+              </a:defRPr>
+            </a:lvl5pPr>
+            <a:lvl6pPr marL="2514600" indent="-228600" algn="l" defTabSz="914400" rtl="0" eaLnBrk="1" latinLnBrk="0" hangingPunct="1">
+              <a:lnSpc>
+                <a:spcPct val="90000"/>
+              </a:lnSpc>
+              <a:spcBef>
+                <a:spcPts val="500"/>
+              </a:spcBef>
+              <a:buFont typeface="Arial" panose="020B0604020202020204" pitchFamily="34" charset="0"/>
+              <a:buChar char="•"/>
+              <a:defRPr sz="1800" kern="1200">
+                <a:solidFill>
+                  <a:schemeClr val="tx1"/>
+                </a:solidFill>
+                <a:latin typeface="+mn-lt"/>
+                <a:ea typeface="+mn-ea"/>
+                <a:cs typeface="+mn-cs"/>
+              </a:defRPr>
+            </a:lvl6pPr>
+            <a:lvl7pPr marL="2971800" indent="-228600" algn="l" defTabSz="914400" rtl="0" eaLnBrk="1" latinLnBrk="0" hangingPunct="1">
+              <a:lnSpc>
+                <a:spcPct val="90000"/>
+              </a:lnSpc>
+              <a:spcBef>
+                <a:spcPts val="500"/>
+              </a:spcBef>
+              <a:buFont typeface="Arial" panose="020B0604020202020204" pitchFamily="34" charset="0"/>
+              <a:buChar char="•"/>
+              <a:defRPr sz="1800" kern="1200">
+                <a:solidFill>
+                  <a:schemeClr val="tx1"/>
+                </a:solidFill>
+                <a:latin typeface="+mn-lt"/>
+                <a:ea typeface="+mn-ea"/>
+                <a:cs typeface="+mn-cs"/>
+              </a:defRPr>
+            </a:lvl7pPr>
+            <a:lvl8pPr marL="3429000" indent="-228600" algn="l" defTabSz="914400" rtl="0" eaLnBrk="1" latinLnBrk="0" hangingPunct="1">
+              <a:lnSpc>
+                <a:spcPct val="90000"/>
+              </a:lnSpc>
+              <a:spcBef>
+                <a:spcPts val="500"/>
+              </a:spcBef>
+              <a:buFont typeface="Arial" panose="020B0604020202020204" pitchFamily="34" charset="0"/>
+              <a:buChar char="•"/>
+              <a:defRPr sz="1800" kern="1200">
+                <a:solidFill>
+                  <a:schemeClr val="tx1"/>
+                </a:solidFill>
+                <a:latin typeface="+mn-lt"/>
+                <a:ea typeface="+mn-ea"/>
+                <a:cs typeface="+mn-cs"/>
+              </a:defRPr>
+            </a:lvl8pPr>
+            <a:lvl9pPr marL="3886200" indent="-228600" algn="l" defTabSz="914400" rtl="0" eaLnBrk="1" latinLnBrk="0" hangingPunct="1">
+              <a:lnSpc>
+                <a:spcPct val="90000"/>
+              </a:lnSpc>
+              <a:spcBef>
+                <a:spcPts val="500"/>
+              </a:spcBef>
+              <a:buFont typeface="Arial" panose="020B0604020202020204" pitchFamily="34" charset="0"/>
+              <a:buChar char="•"/>
+              <a:defRPr sz="1800" kern="1200">
+                <a:solidFill>
+                  <a:schemeClr val="tx1"/>
+                </a:solidFill>
+                <a:latin typeface="+mn-lt"/>
+                <a:ea typeface="+mn-ea"/>
+                <a:cs typeface="+mn-cs"/>
+              </a:defRPr>
+            </a:lvl9pPr>
+          </a:lstStyle>
+          <a:p>
+            <a:pPr marL="0" indent="0">
+              <a:buFont typeface="Arial" panose="020B0604020202020204" pitchFamily="34" charset="0"/>
+              <a:buNone/>
+            </a:pPr>
+            <a:r>
+              <a:rPr lang="en-US" sz="2000" b="1" dirty="0">
+                <a:latin typeface="Arial" panose="020B0604020202020204" pitchFamily="34" charset="0"/>
+                <a:cs typeface="Arial" panose="020B0604020202020204" pitchFamily="34" charset="0"/>
+              </a:rPr>
+              <a:t>Hypothesis:</a:t>
+            </a:r>
+            <a:r>
+              <a:rPr lang="en-US" sz="2000" dirty="0">
+                <a:latin typeface="Arial" panose="020B0604020202020204" pitchFamily="34" charset="0"/>
+                <a:cs typeface="Arial" panose="020B0604020202020204" pitchFamily="34" charset="0"/>
+              </a:rPr>
+              <a:t>  </a:t>
+            </a:r>
+          </a:p>
+          <a:p>
+            <a:pPr marL="0" indent="0">
+              <a:buFont typeface="Arial" panose="020B0604020202020204" pitchFamily="34" charset="0"/>
+              <a:buNone/>
+            </a:pPr>
+            <a:endParaRPr lang="en-US" sz="1800" dirty="0">
+              <a:latin typeface="Arial" panose="020B0604020202020204" pitchFamily="34" charset="0"/>
+              <a:cs typeface="Arial" panose="020B0604020202020204" pitchFamily="34" charset="0"/>
+            </a:endParaRPr>
+          </a:p>
+          <a:p>
+            <a:pPr marL="0" indent="0">
+              <a:buFont typeface="Arial" panose="020B0604020202020204" pitchFamily="34" charset="0"/>
+              <a:buNone/>
+            </a:pPr>
+            <a:r>
+              <a:rPr lang="en-US" sz="2000" dirty="0">
+                <a:latin typeface="Arial" panose="020B0604020202020204" pitchFamily="34" charset="0"/>
+                <a:cs typeface="Arial" panose="020B0604020202020204" pitchFamily="34" charset="0"/>
+              </a:rPr>
+              <a:t>We hypothesize that risk perception is higher in </a:t>
+            </a:r>
+            <a:r>
+              <a:rPr lang="en-US" sz="2000" dirty="0" smtClean="0">
+                <a:latin typeface="Arial" panose="020B0604020202020204" pitchFamily="34" charset="0"/>
+                <a:cs typeface="Arial" panose="020B0604020202020204" pitchFamily="34" charset="0"/>
+              </a:rPr>
+              <a:t>professionals that have exposure </a:t>
+            </a:r>
+            <a:r>
+              <a:rPr lang="en-US" sz="2000" dirty="0">
+                <a:latin typeface="Arial" panose="020B0604020202020204" pitchFamily="34" charset="0"/>
+                <a:cs typeface="Arial" panose="020B0604020202020204" pitchFamily="34" charset="0"/>
+              </a:rPr>
+              <a:t>of previous injuries/fatalities.  </a:t>
+            </a:r>
+          </a:p>
+          <a:p>
+            <a:pPr marL="0" indent="0">
+              <a:buFont typeface="Arial" panose="020B0604020202020204" pitchFamily="34" charset="0"/>
+              <a:buNone/>
+            </a:pPr>
+            <a:endParaRPr lang="en-US" sz="2000" dirty="0">
+              <a:latin typeface="Arial" panose="020B0604020202020204" pitchFamily="34" charset="0"/>
+              <a:cs typeface="Arial" panose="020B0604020202020204" pitchFamily="34" charset="0"/>
+            </a:endParaRPr>
+          </a:p>
+          <a:p>
+            <a:pPr marL="0" indent="0">
+              <a:buNone/>
+            </a:pPr>
+            <a:r>
+              <a:rPr lang="en-US" sz="2000" dirty="0">
+                <a:latin typeface="Arial" panose="020B0604020202020204" pitchFamily="34" charset="0"/>
+                <a:cs typeface="Arial" panose="020B0604020202020204" pitchFamily="34" charset="0"/>
+              </a:rPr>
+              <a:t>Also that professionals in </a:t>
+            </a:r>
+            <a:r>
+              <a:rPr lang="en-US" sz="2000" strike="sngStrike" dirty="0">
+                <a:latin typeface="Arial" panose="020B0604020202020204" pitchFamily="34" charset="0"/>
+                <a:cs typeface="Arial" panose="020B0604020202020204" pitchFamily="34" charset="0"/>
+              </a:rPr>
+              <a:t>educational and Health care institutions have a lower risk perception than those in Manufacturing. </a:t>
+            </a:r>
+            <a:r>
+              <a:rPr lang="en-US" sz="2000" dirty="0">
+                <a:solidFill>
+                  <a:srgbClr val="FF0000"/>
+                </a:solidFill>
+                <a:latin typeface="Arial" panose="020B0604020202020204" pitchFamily="34" charset="0"/>
+                <a:cs typeface="Arial" panose="020B0604020202020204" pitchFamily="34" charset="0"/>
+              </a:rPr>
+              <a:t> In last committee meeting they asked me to expand the population, not limited to educational and health care institutions.  So, I am expanding it to </a:t>
+            </a:r>
+            <a:r>
+              <a:rPr lang="en-US" sz="2000" dirty="0" err="1">
+                <a:solidFill>
+                  <a:srgbClr val="FF0000"/>
+                </a:solidFill>
+                <a:latin typeface="Arial" panose="020B0604020202020204" pitchFamily="34" charset="0"/>
+                <a:cs typeface="Arial" panose="020B0604020202020204" pitchFamily="34" charset="0"/>
+              </a:rPr>
+              <a:t>Adminstratrative</a:t>
+            </a:r>
+            <a:r>
+              <a:rPr lang="en-US" sz="2000" dirty="0">
+                <a:solidFill>
+                  <a:srgbClr val="FF0000"/>
+                </a:solidFill>
+                <a:latin typeface="Arial" panose="020B0604020202020204" pitchFamily="34" charset="0"/>
+                <a:cs typeface="Arial" panose="020B0604020202020204" pitchFamily="34" charset="0"/>
+              </a:rPr>
+              <a:t> (white collar) type of occupations and Non-Administrative type of occupations (more field like type of jobs).</a:t>
+            </a:r>
+          </a:p>
+        </p:txBody>
+      </p:sp>
+      <p:sp>
+        <p:nvSpPr>
+          <p:cNvPr id="11" name="Title 1">
+            <a:extLst>
+              <a:ext uri="{FF2B5EF4-FFF2-40B4-BE49-F238E27FC236}">
+                <a16:creationId xmlns:a16="http://schemas.microsoft.com/office/drawing/2014/main" id="{B1DC8F07-C72B-452C-A31A-477974197AF0}"/>
+              </a:ext>
+            </a:extLst>
+          </p:cNvPr>
+          <p:cNvSpPr txBox="1">
+            <a:spLocks/>
+          </p:cNvSpPr>
+          <p:nvPr/>
+        </p:nvSpPr>
+        <p:spPr>
+          <a:xfrm>
+            <a:off x="537028" y="211016"/>
+            <a:ext cx="11065035" cy="369087"/>
+          </a:xfrm>
+          <a:prstGeom prst="rect">
+            <a:avLst/>
+          </a:prstGeom>
+          <a:solidFill>
+            <a:srgbClr val="00B0F0"/>
+          </a:solidFill>
+        </p:spPr>
+        <p:txBody>
+          <a:bodyPr vert="horz" lIns="91440" tIns="45720" rIns="91440" bIns="45720" rtlCol="0" anchor="ctr">
+            <a:normAutofit/>
+          </a:bodyPr>
+          <a:lstStyle>
+            <a:lvl1pPr algn="l" defTabSz="914400" rtl="0" eaLnBrk="1" latinLnBrk="0" hangingPunct="1">
+              <a:lnSpc>
+                <a:spcPct val="90000"/>
+              </a:lnSpc>
+              <a:spcBef>
+                <a:spcPct val="0"/>
+              </a:spcBef>
+              <a:buNone/>
+              <a:defRPr sz="4400" kern="1200">
+                <a:solidFill>
+                  <a:schemeClr val="tx1"/>
+                </a:solidFill>
+                <a:latin typeface="+mj-lt"/>
+                <a:ea typeface="+mj-ea"/>
+                <a:cs typeface="+mj-cs"/>
+              </a:defRPr>
+            </a:lvl1pPr>
+          </a:lstStyle>
+          <a:p>
+            <a:r>
+              <a:rPr lang="en-US" sz="2000" b="1" dirty="0">
+                <a:latin typeface="Arial" panose="020B0604020202020204" pitchFamily="34" charset="0"/>
+                <a:cs typeface="Arial" panose="020B0604020202020204" pitchFamily="34" charset="0"/>
+              </a:rPr>
+              <a:t>Hypothesis</a:t>
+            </a:r>
+          </a:p>
+        </p:txBody>
+      </p:sp>
+      <p:grpSp>
+        <p:nvGrpSpPr>
+          <p:cNvPr id="13" name="Group 12">
+            <a:extLst>
+              <a:ext uri="{FF2B5EF4-FFF2-40B4-BE49-F238E27FC236}">
+                <a16:creationId xmlns:a16="http://schemas.microsoft.com/office/drawing/2014/main" id="{18D1CD37-8CFB-4B53-B59A-33FF38E53C98}"/>
+              </a:ext>
+            </a:extLst>
+          </p:cNvPr>
+          <p:cNvGrpSpPr/>
+          <p:nvPr/>
+        </p:nvGrpSpPr>
+        <p:grpSpPr>
+          <a:xfrm>
+            <a:off x="6350659" y="868847"/>
+            <a:ext cx="5381098" cy="3865723"/>
+            <a:chOff x="7163312" y="1312696"/>
+            <a:chExt cx="3404581" cy="2536739"/>
+          </a:xfrm>
+        </p:grpSpPr>
+        <p:pic>
+          <p:nvPicPr>
+            <p:cNvPr id="14" name="Picture 13">
+              <a:extLst>
+                <a:ext uri="{FF2B5EF4-FFF2-40B4-BE49-F238E27FC236}">
+                  <a16:creationId xmlns:a16="http://schemas.microsoft.com/office/drawing/2014/main" id="{857138F2-54EE-461A-AF01-F5B557EDA7CF}"/>
+                </a:ext>
+              </a:extLst>
+            </p:cNvPr>
+            <p:cNvPicPr>
+              <a:picLocks noChangeAspect="1"/>
+            </p:cNvPicPr>
+            <p:nvPr/>
+          </p:nvPicPr>
+          <p:blipFill>
+            <a:blip r:embed="rId2"/>
+            <a:stretch>
+              <a:fillRect/>
+            </a:stretch>
+          </p:blipFill>
+          <p:spPr>
+            <a:xfrm>
+              <a:off x="7483498" y="1312696"/>
+              <a:ext cx="3084395" cy="2405460"/>
+            </a:xfrm>
+            <a:prstGeom prst="rect">
+              <a:avLst/>
+            </a:prstGeom>
+          </p:spPr>
+        </p:pic>
+        <p:sp>
+          <p:nvSpPr>
+            <p:cNvPr id="15" name="TextBox 14">
+              <a:extLst>
+                <a:ext uri="{FF2B5EF4-FFF2-40B4-BE49-F238E27FC236}">
+                  <a16:creationId xmlns:a16="http://schemas.microsoft.com/office/drawing/2014/main" id="{38E521F6-9726-46B2-900F-D4EA8FC4E730}"/>
+                </a:ext>
+              </a:extLst>
+            </p:cNvPr>
+            <p:cNvSpPr txBox="1"/>
+            <p:nvPr/>
+          </p:nvSpPr>
+          <p:spPr>
+            <a:xfrm>
+              <a:off x="8888169" y="3627271"/>
+              <a:ext cx="334892" cy="222164"/>
+            </a:xfrm>
+            <a:prstGeom prst="rect">
+              <a:avLst/>
+            </a:prstGeom>
+            <a:noFill/>
+          </p:spPr>
+          <p:txBody>
+            <a:bodyPr wrap="none" rtlCol="0">
+              <a:spAutoFit/>
+            </a:bodyPr>
+            <a:lstStyle/>
+            <a:p>
+              <a:r>
+                <a:rPr lang="en-US" sz="1600" b="1" dirty="0" smtClean="0">
+                  <a:solidFill>
+                    <a:srgbClr val="FF0000"/>
+                  </a:solidFill>
+                </a:rPr>
+                <a:t>Risk</a:t>
+              </a:r>
+              <a:endParaRPr lang="en-US" sz="1600" b="1" dirty="0">
+                <a:solidFill>
+                  <a:srgbClr val="FF0000"/>
+                </a:solidFill>
+              </a:endParaRPr>
+            </a:p>
+          </p:txBody>
+        </p:sp>
+        <p:sp>
+          <p:nvSpPr>
+            <p:cNvPr id="16" name="TextBox 15">
+              <a:extLst>
+                <a:ext uri="{FF2B5EF4-FFF2-40B4-BE49-F238E27FC236}">
+                  <a16:creationId xmlns:a16="http://schemas.microsoft.com/office/drawing/2014/main" id="{EE045E5E-F5D0-4BEE-A885-3875B38EE359}"/>
+                </a:ext>
+              </a:extLst>
+            </p:cNvPr>
+            <p:cNvSpPr txBox="1"/>
+            <p:nvPr/>
+          </p:nvSpPr>
+          <p:spPr>
+            <a:xfrm>
+              <a:off x="7163312" y="1875857"/>
+              <a:ext cx="428401" cy="1287919"/>
+            </a:xfrm>
+            <a:prstGeom prst="rect">
+              <a:avLst/>
+            </a:prstGeom>
+            <a:noFill/>
+          </p:spPr>
+          <p:txBody>
+            <a:bodyPr vert="vert270" wrap="none" rtlCol="0">
+              <a:spAutoFit/>
+            </a:bodyPr>
+            <a:lstStyle/>
+            <a:p>
+              <a:pPr algn="ctr"/>
+              <a:r>
+                <a:rPr lang="en-US" sz="1600" b="1" dirty="0" smtClean="0"/>
+                <a:t>Relative Fatality </a:t>
+              </a:r>
+              <a:r>
+                <a:rPr lang="en-US" sz="1600" b="1" dirty="0" smtClean="0"/>
+                <a:t>Index</a:t>
+              </a:r>
+            </a:p>
+            <a:p>
+              <a:pPr algn="ctr"/>
+              <a:r>
+                <a:rPr lang="en-US" sz="1600" b="1" dirty="0" smtClean="0">
+                  <a:solidFill>
+                    <a:srgbClr val="00B050"/>
+                  </a:solidFill>
+                </a:rPr>
+                <a:t>Risk perception</a:t>
+              </a:r>
+              <a:endParaRPr lang="en-US" sz="1600" b="1" dirty="0">
+                <a:solidFill>
+                  <a:srgbClr val="00B050"/>
+                </a:solidFill>
+              </a:endParaRPr>
+            </a:p>
+          </p:txBody>
+        </p:sp>
+      </p:grpSp>
+      <p:sp>
+        <p:nvSpPr>
+          <p:cNvPr id="17" name="Rectangle 16">
+            <a:extLst>
+              <a:ext uri="{FF2B5EF4-FFF2-40B4-BE49-F238E27FC236}">
+                <a16:creationId xmlns:a16="http://schemas.microsoft.com/office/drawing/2014/main" id="{C3E4F717-B1FD-43B1-8303-3247F5E07D6D}"/>
+              </a:ext>
+            </a:extLst>
+          </p:cNvPr>
+          <p:cNvSpPr/>
+          <p:nvPr/>
+        </p:nvSpPr>
+        <p:spPr>
+          <a:xfrm>
+            <a:off x="7497961" y="5002838"/>
+            <a:ext cx="3717684" cy="286682"/>
+          </a:xfrm>
+          <a:prstGeom prst="rect">
+            <a:avLst/>
+          </a:prstGeom>
+        </p:spPr>
+        <p:txBody>
+          <a:bodyPr wrap="none">
+            <a:spAutoFit/>
+          </a:bodyPr>
+          <a:lstStyle/>
+          <a:p>
+            <a:pPr marL="457200" marR="0" indent="-457200">
+              <a:lnSpc>
+                <a:spcPct val="115000"/>
+              </a:lnSpc>
+              <a:spcBef>
+                <a:spcPts val="0"/>
+              </a:spcBef>
+              <a:spcAft>
+                <a:spcPts val="0"/>
+              </a:spcAft>
+            </a:pPr>
+            <a:r>
+              <a:rPr lang="en-US" sz="1200" i="1" dirty="0">
+                <a:solidFill>
+                  <a:srgbClr val="000000"/>
+                </a:solidFill>
+                <a:latin typeface="Arial" panose="020B0604020202020204" pitchFamily="34" charset="0"/>
+                <a:ea typeface="Times New Roman" panose="02020603050405020304" pitchFamily="18" charset="0"/>
+                <a:cs typeface="Arial" panose="020B0604020202020204" pitchFamily="34" charset="0"/>
+              </a:rPr>
+              <a:t>Figure 1</a:t>
+            </a:r>
+            <a:r>
+              <a:rPr lang="en-US" sz="1200" dirty="0">
+                <a:solidFill>
+                  <a:srgbClr val="000000"/>
+                </a:solidFill>
+                <a:latin typeface="Arial" panose="020B0604020202020204" pitchFamily="34" charset="0"/>
+                <a:ea typeface="Times New Roman" panose="02020603050405020304" pitchFamily="18" charset="0"/>
+                <a:cs typeface="Arial" panose="020B0604020202020204" pitchFamily="34" charset="0"/>
+              </a:rPr>
+              <a:t>:  </a:t>
+            </a:r>
+            <a:r>
+              <a:rPr lang="en-US" altLang="en-US" sz="1200" dirty="0">
+                <a:latin typeface="Arial" panose="020B0604020202020204" pitchFamily="34" charset="0"/>
+                <a:cs typeface="Arial" panose="020B0604020202020204" pitchFamily="34" charset="0"/>
+              </a:rPr>
+              <a:t>Graphical Representation of Hypothesis</a:t>
+            </a:r>
+            <a:r>
+              <a:rPr lang="en-US" sz="1200" dirty="0">
+                <a:latin typeface="Arial" panose="020B0604020202020204" pitchFamily="34" charset="0"/>
+                <a:cs typeface="Arial" panose="020B0604020202020204" pitchFamily="34" charset="0"/>
+              </a:rPr>
+              <a:t>.  </a:t>
+            </a:r>
+          </a:p>
+        </p:txBody>
+      </p:sp>
+    </p:spTree>
+    <p:extLst>
+      <p:ext uri="{BB962C8B-B14F-4D97-AF65-F5344CB8AC3E}">
+        <p14:creationId xmlns:p14="http://schemas.microsoft.com/office/powerpoint/2010/main" val="1666592612"/>
+      </p:ext>
+    </p:extLst>
+  </p:cSld>
+  <p:clrMapOvr>
+    <a:masterClrMapping/>
+  </p:clrMapOvr>
+  <p:timing>
+    <p:tnLst>
+      <p:par>
+        <p:cTn id="1" dur="indefinite" restart="never" nodeType="tmRoot"/>
+      </p:par>
+    </p:tnLst>
+  </p:timing>
+</p:sld>
+</file>
+
+<file path=ppt/slides/slide30.xml><?xml version="1.0" encoding="utf-8"?>
 <p:sld xmlns:a="http://schemas.openxmlformats.org/drawingml/2006/main" xmlns:r="http://schemas.openxmlformats.org/officeDocument/2006/relationships" xmlns:p="http://schemas.openxmlformats.org/presentationml/2006/main">
   <p:cSld>
     <p:spTree>
@@ -15593,714 +17132,7 @@
 </p:sld>
 </file>
 
-<file path=ppt/slides/slide3.xml><?xml version="1.0" encoding="utf-8"?>
-<p:sld xmlns:a="http://schemas.openxmlformats.org/drawingml/2006/main" xmlns:r="http://schemas.openxmlformats.org/officeDocument/2006/relationships" xmlns:p="http://schemas.openxmlformats.org/presentationml/2006/main">
-  <p:cSld>
-    <p:spTree>
-      <p:nvGrpSpPr>
-        <p:cNvPr id="1" name=""/>
-        <p:cNvGrpSpPr/>
-        <p:nvPr/>
-      </p:nvGrpSpPr>
-      <p:grpSpPr>
-        <a:xfrm>
-          <a:off x="0" y="0"/>
-          <a:ext cx="0" cy="0"/>
-          <a:chOff x="0" y="0"/>
-          <a:chExt cx="0" cy="0"/>
-        </a:xfrm>
-      </p:grpSpPr>
-      <p:sp>
-        <p:nvSpPr>
-          <p:cNvPr id="5" name="Content Placeholder 2"/>
-          <p:cNvSpPr txBox="1">
-            <a:spLocks/>
-          </p:cNvSpPr>
-          <p:nvPr/>
-        </p:nvSpPr>
-        <p:spPr>
-          <a:xfrm>
-            <a:off x="460243" y="1085057"/>
-            <a:ext cx="5724247" cy="4303019"/>
-          </a:xfrm>
-          <a:custGeom>
-            <a:avLst/>
-            <a:gdLst>
-              <a:gd name="connsiteX0" fmla="*/ 0 w 5724247"/>
-              <a:gd name="connsiteY0" fmla="*/ 0 h 4303019"/>
-              <a:gd name="connsiteX1" fmla="*/ 5724247 w 5724247"/>
-              <a:gd name="connsiteY1" fmla="*/ 0 h 4303019"/>
-              <a:gd name="connsiteX2" fmla="*/ 5724247 w 5724247"/>
-              <a:gd name="connsiteY2" fmla="*/ 4303019 h 4303019"/>
-              <a:gd name="connsiteX3" fmla="*/ 0 w 5724247"/>
-              <a:gd name="connsiteY3" fmla="*/ 4303019 h 4303019"/>
-              <a:gd name="connsiteX4" fmla="*/ 0 w 5724247"/>
-              <a:gd name="connsiteY4" fmla="*/ 0 h 4303019"/>
-            </a:gdLst>
-            <a:ahLst/>
-            <a:cxnLst>
-              <a:cxn ang="0">
-                <a:pos x="connsiteX0" y="connsiteY0"/>
-              </a:cxn>
-              <a:cxn ang="0">
-                <a:pos x="connsiteX1" y="connsiteY1"/>
-              </a:cxn>
-              <a:cxn ang="0">
-                <a:pos x="connsiteX2" y="connsiteY2"/>
-              </a:cxn>
-              <a:cxn ang="0">
-                <a:pos x="connsiteX3" y="connsiteY3"/>
-              </a:cxn>
-              <a:cxn ang="0">
-                <a:pos x="connsiteX4" y="connsiteY4"/>
-              </a:cxn>
-            </a:cxnLst>
-            <a:rect l="l" t="t" r="r" b="b"/>
-            <a:pathLst>
-              <a:path w="5724247" h="4303019" fill="none" extrusionOk="0">
-                <a:moveTo>
-                  <a:pt x="0" y="0"/>
-                </a:moveTo>
-                <a:cubicBezTo>
-                  <a:pt x="2270408" y="-24741"/>
-                  <a:pt x="4767754" y="143197"/>
-                  <a:pt x="5724247" y="0"/>
-                </a:cubicBezTo>
-                <a:cubicBezTo>
-                  <a:pt x="5701717" y="1401620"/>
-                  <a:pt x="5846693" y="3462827"/>
-                  <a:pt x="5724247" y="4303019"/>
-                </a:cubicBezTo>
-                <a:cubicBezTo>
-                  <a:pt x="4637960" y="4418593"/>
-                  <a:pt x="2072687" y="4239921"/>
-                  <a:pt x="0" y="4303019"/>
-                </a:cubicBezTo>
-                <a:cubicBezTo>
-                  <a:pt x="149157" y="3263171"/>
-                  <a:pt x="21014" y="1384451"/>
-                  <a:pt x="0" y="0"/>
-                </a:cubicBezTo>
-                <a:close/>
-              </a:path>
-              <a:path w="5724247" h="4303019" stroke="0" extrusionOk="0">
-                <a:moveTo>
-                  <a:pt x="0" y="0"/>
-                </a:moveTo>
-                <a:cubicBezTo>
-                  <a:pt x="960177" y="-5514"/>
-                  <a:pt x="4591825" y="-144147"/>
-                  <a:pt x="5724247" y="0"/>
-                </a:cubicBezTo>
-                <a:cubicBezTo>
-                  <a:pt x="5798046" y="1581827"/>
-                  <a:pt x="5846375" y="3336392"/>
-                  <a:pt x="5724247" y="4303019"/>
-                </a:cubicBezTo>
-                <a:cubicBezTo>
-                  <a:pt x="3593974" y="4168812"/>
-                  <a:pt x="624645" y="4225589"/>
-                  <a:pt x="0" y="4303019"/>
-                </a:cubicBezTo>
-                <a:cubicBezTo>
-                  <a:pt x="146676" y="3748188"/>
-                  <a:pt x="-78623" y="1026508"/>
-                  <a:pt x="0" y="0"/>
-                </a:cubicBezTo>
-                <a:close/>
-              </a:path>
-            </a:pathLst>
-          </a:custGeom>
-          <a:ln>
-            <a:solidFill>
-              <a:schemeClr val="tx1"/>
-            </a:solidFill>
-            <a:extLst>
-              <a:ext uri="{C807C97D-BFC1-408E-A445-0C87EB9F89A2}">
-                <ask:lineSketchStyleProps xmlns="" xmlns:ask="http://schemas.microsoft.com/office/drawing/2018/sketchyshapes" sd="1131949855">
-                  <a:prstGeom prst="rect">
-                    <a:avLst/>
-                  </a:prstGeom>
-                  <ask:type>
-                    <ask:lineSketchCurved/>
-                  </ask:type>
-                </ask:lineSketchStyleProps>
-              </a:ext>
-            </a:extLst>
-          </a:ln>
-        </p:spPr>
-        <p:txBody>
-          <a:bodyPr vert="horz" lIns="91440" tIns="45720" rIns="91440" bIns="45720" rtlCol="0">
-            <a:normAutofit lnSpcReduction="10000"/>
-          </a:bodyPr>
-          <a:lstStyle>
-            <a:lvl1pPr marL="228600" indent="-228600" algn="l" defTabSz="914400" rtl="0" eaLnBrk="1" latinLnBrk="0" hangingPunct="1">
-              <a:lnSpc>
-                <a:spcPct val="90000"/>
-              </a:lnSpc>
-              <a:spcBef>
-                <a:spcPts val="1000"/>
-              </a:spcBef>
-              <a:buFont typeface="Arial" panose="020B0604020202020204" pitchFamily="34" charset="0"/>
-              <a:buChar char="•"/>
-              <a:defRPr sz="2800" kern="1200">
-                <a:solidFill>
-                  <a:schemeClr val="tx1"/>
-                </a:solidFill>
-                <a:latin typeface="+mn-lt"/>
-                <a:ea typeface="+mn-ea"/>
-                <a:cs typeface="+mn-cs"/>
-              </a:defRPr>
-            </a:lvl1pPr>
-            <a:lvl2pPr marL="685800" indent="-228600" algn="l" defTabSz="914400" rtl="0" eaLnBrk="1" latinLnBrk="0" hangingPunct="1">
-              <a:lnSpc>
-                <a:spcPct val="90000"/>
-              </a:lnSpc>
-              <a:spcBef>
-                <a:spcPts val="500"/>
-              </a:spcBef>
-              <a:buFont typeface="Arial" panose="020B0604020202020204" pitchFamily="34" charset="0"/>
-              <a:buChar char="•"/>
-              <a:defRPr sz="2400" kern="1200">
-                <a:solidFill>
-                  <a:schemeClr val="tx1"/>
-                </a:solidFill>
-                <a:latin typeface="+mn-lt"/>
-                <a:ea typeface="+mn-ea"/>
-                <a:cs typeface="+mn-cs"/>
-              </a:defRPr>
-            </a:lvl2pPr>
-            <a:lvl3pPr marL="1143000" indent="-228600" algn="l" defTabSz="914400" rtl="0" eaLnBrk="1" latinLnBrk="0" hangingPunct="1">
-              <a:lnSpc>
-                <a:spcPct val="90000"/>
-              </a:lnSpc>
-              <a:spcBef>
-                <a:spcPts val="500"/>
-              </a:spcBef>
-              <a:buFont typeface="Arial" panose="020B0604020202020204" pitchFamily="34" charset="0"/>
-              <a:buChar char="•"/>
-              <a:defRPr sz="2000" kern="1200">
-                <a:solidFill>
-                  <a:schemeClr val="tx1"/>
-                </a:solidFill>
-                <a:latin typeface="+mn-lt"/>
-                <a:ea typeface="+mn-ea"/>
-                <a:cs typeface="+mn-cs"/>
-              </a:defRPr>
-            </a:lvl3pPr>
-            <a:lvl4pPr marL="1600200" indent="-228600" algn="l" defTabSz="914400" rtl="0" eaLnBrk="1" latinLnBrk="0" hangingPunct="1">
-              <a:lnSpc>
-                <a:spcPct val="90000"/>
-              </a:lnSpc>
-              <a:spcBef>
-                <a:spcPts val="500"/>
-              </a:spcBef>
-              <a:buFont typeface="Arial" panose="020B0604020202020204" pitchFamily="34" charset="0"/>
-              <a:buChar char="•"/>
-              <a:defRPr sz="1800" kern="1200">
-                <a:solidFill>
-                  <a:schemeClr val="tx1"/>
-                </a:solidFill>
-                <a:latin typeface="+mn-lt"/>
-                <a:ea typeface="+mn-ea"/>
-                <a:cs typeface="+mn-cs"/>
-              </a:defRPr>
-            </a:lvl4pPr>
-            <a:lvl5pPr marL="2057400" indent="-228600" algn="l" defTabSz="914400" rtl="0" eaLnBrk="1" latinLnBrk="0" hangingPunct="1">
-              <a:lnSpc>
-                <a:spcPct val="90000"/>
-              </a:lnSpc>
-              <a:spcBef>
-                <a:spcPts val="500"/>
-              </a:spcBef>
-              <a:buFont typeface="Arial" panose="020B0604020202020204" pitchFamily="34" charset="0"/>
-              <a:buChar char="•"/>
-              <a:defRPr sz="1800" kern="1200">
-                <a:solidFill>
-                  <a:schemeClr val="tx1"/>
-                </a:solidFill>
-                <a:latin typeface="+mn-lt"/>
-                <a:ea typeface="+mn-ea"/>
-                <a:cs typeface="+mn-cs"/>
-              </a:defRPr>
-            </a:lvl5pPr>
-            <a:lvl6pPr marL="2514600" indent="-228600" algn="l" defTabSz="914400" rtl="0" eaLnBrk="1" latinLnBrk="0" hangingPunct="1">
-              <a:lnSpc>
-                <a:spcPct val="90000"/>
-              </a:lnSpc>
-              <a:spcBef>
-                <a:spcPts val="500"/>
-              </a:spcBef>
-              <a:buFont typeface="Arial" panose="020B0604020202020204" pitchFamily="34" charset="0"/>
-              <a:buChar char="•"/>
-              <a:defRPr sz="1800" kern="1200">
-                <a:solidFill>
-                  <a:schemeClr val="tx1"/>
-                </a:solidFill>
-                <a:latin typeface="+mn-lt"/>
-                <a:ea typeface="+mn-ea"/>
-                <a:cs typeface="+mn-cs"/>
-              </a:defRPr>
-            </a:lvl6pPr>
-            <a:lvl7pPr marL="2971800" indent="-228600" algn="l" defTabSz="914400" rtl="0" eaLnBrk="1" latinLnBrk="0" hangingPunct="1">
-              <a:lnSpc>
-                <a:spcPct val="90000"/>
-              </a:lnSpc>
-              <a:spcBef>
-                <a:spcPts val="500"/>
-              </a:spcBef>
-              <a:buFont typeface="Arial" panose="020B0604020202020204" pitchFamily="34" charset="0"/>
-              <a:buChar char="•"/>
-              <a:defRPr sz="1800" kern="1200">
-                <a:solidFill>
-                  <a:schemeClr val="tx1"/>
-                </a:solidFill>
-                <a:latin typeface="+mn-lt"/>
-                <a:ea typeface="+mn-ea"/>
-                <a:cs typeface="+mn-cs"/>
-              </a:defRPr>
-            </a:lvl7pPr>
-            <a:lvl8pPr marL="3429000" indent="-228600" algn="l" defTabSz="914400" rtl="0" eaLnBrk="1" latinLnBrk="0" hangingPunct="1">
-              <a:lnSpc>
-                <a:spcPct val="90000"/>
-              </a:lnSpc>
-              <a:spcBef>
-                <a:spcPts val="500"/>
-              </a:spcBef>
-              <a:buFont typeface="Arial" panose="020B0604020202020204" pitchFamily="34" charset="0"/>
-              <a:buChar char="•"/>
-              <a:defRPr sz="1800" kern="1200">
-                <a:solidFill>
-                  <a:schemeClr val="tx1"/>
-                </a:solidFill>
-                <a:latin typeface="+mn-lt"/>
-                <a:ea typeface="+mn-ea"/>
-                <a:cs typeface="+mn-cs"/>
-              </a:defRPr>
-            </a:lvl8pPr>
-            <a:lvl9pPr marL="3886200" indent="-228600" algn="l" defTabSz="914400" rtl="0" eaLnBrk="1" latinLnBrk="0" hangingPunct="1">
-              <a:lnSpc>
-                <a:spcPct val="90000"/>
-              </a:lnSpc>
-              <a:spcBef>
-                <a:spcPts val="500"/>
-              </a:spcBef>
-              <a:buFont typeface="Arial" panose="020B0604020202020204" pitchFamily="34" charset="0"/>
-              <a:buChar char="•"/>
-              <a:defRPr sz="1800" kern="1200">
-                <a:solidFill>
-                  <a:schemeClr val="tx1"/>
-                </a:solidFill>
-                <a:latin typeface="+mn-lt"/>
-                <a:ea typeface="+mn-ea"/>
-                <a:cs typeface="+mn-cs"/>
-              </a:defRPr>
-            </a:lvl9pPr>
-          </a:lstStyle>
-          <a:p>
-            <a:pPr marL="0" indent="0">
-              <a:buFont typeface="Arial" panose="020B0604020202020204" pitchFamily="34" charset="0"/>
-              <a:buNone/>
-            </a:pPr>
-            <a:r>
-              <a:rPr lang="en-US" sz="2000" b="1" dirty="0">
-                <a:latin typeface="Arial" panose="020B0604020202020204" pitchFamily="34" charset="0"/>
-                <a:cs typeface="Arial" panose="020B0604020202020204" pitchFamily="34" charset="0"/>
-              </a:rPr>
-              <a:t>Hypothesis:</a:t>
-            </a:r>
-            <a:r>
-              <a:rPr lang="en-US" sz="2000" dirty="0">
-                <a:latin typeface="Arial" panose="020B0604020202020204" pitchFamily="34" charset="0"/>
-                <a:cs typeface="Arial" panose="020B0604020202020204" pitchFamily="34" charset="0"/>
-              </a:rPr>
-              <a:t>  </a:t>
-            </a:r>
-          </a:p>
-          <a:p>
-            <a:pPr marL="0" indent="0">
-              <a:buFont typeface="Arial" panose="020B0604020202020204" pitchFamily="34" charset="0"/>
-              <a:buNone/>
-            </a:pPr>
-            <a:endParaRPr lang="en-US" sz="1800" dirty="0">
-              <a:latin typeface="Arial" panose="020B0604020202020204" pitchFamily="34" charset="0"/>
-              <a:cs typeface="Arial" panose="020B0604020202020204" pitchFamily="34" charset="0"/>
-            </a:endParaRPr>
-          </a:p>
-          <a:p>
-            <a:pPr marL="0" indent="0">
-              <a:buFont typeface="Arial" panose="020B0604020202020204" pitchFamily="34" charset="0"/>
-              <a:buNone/>
-            </a:pPr>
-            <a:r>
-              <a:rPr lang="en-US" sz="2000" dirty="0">
-                <a:latin typeface="Arial" panose="020B0604020202020204" pitchFamily="34" charset="0"/>
-                <a:cs typeface="Arial" panose="020B0604020202020204" pitchFamily="34" charset="0"/>
-              </a:rPr>
-              <a:t>We hypothesize that risk perception is higher in </a:t>
-            </a:r>
-            <a:r>
-              <a:rPr lang="en-US" sz="2000" dirty="0" smtClean="0">
-                <a:latin typeface="Arial" panose="020B0604020202020204" pitchFamily="34" charset="0"/>
-                <a:cs typeface="Arial" panose="020B0604020202020204" pitchFamily="34" charset="0"/>
-              </a:rPr>
-              <a:t>professionals that have exposure </a:t>
-            </a:r>
-            <a:r>
-              <a:rPr lang="en-US" sz="2000" dirty="0">
-                <a:latin typeface="Arial" panose="020B0604020202020204" pitchFamily="34" charset="0"/>
-                <a:cs typeface="Arial" panose="020B0604020202020204" pitchFamily="34" charset="0"/>
-              </a:rPr>
-              <a:t>of previous injuries/fatalities.  </a:t>
-            </a:r>
-          </a:p>
-          <a:p>
-            <a:pPr marL="0" indent="0">
-              <a:buFont typeface="Arial" panose="020B0604020202020204" pitchFamily="34" charset="0"/>
-              <a:buNone/>
-            </a:pPr>
-            <a:endParaRPr lang="en-US" sz="2000" dirty="0">
-              <a:latin typeface="Arial" panose="020B0604020202020204" pitchFamily="34" charset="0"/>
-              <a:cs typeface="Arial" panose="020B0604020202020204" pitchFamily="34" charset="0"/>
-            </a:endParaRPr>
-          </a:p>
-          <a:p>
-            <a:pPr marL="0" indent="0">
-              <a:buNone/>
-            </a:pPr>
-            <a:r>
-              <a:rPr lang="en-US" sz="2000" dirty="0">
-                <a:latin typeface="Arial" panose="020B0604020202020204" pitchFamily="34" charset="0"/>
-                <a:cs typeface="Arial" panose="020B0604020202020204" pitchFamily="34" charset="0"/>
-              </a:rPr>
-              <a:t>Also that professionals in </a:t>
-            </a:r>
-            <a:r>
-              <a:rPr lang="en-US" sz="2000" strike="sngStrike" dirty="0">
-                <a:latin typeface="Arial" panose="020B0604020202020204" pitchFamily="34" charset="0"/>
-                <a:cs typeface="Arial" panose="020B0604020202020204" pitchFamily="34" charset="0"/>
-              </a:rPr>
-              <a:t>educational and Health care institutions have a lower risk perception than those in Manufacturing. </a:t>
-            </a:r>
-            <a:r>
-              <a:rPr lang="en-US" sz="2000" dirty="0">
-                <a:solidFill>
-                  <a:srgbClr val="FF0000"/>
-                </a:solidFill>
-                <a:latin typeface="Arial" panose="020B0604020202020204" pitchFamily="34" charset="0"/>
-                <a:cs typeface="Arial" panose="020B0604020202020204" pitchFamily="34" charset="0"/>
-              </a:rPr>
-              <a:t> In last committee meeting they asked me to expand the population, not limited to educational and health care institutions.  So, I am expanding it to </a:t>
-            </a:r>
-            <a:r>
-              <a:rPr lang="en-US" sz="2000" dirty="0" err="1">
-                <a:solidFill>
-                  <a:srgbClr val="FF0000"/>
-                </a:solidFill>
-                <a:latin typeface="Arial" panose="020B0604020202020204" pitchFamily="34" charset="0"/>
-                <a:cs typeface="Arial" panose="020B0604020202020204" pitchFamily="34" charset="0"/>
-              </a:rPr>
-              <a:t>Adminstratrative</a:t>
-            </a:r>
-            <a:r>
-              <a:rPr lang="en-US" sz="2000" dirty="0">
-                <a:solidFill>
-                  <a:srgbClr val="FF0000"/>
-                </a:solidFill>
-                <a:latin typeface="Arial" panose="020B0604020202020204" pitchFamily="34" charset="0"/>
-                <a:cs typeface="Arial" panose="020B0604020202020204" pitchFamily="34" charset="0"/>
-              </a:rPr>
-              <a:t> (white collar) type of occupations and Non-Administrative type of occupations (more field like type of jobs).</a:t>
-            </a:r>
-            <a:endParaRPr lang="en-US" sz="2000" dirty="0">
-              <a:solidFill>
-                <a:srgbClr val="FF0000"/>
-              </a:solidFill>
-              <a:latin typeface="Arial" panose="020B0604020202020204" pitchFamily="34" charset="0"/>
-              <a:cs typeface="Arial" panose="020B0604020202020204" pitchFamily="34" charset="0"/>
-            </a:endParaRPr>
-          </a:p>
-        </p:txBody>
-      </p:sp>
-      <p:sp>
-        <p:nvSpPr>
-          <p:cNvPr id="11" name="Title 1">
-            <a:extLst>
-              <a:ext uri="{FF2B5EF4-FFF2-40B4-BE49-F238E27FC236}">
-                <a16:creationId xmlns:a16="http://schemas.microsoft.com/office/drawing/2014/main" id="{B1DC8F07-C72B-452C-A31A-477974197AF0}"/>
-              </a:ext>
-            </a:extLst>
-          </p:cNvPr>
-          <p:cNvSpPr txBox="1">
-            <a:spLocks/>
-          </p:cNvSpPr>
-          <p:nvPr/>
-        </p:nvSpPr>
-        <p:spPr>
-          <a:xfrm>
-            <a:off x="537028" y="211016"/>
-            <a:ext cx="11065035" cy="369087"/>
-          </a:xfrm>
-          <a:prstGeom prst="rect">
-            <a:avLst/>
-          </a:prstGeom>
-          <a:solidFill>
-            <a:srgbClr val="00B0F0"/>
-          </a:solidFill>
-        </p:spPr>
-        <p:txBody>
-          <a:bodyPr vert="horz" lIns="91440" tIns="45720" rIns="91440" bIns="45720" rtlCol="0" anchor="ctr">
-            <a:normAutofit/>
-          </a:bodyPr>
-          <a:lstStyle>
-            <a:lvl1pPr algn="l" defTabSz="914400" rtl="0" eaLnBrk="1" latinLnBrk="0" hangingPunct="1">
-              <a:lnSpc>
-                <a:spcPct val="90000"/>
-              </a:lnSpc>
-              <a:spcBef>
-                <a:spcPct val="0"/>
-              </a:spcBef>
-              <a:buNone/>
-              <a:defRPr sz="4400" kern="1200">
-                <a:solidFill>
-                  <a:schemeClr val="tx1"/>
-                </a:solidFill>
-                <a:latin typeface="+mj-lt"/>
-                <a:ea typeface="+mj-ea"/>
-                <a:cs typeface="+mj-cs"/>
-              </a:defRPr>
-            </a:lvl1pPr>
-          </a:lstStyle>
-          <a:p>
-            <a:r>
-              <a:rPr lang="en-US" sz="2000" b="1" dirty="0">
-                <a:latin typeface="Arial" panose="020B0604020202020204" pitchFamily="34" charset="0"/>
-                <a:cs typeface="Arial" panose="020B0604020202020204" pitchFamily="34" charset="0"/>
-              </a:rPr>
-              <a:t>Hypothesis</a:t>
-            </a:r>
-          </a:p>
-        </p:txBody>
-      </p:sp>
-      <p:grpSp>
-        <p:nvGrpSpPr>
-          <p:cNvPr id="7" name="Group 6">
-            <a:extLst>
-              <a:ext uri="{FF2B5EF4-FFF2-40B4-BE49-F238E27FC236}">
-                <a16:creationId xmlns:a16="http://schemas.microsoft.com/office/drawing/2014/main" id="{18D1CD37-8CFB-4B53-B59A-33FF38E53C98}"/>
-              </a:ext>
-            </a:extLst>
-          </p:cNvPr>
-          <p:cNvGrpSpPr/>
-          <p:nvPr/>
-        </p:nvGrpSpPr>
-        <p:grpSpPr>
-          <a:xfrm>
-            <a:off x="6272981" y="853436"/>
-            <a:ext cx="5458776" cy="3944705"/>
-            <a:chOff x="7114166" y="1312696"/>
-            <a:chExt cx="3453727" cy="2588568"/>
-          </a:xfrm>
-        </p:grpSpPr>
-        <p:pic>
-          <p:nvPicPr>
-            <p:cNvPr id="8" name="Picture 7">
-              <a:extLst>
-                <a:ext uri="{FF2B5EF4-FFF2-40B4-BE49-F238E27FC236}">
-                  <a16:creationId xmlns:a16="http://schemas.microsoft.com/office/drawing/2014/main" id="{857138F2-54EE-461A-AF01-F5B557EDA7CF}"/>
-                </a:ext>
-              </a:extLst>
-            </p:cNvPr>
-            <p:cNvPicPr>
-              <a:picLocks noChangeAspect="1"/>
-            </p:cNvPicPr>
-            <p:nvPr/>
-          </p:nvPicPr>
-          <p:blipFill>
-            <a:blip r:embed="rId2"/>
-            <a:stretch>
-              <a:fillRect/>
-            </a:stretch>
-          </p:blipFill>
-          <p:spPr>
-            <a:xfrm>
-              <a:off x="7483498" y="1312696"/>
-              <a:ext cx="3084395" cy="2405460"/>
-            </a:xfrm>
-            <a:prstGeom prst="rect">
-              <a:avLst/>
-            </a:prstGeom>
-          </p:spPr>
-        </p:pic>
-        <p:sp>
-          <p:nvSpPr>
-            <p:cNvPr id="9" name="TextBox 8">
-              <a:extLst>
-                <a:ext uri="{FF2B5EF4-FFF2-40B4-BE49-F238E27FC236}">
-                  <a16:creationId xmlns:a16="http://schemas.microsoft.com/office/drawing/2014/main" id="{38E521F6-9726-46B2-900F-D4EA8FC4E730}"/>
-                </a:ext>
-              </a:extLst>
-            </p:cNvPr>
-            <p:cNvSpPr txBox="1"/>
-            <p:nvPr/>
-          </p:nvSpPr>
-          <p:spPr>
-            <a:xfrm>
-              <a:off x="8453070" y="3624265"/>
-              <a:ext cx="1145250" cy="276999"/>
-            </a:xfrm>
-            <a:prstGeom prst="rect">
-              <a:avLst/>
-            </a:prstGeom>
-            <a:noFill/>
-          </p:spPr>
-          <p:txBody>
-            <a:bodyPr wrap="none" rtlCol="0">
-              <a:spAutoFit/>
-            </a:bodyPr>
-            <a:lstStyle/>
-            <a:p>
-              <a:r>
-                <a:rPr lang="en-US" sz="1200" dirty="0"/>
-                <a:t>Risk Perception</a:t>
-              </a:r>
-            </a:p>
-          </p:txBody>
-        </p:sp>
-        <p:sp>
-          <p:nvSpPr>
-            <p:cNvPr id="10" name="TextBox 9">
-              <a:extLst>
-                <a:ext uri="{FF2B5EF4-FFF2-40B4-BE49-F238E27FC236}">
-                  <a16:creationId xmlns:a16="http://schemas.microsoft.com/office/drawing/2014/main" id="{EE045E5E-F5D0-4BEE-A885-3875B38EE359}"/>
-                </a:ext>
-              </a:extLst>
-            </p:cNvPr>
-            <p:cNvSpPr txBox="1"/>
-            <p:nvPr/>
-          </p:nvSpPr>
-          <p:spPr>
-            <a:xfrm>
-              <a:off x="7114166" y="2106872"/>
-              <a:ext cx="369332" cy="553998"/>
-            </a:xfrm>
-            <a:prstGeom prst="rect">
-              <a:avLst/>
-            </a:prstGeom>
-            <a:noFill/>
-          </p:spPr>
-          <p:txBody>
-            <a:bodyPr vert="vert270" wrap="none" rtlCol="0">
-              <a:spAutoFit/>
-            </a:bodyPr>
-            <a:lstStyle/>
-            <a:p>
-              <a:r>
-                <a:rPr lang="en-US" sz="1200" dirty="0"/>
-                <a:t>Injuries</a:t>
-              </a:r>
-            </a:p>
-          </p:txBody>
-        </p:sp>
-      </p:grpSp>
-      <p:sp>
-        <p:nvSpPr>
-          <p:cNvPr id="12" name="Rectangle 11">
-            <a:extLst>
-              <a:ext uri="{FF2B5EF4-FFF2-40B4-BE49-F238E27FC236}">
-                <a16:creationId xmlns:a16="http://schemas.microsoft.com/office/drawing/2014/main" id="{C3E4F717-B1FD-43B1-8303-3247F5E07D6D}"/>
-              </a:ext>
-            </a:extLst>
-          </p:cNvPr>
-          <p:cNvSpPr/>
-          <p:nvPr/>
-        </p:nvSpPr>
-        <p:spPr>
-          <a:xfrm>
-            <a:off x="7497961" y="4987427"/>
-            <a:ext cx="3717684" cy="286682"/>
-          </a:xfrm>
-          <a:prstGeom prst="rect">
-            <a:avLst/>
-          </a:prstGeom>
-        </p:spPr>
-        <p:txBody>
-          <a:bodyPr wrap="none">
-            <a:spAutoFit/>
-          </a:bodyPr>
-          <a:lstStyle/>
-          <a:p>
-            <a:pPr marL="457200" marR="0" indent="-457200">
-              <a:lnSpc>
-                <a:spcPct val="115000"/>
-              </a:lnSpc>
-              <a:spcBef>
-                <a:spcPts val="0"/>
-              </a:spcBef>
-              <a:spcAft>
-                <a:spcPts val="0"/>
-              </a:spcAft>
-            </a:pPr>
-            <a:r>
-              <a:rPr lang="en-US" sz="1200" i="1" dirty="0">
-                <a:solidFill>
-                  <a:srgbClr val="000000"/>
-                </a:solidFill>
-                <a:latin typeface="Arial" panose="020B0604020202020204" pitchFamily="34" charset="0"/>
-                <a:ea typeface="Times New Roman" panose="02020603050405020304" pitchFamily="18" charset="0"/>
-                <a:cs typeface="Arial" panose="020B0604020202020204" pitchFamily="34" charset="0"/>
-              </a:rPr>
-              <a:t>Figure 1</a:t>
-            </a:r>
-            <a:r>
-              <a:rPr lang="en-US" sz="1200" dirty="0">
-                <a:solidFill>
-                  <a:srgbClr val="000000"/>
-                </a:solidFill>
-                <a:latin typeface="Arial" panose="020B0604020202020204" pitchFamily="34" charset="0"/>
-                <a:ea typeface="Times New Roman" panose="02020603050405020304" pitchFamily="18" charset="0"/>
-                <a:cs typeface="Arial" panose="020B0604020202020204" pitchFamily="34" charset="0"/>
-              </a:rPr>
-              <a:t>:  </a:t>
-            </a:r>
-            <a:r>
-              <a:rPr lang="en-US" altLang="en-US" sz="1200" dirty="0">
-                <a:latin typeface="Arial" panose="020B0604020202020204" pitchFamily="34" charset="0"/>
-                <a:cs typeface="Arial" panose="020B0604020202020204" pitchFamily="34" charset="0"/>
-              </a:rPr>
-              <a:t>Graphical Representation of Hypothesis</a:t>
-            </a:r>
-            <a:r>
-              <a:rPr lang="en-US" sz="1200" dirty="0">
-                <a:latin typeface="Arial" panose="020B0604020202020204" pitchFamily="34" charset="0"/>
-                <a:cs typeface="Arial" panose="020B0604020202020204" pitchFamily="34" charset="0"/>
-              </a:rPr>
-              <a:t>.  </a:t>
-            </a:r>
-          </a:p>
-        </p:txBody>
-      </p:sp>
-    </p:spTree>
-    <p:extLst>
-      <p:ext uri="{BB962C8B-B14F-4D97-AF65-F5344CB8AC3E}">
-        <p14:creationId xmlns:p14="http://schemas.microsoft.com/office/powerpoint/2010/main" val="1666592612"/>
-      </p:ext>
-    </p:extLst>
-  </p:cSld>
-  <p:clrMapOvr>
-    <a:masterClrMapping/>
-  </p:clrMapOvr>
-  <p:timing>
-    <p:tnLst>
-      <p:par>
-        <p:cTn id="1" dur="indefinite" restart="never" nodeType="tmRoot"/>
-      </p:par>
-    </p:tnLst>
-  </p:timing>
-</p:sld>
-</file>
-
-<file path=ppt/slides/slide30.xml><?xml version="1.0" encoding="utf-8"?>
+<file path=ppt/slides/slide31.xml><?xml version="1.0" encoding="utf-8"?>
 <p:sld xmlns:a="http://schemas.openxmlformats.org/drawingml/2006/main" xmlns:r="http://schemas.openxmlformats.org/officeDocument/2006/relationships" xmlns:p="http://schemas.openxmlformats.org/presentationml/2006/main">
   <p:cSld>
     <p:spTree>
@@ -16376,7 +17208,7 @@
 </p:sld>
 </file>
 
-<file path=ppt/slides/slide31.xml><?xml version="1.0" encoding="utf-8"?>
+<file path=ppt/slides/slide32.xml><?xml version="1.0" encoding="utf-8"?>
 <p:sld xmlns:a="http://schemas.openxmlformats.org/drawingml/2006/main" xmlns:r="http://schemas.openxmlformats.org/officeDocument/2006/relationships" xmlns:p="http://schemas.openxmlformats.org/presentationml/2006/main">
   <p:cSld>
     <p:spTree>
@@ -16402,7 +17234,7 @@
           <p:nvPr/>
         </p:nvPicPr>
         <p:blipFill>
-          <a:blip r:embed="rId2"/>
+          <a:blip r:embed="rId3"/>
           <a:stretch>
             <a:fillRect/>
           </a:stretch>
@@ -16426,7 +17258,7 @@
           <p:nvPr/>
         </p:nvPicPr>
         <p:blipFill>
-          <a:blip r:embed="rId3"/>
+          <a:blip r:embed="rId4"/>
           <a:stretch>
             <a:fillRect/>
           </a:stretch>
@@ -16450,7 +17282,7 @@
           <p:nvPr/>
         </p:nvPicPr>
         <p:blipFill>
-          <a:blip r:embed="rId4"/>
+          <a:blip r:embed="rId5"/>
           <a:stretch>
             <a:fillRect/>
           </a:stretch>
@@ -16541,7 +17373,7 @@
           <p:nvPr/>
         </p:nvPicPr>
         <p:blipFill>
-          <a:blip r:embed="rId5"/>
+          <a:blip r:embed="rId6"/>
           <a:stretch>
             <a:fillRect/>
           </a:stretch>
@@ -16680,35 +17512,7 @@
                 <a:latin typeface="Arial" panose="020B0604020202020204" pitchFamily="34" charset="0"/>
                 <a:cs typeface="Arial" panose="020B0604020202020204" pitchFamily="34" charset="0"/>
               </a:rPr>
-              <a:t>hen a higher relative log </a:t>
-            </a:r>
-            <a:r>
-              <a:rPr lang="en-US" sz="1400" dirty="0" smtClean="0">
-                <a:latin typeface="Arial" panose="020B0604020202020204" pitchFamily="34" charset="0"/>
-                <a:cs typeface="Arial" panose="020B0604020202020204" pitchFamily="34" charset="0"/>
-              </a:rPr>
-              <a:t>index value, </a:t>
-            </a:r>
-            <a:r>
-              <a:rPr lang="en-US" sz="1400" dirty="0" smtClean="0">
-                <a:latin typeface="Arial" panose="020B0604020202020204" pitchFamily="34" charset="0"/>
-                <a:cs typeface="Arial" panose="020B0604020202020204" pitchFamily="34" charset="0"/>
-              </a:rPr>
-              <a:t>correlates to a </a:t>
-            </a:r>
-            <a:r>
-              <a:rPr lang="en-US" sz="1400" dirty="0" smtClean="0">
-                <a:latin typeface="Arial" panose="020B0604020202020204" pitchFamily="34" charset="0"/>
-                <a:cs typeface="Arial" panose="020B0604020202020204" pitchFamily="34" charset="0"/>
-              </a:rPr>
-              <a:t>smaller </a:t>
-            </a:r>
-            <a:r>
-              <a:rPr lang="en-US" sz="1400" dirty="0" smtClean="0">
-                <a:latin typeface="Arial" panose="020B0604020202020204" pitchFamily="34" charset="0"/>
-                <a:cs typeface="Arial" panose="020B0604020202020204" pitchFamily="34" charset="0"/>
-              </a:rPr>
-              <a:t>fatality/injury rate.</a:t>
+              <a:t>hen a higher relative log index value, correlates to a smaller fatality/injury rate.</a:t>
             </a:r>
           </a:p>
           <a:p>
@@ -16750,7 +17554,7 @@
           </a:prstGeom>
           <a:ln w="25400">
             <a:solidFill>
-              <a:schemeClr val="tx1"/>
+              <a:srgbClr val="FF0000"/>
             </a:solidFill>
             <a:prstDash val="dash"/>
             <a:tailEnd type="triangle" w="lg" len="lg"/>
@@ -16779,8 +17583,8 @@
         </p:nvSpPr>
         <p:spPr>
           <a:xfrm>
-            <a:off x="4502858" y="6478953"/>
-            <a:ext cx="463588" cy="307777"/>
+            <a:off x="4479973" y="6477989"/>
+            <a:ext cx="503664" cy="307777"/>
           </a:xfrm>
           <a:prstGeom prst="rect">
             <a:avLst/>
@@ -16794,13 +17598,118 @@
           <a:lstStyle/>
           <a:p>
             <a:r>
-              <a:rPr lang="en-US" sz="1400" dirty="0" smtClean="0">
+              <a:rPr lang="en-US" sz="1400" b="1" dirty="0" smtClean="0">
+                <a:solidFill>
+                  <a:srgbClr val="FF0000"/>
+                </a:solidFill>
                 <a:latin typeface="Arial" panose="020B0604020202020204" pitchFamily="34" charset="0"/>
                 <a:cs typeface="Arial" panose="020B0604020202020204" pitchFamily="34" charset="0"/>
               </a:rPr>
               <a:t>risk</a:t>
             </a:r>
-            <a:endParaRPr lang="en-US" sz="1400" dirty="0">
+            <a:endParaRPr lang="en-US" sz="1400" b="1" dirty="0">
+              <a:solidFill>
+                <a:srgbClr val="FF0000"/>
+              </a:solidFill>
+              <a:latin typeface="Arial" panose="020B0604020202020204" pitchFamily="34" charset="0"/>
+              <a:cs typeface="Arial" panose="020B0604020202020204" pitchFamily="34" charset="0"/>
+            </a:endParaRPr>
+          </a:p>
+        </p:txBody>
+      </p:sp>
+      <p:cxnSp>
+        <p:nvCxnSpPr>
+          <p:cNvPr id="10" name="Straight Arrow Connector 9"/>
+          <p:cNvCxnSpPr/>
+          <p:nvPr/>
+        </p:nvCxnSpPr>
+        <p:spPr>
+          <a:xfrm flipV="1">
+            <a:off x="4106792" y="3745450"/>
+            <a:ext cx="10399" cy="1783161"/>
+          </a:xfrm>
+          <a:prstGeom prst="straightConnector1">
+            <a:avLst/>
+          </a:prstGeom>
+          <a:ln w="25400">
+            <a:solidFill>
+              <a:srgbClr val="00B050"/>
+            </a:solidFill>
+            <a:prstDash val="dash"/>
+            <a:tailEnd type="triangle" w="lg" len="lg"/>
+          </a:ln>
+        </p:spPr>
+        <p:style>
+          <a:lnRef idx="1">
+            <a:schemeClr val="accent1"/>
+          </a:lnRef>
+          <a:fillRef idx="0">
+            <a:schemeClr val="accent1"/>
+          </a:fillRef>
+          <a:effectRef idx="0">
+            <a:schemeClr val="accent1"/>
+          </a:effectRef>
+          <a:fontRef idx="minor">
+            <a:schemeClr val="tx1"/>
+          </a:fontRef>
+        </p:style>
+      </p:cxnSp>
+      <p:sp>
+        <p:nvSpPr>
+          <p:cNvPr id="13" name="TextBox 12"/>
+          <p:cNvSpPr txBox="1"/>
+          <p:nvPr/>
+        </p:nvSpPr>
+        <p:spPr>
+          <a:xfrm rot="16200000">
+            <a:off x="3232436" y="5916518"/>
+            <a:ext cx="1707615" cy="307777"/>
+          </a:xfrm>
+          <a:prstGeom prst="rect">
+            <a:avLst/>
+          </a:prstGeom>
+          <a:noFill/>
+        </p:spPr>
+        <p:txBody>
+          <a:bodyPr wrap="square" rtlCol="0">
+            <a:spAutoFit/>
+          </a:bodyPr>
+          <a:lstStyle/>
+          <a:p>
+            <a:r>
+              <a:rPr lang="en-US" sz="1400" b="1" dirty="0">
+                <a:solidFill>
+                  <a:srgbClr val="00B050"/>
+                </a:solidFill>
+                <a:latin typeface="Arial" panose="020B0604020202020204" pitchFamily="34" charset="0"/>
+                <a:cs typeface="Arial" panose="020B0604020202020204" pitchFamily="34" charset="0"/>
+              </a:rPr>
+              <a:t>r</a:t>
+            </a:r>
+            <a:r>
+              <a:rPr lang="en-US" sz="1400" b="1" dirty="0" smtClean="0">
+                <a:solidFill>
+                  <a:srgbClr val="00B050"/>
+                </a:solidFill>
+                <a:latin typeface="Arial" panose="020B0604020202020204" pitchFamily="34" charset="0"/>
+                <a:cs typeface="Arial" panose="020B0604020202020204" pitchFamily="34" charset="0"/>
+              </a:rPr>
+              <a:t>isk perce</a:t>
+            </a:r>
+            <a:r>
+              <a:rPr lang="en-US" sz="1400" b="1" dirty="0" smtClean="0">
+                <a:solidFill>
+                  <a:srgbClr val="00B050"/>
+                </a:solidFill>
+                <a:latin typeface="Arial" panose="020B0604020202020204" pitchFamily="34" charset="0"/>
+                <a:cs typeface="Arial" panose="020B0604020202020204" pitchFamily="34" charset="0"/>
+              </a:rPr>
+              <a:t>ption</a:t>
+            </a:r>
+            <a:endParaRPr lang="en-US" sz="1400" b="1" dirty="0">
+              <a:solidFill>
+                <a:srgbClr val="00B050"/>
+              </a:solidFill>
               <a:latin typeface="Arial" panose="020B0604020202020204" pitchFamily="34" charset="0"/>
               <a:cs typeface="Arial" panose="020B0604020202020204" pitchFamily="34" charset="0"/>
             </a:endParaRPr>
@@ -16810,17 +17719,24 @@
     </p:spTree>
     <p:extLst>
       <p:ext uri="{BB962C8B-B14F-4D97-AF65-F5344CB8AC3E}">
-        <p14:creationId xmlns:p14="http://schemas.microsoft.com/office/powerpoint/2010/main" val="3589923686"/>
+        <p14:creationId xmlns:p14="http://schemas.microsoft.com/office/powerpoint/2010/main" val="1780044530"/>
       </p:ext>
     </p:extLst>
   </p:cSld>
   <p:clrMapOvr>
     <a:masterClrMapping/>
   </p:clrMapOvr>
+  <p:timing>
+    <p:tnLst>
+      <p:par>
+        <p:cTn id="1" dur="indefinite" restart="never" nodeType="tmRoot"/>
+      </p:par>
+    </p:tnLst>
+  </p:timing>
 </p:sld>
 </file>
 
-<file path=ppt/slides/slide32.xml><?xml version="1.0" encoding="utf-8"?>
+<file path=ppt/slides/slide33.xml><?xml version="1.0" encoding="utf-8"?>
 <p:sld xmlns:a="http://schemas.openxmlformats.org/drawingml/2006/main" xmlns:r="http://schemas.openxmlformats.org/officeDocument/2006/relationships" xmlns:p="http://schemas.openxmlformats.org/presentationml/2006/main">
   <p:cSld>
     <p:spTree>
@@ -16853,7 +17769,7 @@
         </p:blipFill>
         <p:spPr>
           <a:xfrm>
-            <a:off x="5040855" y="288046"/>
+            <a:off x="5569175" y="288046"/>
             <a:ext cx="6561208" cy="6561208"/>
           </a:xfrm>
           <a:prstGeom prst="rect">
@@ -16916,21 +17832,7 @@
                 <a:latin typeface="Arial" panose="020B0604020202020204" pitchFamily="34" charset="0"/>
                 <a:cs typeface="Arial" panose="020B0604020202020204" pitchFamily="34" charset="0"/>
               </a:rPr>
-              <a:t>Example Data:  </a:t>
-            </a:r>
-            <a:r>
-              <a:rPr lang="en-US" sz="2000" b="1" dirty="0" smtClean="0">
-                <a:latin typeface="Arial" panose="020B0604020202020204" pitchFamily="34" charset="0"/>
-                <a:cs typeface="Arial" panose="020B0604020202020204" pitchFamily="34" charset="0"/>
-              </a:rPr>
-              <a:t>Cumulative Averaged values for GENDER/AGE/LOS,  SOC </a:t>
-            </a:r>
-            <a:r>
-              <a:rPr lang="en-US" sz="2000" b="1" dirty="0" smtClean="0">
-                <a:latin typeface="Arial" panose="020B0604020202020204" pitchFamily="34" charset="0"/>
-                <a:cs typeface="Arial" panose="020B0604020202020204" pitchFamily="34" charset="0"/>
-              </a:rPr>
-              <a:t>level 1</a:t>
+              <a:t>Example Data:  Cumulative Averaged values for GENDER/AGE/LOS,  SOC level 1</a:t>
             </a:r>
             <a:endParaRPr lang="en-US" sz="2000" b="1" dirty="0">
               <a:solidFill>
@@ -16980,14 +17882,7 @@
                 <a:latin typeface="Arial" panose="020B0604020202020204" pitchFamily="34" charset="0"/>
                 <a:cs typeface="Arial" panose="020B0604020202020204" pitchFamily="34" charset="0"/>
               </a:rPr>
-              <a:t>The graph to the right </a:t>
-            </a:r>
-            <a:r>
-              <a:rPr lang="en-US" sz="1400" dirty="0" smtClean="0">
-                <a:latin typeface="Arial" panose="020B0604020202020204" pitchFamily="34" charset="0"/>
-                <a:cs typeface="Arial" panose="020B0604020202020204" pitchFamily="34" charset="0"/>
-              </a:rPr>
-              <a:t>was created by averaging all of the occupational categorical fatality log values. This was done for GENDER, AGE, and LOS (length of service). </a:t>
+              <a:t>The graph to the right was created by averaging all of the occupational categorical fatality log values. This was done for GENDER, AGE, and LOS (length of service). </a:t>
             </a:r>
           </a:p>
           <a:p>
@@ -17004,10 +17899,6 @@
               </a:rPr>
               <a:t>RACE also produces a positive slope, however, the correlation of the values to the linear regression, was a better match (better r) when RACE data was not averaged.  </a:t>
             </a:r>
-            <a:endParaRPr lang="en-US" sz="1400" dirty="0" smtClean="0">
-              <a:latin typeface="Arial" panose="020B0604020202020204" pitchFamily="34" charset="0"/>
-              <a:cs typeface="Arial" panose="020B0604020202020204" pitchFamily="34" charset="0"/>
-            </a:endParaRPr>
           </a:p>
           <a:p>
             <a:endParaRPr lang="en-US" sz="1400" dirty="0" smtClean="0">
@@ -17025,7 +17916,7 @@
         </p:nvGrpSpPr>
         <p:grpSpPr>
           <a:xfrm>
-            <a:off x="5772764" y="6464447"/>
+            <a:off x="6199484" y="6464447"/>
             <a:ext cx="5179716" cy="289911"/>
             <a:chOff x="4502858" y="6478953"/>
             <a:chExt cx="3130761" cy="307777"/>
@@ -17134,20 +18025,126 @@
           </a:ln>
         </p:spPr>
       </p:pic>
+      <p:cxnSp>
+        <p:nvCxnSpPr>
+          <p:cNvPr id="9" name="Straight Arrow Connector 8"/>
+          <p:cNvCxnSpPr/>
+          <p:nvPr/>
+        </p:nvCxnSpPr>
+        <p:spPr>
+          <a:xfrm flipV="1">
+            <a:off x="5699760" y="1036176"/>
+            <a:ext cx="23509" cy="3698384"/>
+          </a:xfrm>
+          <a:prstGeom prst="straightConnector1">
+            <a:avLst/>
+          </a:prstGeom>
+          <a:ln w="25400">
+            <a:solidFill>
+              <a:srgbClr val="00B050"/>
+            </a:solidFill>
+            <a:prstDash val="dash"/>
+            <a:tailEnd type="triangle" w="lg" len="lg"/>
+          </a:ln>
+        </p:spPr>
+        <p:style>
+          <a:lnRef idx="1">
+            <a:schemeClr val="accent1"/>
+          </a:lnRef>
+          <a:fillRef idx="0">
+            <a:schemeClr val="accent1"/>
+          </a:fillRef>
+          <a:effectRef idx="0">
+            <a:schemeClr val="accent1"/>
+          </a:effectRef>
+          <a:fontRef idx="minor">
+            <a:schemeClr val="tx1"/>
+          </a:fontRef>
+        </p:style>
+      </p:cxnSp>
+      <p:sp>
+        <p:nvSpPr>
+          <p:cNvPr id="10" name="TextBox 9"/>
+          <p:cNvSpPr txBox="1"/>
+          <p:nvPr/>
+        </p:nvSpPr>
+        <p:spPr>
+          <a:xfrm rot="16200000">
+            <a:off x="4859062" y="5208877"/>
+            <a:ext cx="1707615" cy="307777"/>
+          </a:xfrm>
+          <a:prstGeom prst="rect">
+            <a:avLst/>
+          </a:prstGeom>
+          <a:noFill/>
+        </p:spPr>
+        <p:txBody>
+          <a:bodyPr wrap="square" rtlCol="0">
+            <a:spAutoFit/>
+          </a:bodyPr>
+          <a:lstStyle/>
+          <a:p>
+            <a:r>
+              <a:rPr lang="en-US" sz="1400" b="1" dirty="0">
+                <a:solidFill>
+                  <a:srgbClr val="00B050"/>
+                </a:solidFill>
+                <a:latin typeface="Arial" panose="020B0604020202020204" pitchFamily="34" charset="0"/>
+                <a:cs typeface="Arial" panose="020B0604020202020204" pitchFamily="34" charset="0"/>
+              </a:rPr>
+              <a:t>r</a:t>
+            </a:r>
+            <a:r>
+              <a:rPr lang="en-US" sz="1400" b="1" dirty="0" smtClean="0">
+                <a:solidFill>
+                  <a:srgbClr val="00B050"/>
+                </a:solidFill>
+                <a:latin typeface="Arial" panose="020B0604020202020204" pitchFamily="34" charset="0"/>
+                <a:cs typeface="Arial" panose="020B0604020202020204" pitchFamily="34" charset="0"/>
+              </a:rPr>
+              <a:t>isk perce</a:t>
+            </a:r>
+            <a:r>
+              <a:rPr lang="en-US" sz="1400" b="1" dirty="0" smtClean="0">
+                <a:solidFill>
+                  <a:srgbClr val="00B050"/>
+                </a:solidFill>
+                <a:latin typeface="Arial" panose="020B0604020202020204" pitchFamily="34" charset="0"/>
+                <a:cs typeface="Arial" panose="020B0604020202020204" pitchFamily="34" charset="0"/>
+              </a:rPr>
+              <a:t>ption</a:t>
+            </a:r>
+            <a:endParaRPr lang="en-US" sz="1400" b="1" dirty="0">
+              <a:solidFill>
+                <a:srgbClr val="00B050"/>
+              </a:solidFill>
+              <a:latin typeface="Arial" panose="020B0604020202020204" pitchFamily="34" charset="0"/>
+              <a:cs typeface="Arial" panose="020B0604020202020204" pitchFamily="34" charset="0"/>
+            </a:endParaRPr>
+          </a:p>
+        </p:txBody>
+      </p:sp>
     </p:spTree>
     <p:extLst>
       <p:ext uri="{BB962C8B-B14F-4D97-AF65-F5344CB8AC3E}">
-        <p14:creationId xmlns:p14="http://schemas.microsoft.com/office/powerpoint/2010/main" val="3551443223"/>
+        <p14:creationId xmlns:p14="http://schemas.microsoft.com/office/powerpoint/2010/main" val="1591605922"/>
       </p:ext>
     </p:extLst>
   </p:cSld>
   <p:clrMapOvr>
     <a:masterClrMapping/>
   </p:clrMapOvr>
+  <p:timing>
+    <p:tnLst>
+      <p:par>
+        <p:cTn id="1" dur="indefinite" restart="never" nodeType="tmRoot"/>
+      </p:par>
+    </p:tnLst>
+  </p:timing>
 </p:sld>
 </file>
 
-<file path=ppt/slides/slide33.xml><?xml version="1.0" encoding="utf-8"?>
+<file path=ppt/slides/slide34.xml><?xml version="1.0" encoding="utf-8"?>
 <p:sld xmlns:a="http://schemas.openxmlformats.org/drawingml/2006/main" xmlns:r="http://schemas.openxmlformats.org/officeDocument/2006/relationships" xmlns:p="http://schemas.openxmlformats.org/presentationml/2006/main">
   <p:cSld>
     <p:spTree>
@@ -17180,7 +18177,7 @@
         </p:blipFill>
         <p:spPr>
           <a:xfrm>
-            <a:off x="5040855" y="288046"/>
+            <a:off x="5528535" y="288046"/>
             <a:ext cx="6561208" cy="6561208"/>
           </a:xfrm>
           <a:prstGeom prst="rect">
@@ -17243,14 +18240,7 @@
                 <a:latin typeface="Arial" panose="020B0604020202020204" pitchFamily="34" charset="0"/>
                 <a:cs typeface="Arial" panose="020B0604020202020204" pitchFamily="34" charset="0"/>
               </a:rPr>
-              <a:t>Example Data:  </a:t>
-            </a:r>
-            <a:r>
-              <a:rPr lang="en-US" sz="2000" b="1" dirty="0" smtClean="0">
-                <a:latin typeface="Arial" panose="020B0604020202020204" pitchFamily="34" charset="0"/>
-                <a:cs typeface="Arial" panose="020B0604020202020204" pitchFamily="34" charset="0"/>
-              </a:rPr>
-              <a:t>Conclusion Summary</a:t>
+              <a:t>Example Data:  Conclusion Summary</a:t>
             </a:r>
             <a:endParaRPr lang="en-US" sz="2000" b="1" dirty="0">
               <a:solidFill>
@@ -17270,7 +18260,7 @@
         </p:nvSpPr>
         <p:spPr>
           <a:xfrm>
-            <a:off x="537028" y="645070"/>
+            <a:off x="557348" y="645070"/>
             <a:ext cx="4882760" cy="6124754"/>
           </a:xfrm>
           <a:prstGeom prst="rect">
@@ -17294,14 +18284,7 @@
                 <a:latin typeface="Arial" panose="020B0604020202020204" pitchFamily="34" charset="0"/>
                 <a:cs typeface="Arial" panose="020B0604020202020204" pitchFamily="34" charset="0"/>
               </a:rPr>
-              <a:t>Since</a:t>
-            </a:r>
-            <a:r>
-              <a:rPr lang="en-US" sz="1400" dirty="0" smtClean="0">
-                <a:latin typeface="Arial" panose="020B0604020202020204" pitchFamily="34" charset="0"/>
-                <a:cs typeface="Arial" panose="020B0604020202020204" pitchFamily="34" charset="0"/>
-              </a:rPr>
-              <a:t>, the relative index is a function of:</a:t>
+              <a:t>Since, the relative index is a function of:</a:t>
             </a:r>
           </a:p>
           <a:p>
@@ -17382,35 +18365,7 @@
                 <a:latin typeface="Arial" panose="020B0604020202020204" pitchFamily="34" charset="0"/>
                 <a:cs typeface="Arial" panose="020B0604020202020204" pitchFamily="34" charset="0"/>
               </a:rPr>
-              <a:t>hen a higher relative log </a:t>
-            </a:r>
-            <a:r>
-              <a:rPr lang="en-US" sz="1400" dirty="0" smtClean="0">
-                <a:latin typeface="Arial" panose="020B0604020202020204" pitchFamily="34" charset="0"/>
-                <a:cs typeface="Arial" panose="020B0604020202020204" pitchFamily="34" charset="0"/>
-              </a:rPr>
-              <a:t>index value, </a:t>
-            </a:r>
-            <a:r>
-              <a:rPr lang="en-US" sz="1400" dirty="0" smtClean="0">
-                <a:latin typeface="Arial" panose="020B0604020202020204" pitchFamily="34" charset="0"/>
-                <a:cs typeface="Arial" panose="020B0604020202020204" pitchFamily="34" charset="0"/>
-              </a:rPr>
-              <a:t>correlates to a </a:t>
-            </a:r>
-            <a:r>
-              <a:rPr lang="en-US" sz="1400" dirty="0" smtClean="0">
-                <a:latin typeface="Arial" panose="020B0604020202020204" pitchFamily="34" charset="0"/>
-                <a:cs typeface="Arial" panose="020B0604020202020204" pitchFamily="34" charset="0"/>
-              </a:rPr>
-              <a:t>smaller </a:t>
-            </a:r>
-            <a:r>
-              <a:rPr lang="en-US" sz="1400" dirty="0" smtClean="0">
-                <a:latin typeface="Arial" panose="020B0604020202020204" pitchFamily="34" charset="0"/>
-                <a:cs typeface="Arial" panose="020B0604020202020204" pitchFamily="34" charset="0"/>
-              </a:rPr>
-              <a:t>fatality/injury rate.</a:t>
+              <a:t>hen a higher relative log index value, correlates to a smaller fatality/injury rate.</a:t>
             </a:r>
           </a:p>
           <a:p>
@@ -17425,14 +18380,7 @@
                 <a:latin typeface="Arial" panose="020B0604020202020204" pitchFamily="34" charset="0"/>
                 <a:cs typeface="Arial" panose="020B0604020202020204" pitchFamily="34" charset="0"/>
               </a:rPr>
-              <a:t>Since the categories on the x axis are ranked from left to right with increasing job risk. We can see a positive slope, that indicates that people with a higher perception of risk have a lower fatality rate</a:t>
-            </a:r>
-            <a:r>
-              <a:rPr lang="en-US" sz="1400" dirty="0" smtClean="0">
-                <a:latin typeface="Arial" panose="020B0604020202020204" pitchFamily="34" charset="0"/>
-                <a:cs typeface="Arial" panose="020B0604020202020204" pitchFamily="34" charset="0"/>
-              </a:rPr>
-              <a:t>.</a:t>
+              <a:t>Since the categories on the x axis are ranked from left to right with increasing job risk. We can see a positive slope, that indicates that people with a higher perception of risk have a lower fatality rate.</a:t>
             </a:r>
           </a:p>
           <a:p>
@@ -17647,7 +18595,7 @@
         </p:nvGrpSpPr>
         <p:grpSpPr>
           <a:xfrm>
-            <a:off x="5772764" y="6464447"/>
+            <a:off x="6362044" y="6464447"/>
             <a:ext cx="5179716" cy="289911"/>
             <a:chOff x="4502858" y="6478953"/>
             <a:chExt cx="3130761" cy="307777"/>
@@ -17727,20 +18675,126 @@
           </p:txBody>
         </p:sp>
       </p:grpSp>
+      <p:cxnSp>
+        <p:nvCxnSpPr>
+          <p:cNvPr id="8" name="Straight Arrow Connector 7"/>
+          <p:cNvCxnSpPr/>
+          <p:nvPr/>
+        </p:nvCxnSpPr>
+        <p:spPr>
+          <a:xfrm flipV="1">
+            <a:off x="5882640" y="1036176"/>
+            <a:ext cx="23509" cy="3698384"/>
+          </a:xfrm>
+          <a:prstGeom prst="straightConnector1">
+            <a:avLst/>
+          </a:prstGeom>
+          <a:ln w="25400">
+            <a:solidFill>
+              <a:srgbClr val="00B050"/>
+            </a:solidFill>
+            <a:prstDash val="dash"/>
+            <a:tailEnd type="triangle" w="lg" len="lg"/>
+          </a:ln>
+        </p:spPr>
+        <p:style>
+          <a:lnRef idx="1">
+            <a:schemeClr val="accent1"/>
+          </a:lnRef>
+          <a:fillRef idx="0">
+            <a:schemeClr val="accent1"/>
+          </a:fillRef>
+          <a:effectRef idx="0">
+            <a:schemeClr val="accent1"/>
+          </a:effectRef>
+          <a:fontRef idx="minor">
+            <a:schemeClr val="tx1"/>
+          </a:fontRef>
+        </p:style>
+      </p:cxnSp>
+      <p:sp>
+        <p:nvSpPr>
+          <p:cNvPr id="9" name="TextBox 8"/>
+          <p:cNvSpPr txBox="1"/>
+          <p:nvPr/>
+        </p:nvSpPr>
+        <p:spPr>
+          <a:xfrm rot="16200000">
+            <a:off x="5041942" y="5208877"/>
+            <a:ext cx="1707615" cy="307777"/>
+          </a:xfrm>
+          <a:prstGeom prst="rect">
+            <a:avLst/>
+          </a:prstGeom>
+          <a:noFill/>
+        </p:spPr>
+        <p:txBody>
+          <a:bodyPr wrap="square" rtlCol="0">
+            <a:spAutoFit/>
+          </a:bodyPr>
+          <a:lstStyle/>
+          <a:p>
+            <a:r>
+              <a:rPr lang="en-US" sz="1400" b="1" dirty="0">
+                <a:solidFill>
+                  <a:srgbClr val="00B050"/>
+                </a:solidFill>
+                <a:latin typeface="Arial" panose="020B0604020202020204" pitchFamily="34" charset="0"/>
+                <a:cs typeface="Arial" panose="020B0604020202020204" pitchFamily="34" charset="0"/>
+              </a:rPr>
+              <a:t>r</a:t>
+            </a:r>
+            <a:r>
+              <a:rPr lang="en-US" sz="1400" b="1" dirty="0" smtClean="0">
+                <a:solidFill>
+                  <a:srgbClr val="00B050"/>
+                </a:solidFill>
+                <a:latin typeface="Arial" panose="020B0604020202020204" pitchFamily="34" charset="0"/>
+                <a:cs typeface="Arial" panose="020B0604020202020204" pitchFamily="34" charset="0"/>
+              </a:rPr>
+              <a:t>isk perce</a:t>
+            </a:r>
+            <a:r>
+              <a:rPr lang="en-US" sz="1400" b="1" dirty="0" smtClean="0">
+                <a:solidFill>
+                  <a:srgbClr val="00B050"/>
+                </a:solidFill>
+                <a:latin typeface="Arial" panose="020B0604020202020204" pitchFamily="34" charset="0"/>
+                <a:cs typeface="Arial" panose="020B0604020202020204" pitchFamily="34" charset="0"/>
+              </a:rPr>
+              <a:t>ption</a:t>
+            </a:r>
+            <a:endParaRPr lang="en-US" sz="1400" b="1" dirty="0">
+              <a:solidFill>
+                <a:srgbClr val="00B050"/>
+              </a:solidFill>
+              <a:latin typeface="Arial" panose="020B0604020202020204" pitchFamily="34" charset="0"/>
+              <a:cs typeface="Arial" panose="020B0604020202020204" pitchFamily="34" charset="0"/>
+            </a:endParaRPr>
+          </a:p>
+        </p:txBody>
+      </p:sp>
     </p:spTree>
     <p:extLst>
       <p:ext uri="{BB962C8B-B14F-4D97-AF65-F5344CB8AC3E}">
-        <p14:creationId xmlns:p14="http://schemas.microsoft.com/office/powerpoint/2010/main" val="1162103344"/>
+        <p14:creationId xmlns:p14="http://schemas.microsoft.com/office/powerpoint/2010/main" val="1099297621"/>
       </p:ext>
     </p:extLst>
   </p:cSld>
   <p:clrMapOvr>
     <a:masterClrMapping/>
   </p:clrMapOvr>
+  <p:timing>
+    <p:tnLst>
+      <p:par>
+        <p:cTn id="1" dur="indefinite" restart="never" nodeType="tmRoot"/>
+      </p:par>
+    </p:tnLst>
+  </p:timing>
 </p:sld>
 </file>
 
-<file path=ppt/slides/slide34.xml><?xml version="1.0" encoding="utf-8"?>
+<file path=ppt/slides/slide35.xml><?xml version="1.0" encoding="utf-8"?>
 <p:sld xmlns:a="http://schemas.openxmlformats.org/drawingml/2006/main" xmlns:r="http://schemas.openxmlformats.org/officeDocument/2006/relationships" xmlns:p="http://schemas.openxmlformats.org/presentationml/2006/main">
   <p:cSld>
     <p:spTree>
@@ -17828,7 +18882,7 @@
 </p:sld>
 </file>
 
-<file path=ppt/slides/slide35.xml><?xml version="1.0" encoding="utf-8"?>
+<file path=ppt/slides/slide36.xml><?xml version="1.0" encoding="utf-8"?>
 <p:sld xmlns:a="http://schemas.openxmlformats.org/drawingml/2006/main" xmlns:r="http://schemas.openxmlformats.org/officeDocument/2006/relationships" xmlns:p="http://schemas.openxmlformats.org/presentationml/2006/main">
   <p:cSld>
     <p:spTree>
@@ -18047,7 +19101,7 @@
 </p:sld>
 </file>
 
-<file path=ppt/slides/slide36.xml><?xml version="1.0" encoding="utf-8"?>
+<file path=ppt/slides/slide37.xml><?xml version="1.0" encoding="utf-8"?>
 <p:sld xmlns:a="http://schemas.openxmlformats.org/drawingml/2006/main" xmlns:r="http://schemas.openxmlformats.org/officeDocument/2006/relationships" xmlns:p="http://schemas.openxmlformats.org/presentationml/2006/main">
   <p:cSld>
     <p:spTree>
@@ -18272,7 +19326,7 @@
 </p:sld>
 </file>
 
-<file path=ppt/slides/slide37.xml><?xml version="1.0" encoding="utf-8"?>
+<file path=ppt/slides/slide38.xml><?xml version="1.0" encoding="utf-8"?>
 <p:sld xmlns:a="http://schemas.openxmlformats.org/drawingml/2006/main" xmlns:r="http://schemas.openxmlformats.org/officeDocument/2006/relationships" xmlns:p="http://schemas.openxmlformats.org/presentationml/2006/main">
   <p:cSld>
     <p:spTree>
@@ -18348,7 +19402,7 @@
 </p:sld>
 </file>
 
-<file path=ppt/slides/slide38.xml><?xml version="1.0" encoding="utf-8"?>
+<file path=ppt/slides/slide39.xml><?xml version="1.0" encoding="utf-8"?>
 <p:sld xmlns:a="http://schemas.openxmlformats.org/drawingml/2006/main" xmlns:r="http://schemas.openxmlformats.org/officeDocument/2006/relationships" xmlns:p="http://schemas.openxmlformats.org/presentationml/2006/main" show="0">
   <p:cSld>
     <p:spTree>
@@ -18547,7 +19601,7 @@
                 <a:hlinkClick r:id="rId2">
                   <a:extLst>
                     <a:ext uri="{A12FA001-AC4F-418D-AE19-62706E023703}">
-                      <ahyp:hlinkClr xmlns="" xmlns:ahyp="http://schemas.microsoft.com/office/drawing/2018/hyperlinkcolor" val="tx"/>
+                      <ahyp:hlinkClr xmlns:ahyp="http://schemas.microsoft.com/office/drawing/2018/hyperlinkcolor" xmlns="" val="tx"/>
                     </a:ext>
                   </a:extLst>
                 </a:hlinkClick>
@@ -18582,7 +19636,7 @@
                 <a:hlinkClick r:id="rId3">
                   <a:extLst>
                     <a:ext uri="{A12FA001-AC4F-418D-AE19-62706E023703}">
-                      <ahyp:hlinkClr xmlns="" xmlns:ahyp="http://schemas.microsoft.com/office/drawing/2018/hyperlinkcolor" val="tx"/>
+                      <ahyp:hlinkClr xmlns:ahyp="http://schemas.microsoft.com/office/drawing/2018/hyperlinkcolor" xmlns="" val="tx"/>
                     </a:ext>
                   </a:extLst>
                 </a:hlinkClick>
@@ -18603,290 +19657,6 @@
     <p:extLst>
       <p:ext uri="{BB962C8B-B14F-4D97-AF65-F5344CB8AC3E}">
         <p14:creationId xmlns:p14="http://schemas.microsoft.com/office/powerpoint/2010/main" val="3807424168"/>
-      </p:ext>
-    </p:extLst>
-  </p:cSld>
-  <p:clrMapOvr>
-    <a:masterClrMapping/>
-  </p:clrMapOvr>
-  <mc:AlternateContent xmlns:mc="http://schemas.openxmlformats.org/markup-compatibility/2006" xmlns:p14="http://schemas.microsoft.com/office/powerpoint/2010/main">
-    <mc:Choice Requires="p14">
-      <p:transition spd="slow" p14:dur="2000"/>
-    </mc:Choice>
-    <mc:Fallback xmlns="">
-      <p:transition spd="slow"/>
-    </mc:Fallback>
-  </mc:AlternateContent>
-  <p:timing>
-    <p:tnLst>
-      <p:par>
-        <p:cTn id="1" dur="indefinite" restart="never" nodeType="tmRoot"/>
-      </p:par>
-    </p:tnLst>
-  </p:timing>
-</p:sld>
-</file>
-
-<file path=ppt/slides/slide39.xml><?xml version="1.0" encoding="utf-8"?>
-<p:sld xmlns:a="http://schemas.openxmlformats.org/drawingml/2006/main" xmlns:r="http://schemas.openxmlformats.org/officeDocument/2006/relationships" xmlns:p="http://schemas.openxmlformats.org/presentationml/2006/main" show="0">
-  <p:cSld>
-    <p:spTree>
-      <p:nvGrpSpPr>
-        <p:cNvPr id="1" name=""/>
-        <p:cNvGrpSpPr/>
-        <p:nvPr/>
-      </p:nvGrpSpPr>
-      <p:grpSpPr>
-        <a:xfrm>
-          <a:off x="0" y="0"/>
-          <a:ext cx="0" cy="0"/>
-          <a:chOff x="0" y="0"/>
-          <a:chExt cx="0" cy="0"/>
-        </a:xfrm>
-      </p:grpSpPr>
-      <p:sp>
-        <p:nvSpPr>
-          <p:cNvPr id="4" name="Rectangle 3"/>
-          <p:cNvSpPr/>
-          <p:nvPr/>
-        </p:nvSpPr>
-        <p:spPr>
-          <a:xfrm>
-            <a:off x="573261" y="363305"/>
-            <a:ext cx="11267286" cy="2210990"/>
-          </a:xfrm>
-          <a:prstGeom prst="rect">
-            <a:avLst/>
-          </a:prstGeom>
-        </p:spPr>
-        <p:txBody>
-          <a:bodyPr wrap="square">
-            <a:spAutoFit/>
-          </a:bodyPr>
-          <a:lstStyle/>
-          <a:p>
-            <a:pPr algn="ctr">
-              <a:lnSpc>
-                <a:spcPct val="115000"/>
-              </a:lnSpc>
-              <a:spcAft>
-                <a:spcPts val="1000"/>
-              </a:spcAft>
-            </a:pPr>
-            <a:r>
-              <a:rPr lang="en-US" sz="2400" dirty="0">
-                <a:solidFill>
-                  <a:srgbClr val="000000"/>
-                </a:solidFill>
-                <a:latin typeface="Arial" panose="020B0604020202020204" pitchFamily="34" charset="0"/>
-                <a:ea typeface="Times New Roman" panose="02020603050405020304" pitchFamily="18" charset="0"/>
-                <a:cs typeface="Arial" panose="020B0604020202020204" pitchFamily="34" charset="0"/>
-              </a:rPr>
-              <a:t>Figures</a:t>
-            </a:r>
-            <a:endParaRPr lang="en-US" sz="2400" dirty="0">
-              <a:latin typeface="Arial" panose="020B0604020202020204" pitchFamily="34" charset="0"/>
-              <a:ea typeface="Calibri" panose="020F0502020204030204" pitchFamily="34" charset="0"/>
-              <a:cs typeface="Arial" panose="020B0604020202020204" pitchFamily="34" charset="0"/>
-            </a:endParaRPr>
-          </a:p>
-          <a:p>
-            <a:pPr marL="457200" marR="0" indent="-457200">
-              <a:lnSpc>
-                <a:spcPct val="115000"/>
-              </a:lnSpc>
-              <a:spcBef>
-                <a:spcPts val="0"/>
-              </a:spcBef>
-              <a:spcAft>
-                <a:spcPts val="0"/>
-              </a:spcAft>
-            </a:pPr>
-            <a:endParaRPr lang="en-US" i="1" dirty="0">
-              <a:solidFill>
-                <a:srgbClr val="000000"/>
-              </a:solidFill>
-              <a:latin typeface="Arial" panose="020B0604020202020204" pitchFamily="34" charset="0"/>
-              <a:ea typeface="Times New Roman" panose="02020603050405020304" pitchFamily="18" charset="0"/>
-              <a:cs typeface="Arial" panose="020B0604020202020204" pitchFamily="34" charset="0"/>
-            </a:endParaRPr>
-          </a:p>
-          <a:p>
-            <a:pPr marL="457200" marR="0" indent="-457200">
-              <a:lnSpc>
-                <a:spcPct val="115000"/>
-              </a:lnSpc>
-              <a:spcBef>
-                <a:spcPts val="0"/>
-              </a:spcBef>
-              <a:spcAft>
-                <a:spcPts val="0"/>
-              </a:spcAft>
-            </a:pPr>
-            <a:r>
-              <a:rPr lang="en-US" i="1" dirty="0">
-                <a:solidFill>
-                  <a:srgbClr val="000000"/>
-                </a:solidFill>
-                <a:latin typeface="Arial" panose="020B0604020202020204" pitchFamily="34" charset="0"/>
-                <a:ea typeface="Times New Roman" panose="02020603050405020304" pitchFamily="18" charset="0"/>
-                <a:cs typeface="Arial" panose="020B0604020202020204" pitchFamily="34" charset="0"/>
-              </a:rPr>
-              <a:t>Figure 1</a:t>
-            </a:r>
-            <a:r>
-              <a:rPr lang="en-US" dirty="0">
-                <a:solidFill>
-                  <a:srgbClr val="000000"/>
-                </a:solidFill>
-                <a:latin typeface="Arial" panose="020B0604020202020204" pitchFamily="34" charset="0"/>
-                <a:ea typeface="Times New Roman" panose="02020603050405020304" pitchFamily="18" charset="0"/>
-                <a:cs typeface="Arial" panose="020B0604020202020204" pitchFamily="34" charset="0"/>
-              </a:rPr>
-              <a:t>:	  </a:t>
-            </a:r>
-            <a:r>
-              <a:rPr lang="en-US" altLang="en-US" dirty="0">
-                <a:latin typeface="Arial" panose="020B0604020202020204" pitchFamily="34" charset="0"/>
-                <a:cs typeface="Arial" panose="020B0604020202020204" pitchFamily="34" charset="0"/>
-              </a:rPr>
-              <a:t>Graphical Representation of Hypothesis</a:t>
-            </a:r>
-            <a:r>
-              <a:rPr lang="en-US" dirty="0">
-                <a:latin typeface="Arial" panose="020B0604020202020204" pitchFamily="34" charset="0"/>
-                <a:cs typeface="Arial" panose="020B0604020202020204" pitchFamily="34" charset="0"/>
-              </a:rPr>
-              <a:t>.  </a:t>
-            </a:r>
-          </a:p>
-          <a:p>
-            <a:pPr marL="457200" marR="0" indent="-457200">
-              <a:lnSpc>
-                <a:spcPct val="115000"/>
-              </a:lnSpc>
-              <a:spcBef>
-                <a:spcPts val="0"/>
-              </a:spcBef>
-              <a:spcAft>
-                <a:spcPts val="0"/>
-              </a:spcAft>
-            </a:pPr>
-            <a:endParaRPr lang="en-US" dirty="0">
-              <a:latin typeface="Arial" panose="020B0604020202020204" pitchFamily="34" charset="0"/>
-              <a:ea typeface="Calibri" panose="020F0502020204030204" pitchFamily="34" charset="0"/>
-              <a:cs typeface="Arial" panose="020B0604020202020204" pitchFamily="34" charset="0"/>
-            </a:endParaRPr>
-          </a:p>
-          <a:p>
-            <a:pPr marL="457200" indent="-457200">
-              <a:lnSpc>
-                <a:spcPct val="115000"/>
-              </a:lnSpc>
-            </a:pPr>
-            <a:r>
-              <a:rPr lang="en-US" i="1" dirty="0">
-                <a:solidFill>
-                  <a:srgbClr val="000000"/>
-                </a:solidFill>
-                <a:latin typeface="Arial" panose="020B0604020202020204" pitchFamily="34" charset="0"/>
-                <a:ea typeface="Times New Roman" panose="02020603050405020304" pitchFamily="18" charset="0"/>
-                <a:cs typeface="Arial" panose="020B0604020202020204" pitchFamily="34" charset="0"/>
-              </a:rPr>
-              <a:t>Figure 2</a:t>
-            </a:r>
-            <a:r>
-              <a:rPr lang="en-US" dirty="0">
-                <a:solidFill>
-                  <a:srgbClr val="000000"/>
-                </a:solidFill>
-                <a:latin typeface="Arial" panose="020B0604020202020204" pitchFamily="34" charset="0"/>
-                <a:ea typeface="Times New Roman" panose="02020603050405020304" pitchFamily="18" charset="0"/>
-                <a:cs typeface="Arial" panose="020B0604020202020204" pitchFamily="34" charset="0"/>
-              </a:rPr>
-              <a:t>:	  </a:t>
-            </a:r>
-            <a:r>
-              <a:rPr lang="en-US" altLang="en-US" dirty="0">
-                <a:latin typeface="Arial" panose="020B0604020202020204" pitchFamily="34" charset="0"/>
-                <a:cs typeface="Arial" panose="020B0604020202020204" pitchFamily="34" charset="0"/>
-              </a:rPr>
-              <a:t>Risk Perception Model</a:t>
-            </a:r>
-            <a:r>
-              <a:rPr lang="en-US" dirty="0">
-                <a:latin typeface="Arial" panose="020B0604020202020204" pitchFamily="34" charset="0"/>
-                <a:cs typeface="Arial" panose="020B0604020202020204" pitchFamily="34" charset="0"/>
-              </a:rPr>
-              <a:t>.  </a:t>
-            </a:r>
-          </a:p>
-          <a:p>
-            <a:pPr marL="457200" marR="0" indent="-457200">
-              <a:lnSpc>
-                <a:spcPct val="115000"/>
-              </a:lnSpc>
-              <a:spcBef>
-                <a:spcPts val="0"/>
-              </a:spcBef>
-              <a:spcAft>
-                <a:spcPts val="0"/>
-              </a:spcAft>
-            </a:pPr>
-            <a:endParaRPr lang="en-US" dirty="0">
-              <a:latin typeface="Arial" panose="020B0604020202020204" pitchFamily="34" charset="0"/>
-              <a:ea typeface="Calibri" panose="020F0502020204030204" pitchFamily="34" charset="0"/>
-              <a:cs typeface="Arial" panose="020B0604020202020204" pitchFamily="34" charset="0"/>
-            </a:endParaRPr>
-          </a:p>
-        </p:txBody>
-      </p:sp>
-      <p:sp>
-        <p:nvSpPr>
-          <p:cNvPr id="3" name="Title 1">
-            <a:extLst>
-              <a:ext uri="{FF2B5EF4-FFF2-40B4-BE49-F238E27FC236}">
-                <a16:creationId xmlns:a16="http://schemas.microsoft.com/office/drawing/2014/main" id="{942CE3BE-8410-45DD-8AF3-F24C306F8F52}"/>
-              </a:ext>
-            </a:extLst>
-          </p:cNvPr>
-          <p:cNvSpPr>
-            <a:spLocks noGrp="1"/>
-          </p:cNvSpPr>
-          <p:nvPr>
-            <p:ph type="title"/>
-          </p:nvPr>
-        </p:nvSpPr>
-        <p:spPr>
-          <a:xfrm>
-            <a:off x="537029" y="211016"/>
-            <a:ext cx="10515600" cy="607332"/>
-          </a:xfrm>
-          <a:solidFill>
-            <a:srgbClr val="00B0F0"/>
-          </a:solidFill>
-        </p:spPr>
-        <p:txBody>
-          <a:bodyPr>
-            <a:normAutofit/>
-          </a:bodyPr>
-          <a:lstStyle/>
-          <a:p>
-            <a:pPr algn="ctr"/>
-            <a:r>
-              <a:rPr lang="en-US" sz="2000" b="1" dirty="0">
-                <a:latin typeface="Arial" panose="020B0604020202020204" pitchFamily="34" charset="0"/>
-                <a:cs typeface="Arial" panose="020B0604020202020204" pitchFamily="34" charset="0"/>
-              </a:rPr>
-              <a:t>Figures</a:t>
-            </a:r>
-          </a:p>
-        </p:txBody>
-      </p:sp>
-    </p:spTree>
-    <p:extLst>
-      <p:ext uri="{BB962C8B-B14F-4D97-AF65-F5344CB8AC3E}">
-        <p14:creationId xmlns:p14="http://schemas.microsoft.com/office/powerpoint/2010/main" val="3662038059"/>
       </p:ext>
     </p:extLst>
   </p:cSld>
@@ -18950,7 +19720,7 @@
             </a:solidFill>
             <a:extLst>
               <a:ext uri="{C807C97D-BFC1-408E-A445-0C87EB9F89A2}">
-                <ask:lineSketchStyleProps xmlns="" xmlns:ask="http://schemas.microsoft.com/office/drawing/2018/sketchyshapes" sd="1414897257">
+                <ask:lineSketchStyleProps xmlns:ask="http://schemas.microsoft.com/office/drawing/2018/sketchyshapes" xmlns="" sd="1414897257">
                   <a:custGeom>
                     <a:avLst/>
                     <a:gdLst>
@@ -19420,7 +20190,7 @@
             </a:solidFill>
             <a:extLst>
               <a:ext uri="{C807C97D-BFC1-408E-A445-0C87EB9F89A2}">
-                <ask:lineSketchStyleProps xmlns="" xmlns:ask="http://schemas.microsoft.com/office/drawing/2018/sketchyshapes" sd="2680392773">
+                <ask:lineSketchStyleProps xmlns:ask="http://schemas.microsoft.com/office/drawing/2018/sketchyshapes" xmlns="" sd="2680392773">
                   <a:custGeom>
                     <a:avLst/>
                     <a:gdLst>
@@ -19836,6 +20606,290 @@
       </p:grpSpPr>
       <p:sp>
         <p:nvSpPr>
+          <p:cNvPr id="4" name="Rectangle 3"/>
+          <p:cNvSpPr/>
+          <p:nvPr/>
+        </p:nvSpPr>
+        <p:spPr>
+          <a:xfrm>
+            <a:off x="573261" y="363305"/>
+            <a:ext cx="11267286" cy="2210990"/>
+          </a:xfrm>
+          <a:prstGeom prst="rect">
+            <a:avLst/>
+          </a:prstGeom>
+        </p:spPr>
+        <p:txBody>
+          <a:bodyPr wrap="square">
+            <a:spAutoFit/>
+          </a:bodyPr>
+          <a:lstStyle/>
+          <a:p>
+            <a:pPr algn="ctr">
+              <a:lnSpc>
+                <a:spcPct val="115000"/>
+              </a:lnSpc>
+              <a:spcAft>
+                <a:spcPts val="1000"/>
+              </a:spcAft>
+            </a:pPr>
+            <a:r>
+              <a:rPr lang="en-US" sz="2400" dirty="0">
+                <a:solidFill>
+                  <a:srgbClr val="000000"/>
+                </a:solidFill>
+                <a:latin typeface="Arial" panose="020B0604020202020204" pitchFamily="34" charset="0"/>
+                <a:ea typeface="Times New Roman" panose="02020603050405020304" pitchFamily="18" charset="0"/>
+                <a:cs typeface="Arial" panose="020B0604020202020204" pitchFamily="34" charset="0"/>
+              </a:rPr>
+              <a:t>Figures</a:t>
+            </a:r>
+            <a:endParaRPr lang="en-US" sz="2400" dirty="0">
+              <a:latin typeface="Arial" panose="020B0604020202020204" pitchFamily="34" charset="0"/>
+              <a:ea typeface="Calibri" panose="020F0502020204030204" pitchFamily="34" charset="0"/>
+              <a:cs typeface="Arial" panose="020B0604020202020204" pitchFamily="34" charset="0"/>
+            </a:endParaRPr>
+          </a:p>
+          <a:p>
+            <a:pPr marL="457200" marR="0" indent="-457200">
+              <a:lnSpc>
+                <a:spcPct val="115000"/>
+              </a:lnSpc>
+              <a:spcBef>
+                <a:spcPts val="0"/>
+              </a:spcBef>
+              <a:spcAft>
+                <a:spcPts val="0"/>
+              </a:spcAft>
+            </a:pPr>
+            <a:endParaRPr lang="en-US" i="1" dirty="0">
+              <a:solidFill>
+                <a:srgbClr val="000000"/>
+              </a:solidFill>
+              <a:latin typeface="Arial" panose="020B0604020202020204" pitchFamily="34" charset="0"/>
+              <a:ea typeface="Times New Roman" panose="02020603050405020304" pitchFamily="18" charset="0"/>
+              <a:cs typeface="Arial" panose="020B0604020202020204" pitchFamily="34" charset="0"/>
+            </a:endParaRPr>
+          </a:p>
+          <a:p>
+            <a:pPr marL="457200" marR="0" indent="-457200">
+              <a:lnSpc>
+                <a:spcPct val="115000"/>
+              </a:lnSpc>
+              <a:spcBef>
+                <a:spcPts val="0"/>
+              </a:spcBef>
+              <a:spcAft>
+                <a:spcPts val="0"/>
+              </a:spcAft>
+            </a:pPr>
+            <a:r>
+              <a:rPr lang="en-US" i="1" dirty="0">
+                <a:solidFill>
+                  <a:srgbClr val="000000"/>
+                </a:solidFill>
+                <a:latin typeface="Arial" panose="020B0604020202020204" pitchFamily="34" charset="0"/>
+                <a:ea typeface="Times New Roman" panose="02020603050405020304" pitchFamily="18" charset="0"/>
+                <a:cs typeface="Arial" panose="020B0604020202020204" pitchFamily="34" charset="0"/>
+              </a:rPr>
+              <a:t>Figure 1</a:t>
+            </a:r>
+            <a:r>
+              <a:rPr lang="en-US" dirty="0">
+                <a:solidFill>
+                  <a:srgbClr val="000000"/>
+                </a:solidFill>
+                <a:latin typeface="Arial" panose="020B0604020202020204" pitchFamily="34" charset="0"/>
+                <a:ea typeface="Times New Roman" panose="02020603050405020304" pitchFamily="18" charset="0"/>
+                <a:cs typeface="Arial" panose="020B0604020202020204" pitchFamily="34" charset="0"/>
+              </a:rPr>
+              <a:t>:	  </a:t>
+            </a:r>
+            <a:r>
+              <a:rPr lang="en-US" altLang="en-US" dirty="0">
+                <a:latin typeface="Arial" panose="020B0604020202020204" pitchFamily="34" charset="0"/>
+                <a:cs typeface="Arial" panose="020B0604020202020204" pitchFamily="34" charset="0"/>
+              </a:rPr>
+              <a:t>Graphical Representation of Hypothesis</a:t>
+            </a:r>
+            <a:r>
+              <a:rPr lang="en-US" dirty="0">
+                <a:latin typeface="Arial" panose="020B0604020202020204" pitchFamily="34" charset="0"/>
+                <a:cs typeface="Arial" panose="020B0604020202020204" pitchFamily="34" charset="0"/>
+              </a:rPr>
+              <a:t>.  </a:t>
+            </a:r>
+          </a:p>
+          <a:p>
+            <a:pPr marL="457200" marR="0" indent="-457200">
+              <a:lnSpc>
+                <a:spcPct val="115000"/>
+              </a:lnSpc>
+              <a:spcBef>
+                <a:spcPts val="0"/>
+              </a:spcBef>
+              <a:spcAft>
+                <a:spcPts val="0"/>
+              </a:spcAft>
+            </a:pPr>
+            <a:endParaRPr lang="en-US" dirty="0">
+              <a:latin typeface="Arial" panose="020B0604020202020204" pitchFamily="34" charset="0"/>
+              <a:ea typeface="Calibri" panose="020F0502020204030204" pitchFamily="34" charset="0"/>
+              <a:cs typeface="Arial" panose="020B0604020202020204" pitchFamily="34" charset="0"/>
+            </a:endParaRPr>
+          </a:p>
+          <a:p>
+            <a:pPr marL="457200" indent="-457200">
+              <a:lnSpc>
+                <a:spcPct val="115000"/>
+              </a:lnSpc>
+            </a:pPr>
+            <a:r>
+              <a:rPr lang="en-US" i="1" dirty="0">
+                <a:solidFill>
+                  <a:srgbClr val="000000"/>
+                </a:solidFill>
+                <a:latin typeface="Arial" panose="020B0604020202020204" pitchFamily="34" charset="0"/>
+                <a:ea typeface="Times New Roman" panose="02020603050405020304" pitchFamily="18" charset="0"/>
+                <a:cs typeface="Arial" panose="020B0604020202020204" pitchFamily="34" charset="0"/>
+              </a:rPr>
+              <a:t>Figure 2</a:t>
+            </a:r>
+            <a:r>
+              <a:rPr lang="en-US" dirty="0">
+                <a:solidFill>
+                  <a:srgbClr val="000000"/>
+                </a:solidFill>
+                <a:latin typeface="Arial" panose="020B0604020202020204" pitchFamily="34" charset="0"/>
+                <a:ea typeface="Times New Roman" panose="02020603050405020304" pitchFamily="18" charset="0"/>
+                <a:cs typeface="Arial" panose="020B0604020202020204" pitchFamily="34" charset="0"/>
+              </a:rPr>
+              <a:t>:	  </a:t>
+            </a:r>
+            <a:r>
+              <a:rPr lang="en-US" altLang="en-US" dirty="0">
+                <a:latin typeface="Arial" panose="020B0604020202020204" pitchFamily="34" charset="0"/>
+                <a:cs typeface="Arial" panose="020B0604020202020204" pitchFamily="34" charset="0"/>
+              </a:rPr>
+              <a:t>Risk Perception Model</a:t>
+            </a:r>
+            <a:r>
+              <a:rPr lang="en-US" dirty="0">
+                <a:latin typeface="Arial" panose="020B0604020202020204" pitchFamily="34" charset="0"/>
+                <a:cs typeface="Arial" panose="020B0604020202020204" pitchFamily="34" charset="0"/>
+              </a:rPr>
+              <a:t>.  </a:t>
+            </a:r>
+          </a:p>
+          <a:p>
+            <a:pPr marL="457200" marR="0" indent="-457200">
+              <a:lnSpc>
+                <a:spcPct val="115000"/>
+              </a:lnSpc>
+              <a:spcBef>
+                <a:spcPts val="0"/>
+              </a:spcBef>
+              <a:spcAft>
+                <a:spcPts val="0"/>
+              </a:spcAft>
+            </a:pPr>
+            <a:endParaRPr lang="en-US" dirty="0">
+              <a:latin typeface="Arial" panose="020B0604020202020204" pitchFamily="34" charset="0"/>
+              <a:ea typeface="Calibri" panose="020F0502020204030204" pitchFamily="34" charset="0"/>
+              <a:cs typeface="Arial" panose="020B0604020202020204" pitchFamily="34" charset="0"/>
+            </a:endParaRPr>
+          </a:p>
+        </p:txBody>
+      </p:sp>
+      <p:sp>
+        <p:nvSpPr>
+          <p:cNvPr id="3" name="Title 1">
+            <a:extLst>
+              <a:ext uri="{FF2B5EF4-FFF2-40B4-BE49-F238E27FC236}">
+                <a16:creationId xmlns:a16="http://schemas.microsoft.com/office/drawing/2014/main" id="{942CE3BE-8410-45DD-8AF3-F24C306F8F52}"/>
+              </a:ext>
+            </a:extLst>
+          </p:cNvPr>
+          <p:cNvSpPr>
+            <a:spLocks noGrp="1"/>
+          </p:cNvSpPr>
+          <p:nvPr>
+            <p:ph type="title"/>
+          </p:nvPr>
+        </p:nvSpPr>
+        <p:spPr>
+          <a:xfrm>
+            <a:off x="537029" y="211016"/>
+            <a:ext cx="10515600" cy="607332"/>
+          </a:xfrm>
+          <a:solidFill>
+            <a:srgbClr val="00B0F0"/>
+          </a:solidFill>
+        </p:spPr>
+        <p:txBody>
+          <a:bodyPr>
+            <a:normAutofit/>
+          </a:bodyPr>
+          <a:lstStyle/>
+          <a:p>
+            <a:pPr algn="ctr"/>
+            <a:r>
+              <a:rPr lang="en-US" sz="2000" b="1" dirty="0">
+                <a:latin typeface="Arial" panose="020B0604020202020204" pitchFamily="34" charset="0"/>
+                <a:cs typeface="Arial" panose="020B0604020202020204" pitchFamily="34" charset="0"/>
+              </a:rPr>
+              <a:t>Figures</a:t>
+            </a:r>
+          </a:p>
+        </p:txBody>
+      </p:sp>
+    </p:spTree>
+    <p:extLst>
+      <p:ext uri="{BB962C8B-B14F-4D97-AF65-F5344CB8AC3E}">
+        <p14:creationId xmlns:p14="http://schemas.microsoft.com/office/powerpoint/2010/main" val="3662038059"/>
+      </p:ext>
+    </p:extLst>
+  </p:cSld>
+  <p:clrMapOvr>
+    <a:masterClrMapping/>
+  </p:clrMapOvr>
+  <mc:AlternateContent xmlns:mc="http://schemas.openxmlformats.org/markup-compatibility/2006" xmlns:p14="http://schemas.microsoft.com/office/powerpoint/2010/main">
+    <mc:Choice Requires="p14">
+      <p:transition spd="slow" p14:dur="2000"/>
+    </mc:Choice>
+    <mc:Fallback xmlns="">
+      <p:transition spd="slow"/>
+    </mc:Fallback>
+  </mc:AlternateContent>
+  <p:timing>
+    <p:tnLst>
+      <p:par>
+        <p:cTn id="1" dur="indefinite" restart="never" nodeType="tmRoot"/>
+      </p:par>
+    </p:tnLst>
+  </p:timing>
+</p:sld>
+</file>
+
+<file path=ppt/slides/slide41.xml><?xml version="1.0" encoding="utf-8"?>
+<p:sld xmlns:a="http://schemas.openxmlformats.org/drawingml/2006/main" xmlns:r="http://schemas.openxmlformats.org/officeDocument/2006/relationships" xmlns:p="http://schemas.openxmlformats.org/presentationml/2006/main" show="0">
+  <p:cSld>
+    <p:spTree>
+      <p:nvGrpSpPr>
+        <p:cNvPr id="1" name=""/>
+        <p:cNvGrpSpPr/>
+        <p:nvPr/>
+      </p:nvGrpSpPr>
+      <p:grpSpPr>
+        <a:xfrm>
+          <a:off x="0" y="0"/>
+          <a:ext cx="0" cy="0"/>
+          <a:chOff x="0" y="0"/>
+          <a:chExt cx="0" cy="0"/>
+        </a:xfrm>
+      </p:grpSpPr>
+      <p:sp>
+        <p:nvSpPr>
           <p:cNvPr id="5" name="TextBox 4">
             <a:extLst>
               <a:ext uri="{FF2B5EF4-FFF2-40B4-BE49-F238E27FC236}">
@@ -19987,7 +21041,7 @@
 </p:sld>
 </file>
 
-<file path=ppt/slides/slide41.xml><?xml version="1.0" encoding="utf-8"?>
+<file path=ppt/slides/slide42.xml><?xml version="1.0" encoding="utf-8"?>
 <p:sld xmlns:a="http://schemas.openxmlformats.org/drawingml/2006/main" xmlns:r="http://schemas.openxmlformats.org/officeDocument/2006/relationships" xmlns:p="http://schemas.openxmlformats.org/presentationml/2006/main">
   <p:cSld>
     <p:spTree>
@@ -20032,7 +21086,7 @@
           <a:graphicData uri="http://schemas.openxmlformats.org/presentationml/2006/ole">
             <mc:AlternateContent xmlns:mc="http://schemas.openxmlformats.org/markup-compatibility/2006">
               <mc:Choice xmlns:v="urn:schemas-microsoft-com:vml" Requires="v">
-                <p:oleObj spid="_x0000_s2123" name="Worksheet" r:id="rId3" imgW="13883401" imgH="9753822" progId="Excel.Sheet.8">
+                <p:oleObj spid="_x0000_s2127" name="Worksheet" r:id="rId3" imgW="13883401" imgH="9753822" progId="Excel.Sheet.8">
                   <p:embed/>
                 </p:oleObj>
               </mc:Choice>
@@ -20087,7 +21141,7 @@
 </p:sld>
 </file>
 
-<file path=ppt/slides/slide42.xml><?xml version="1.0" encoding="utf-8"?>
+<file path=ppt/slides/slide43.xml><?xml version="1.0" encoding="utf-8"?>
 <p:sld xmlns:a="http://schemas.openxmlformats.org/drawingml/2006/main" xmlns:r="http://schemas.openxmlformats.org/officeDocument/2006/relationships" xmlns:p="http://schemas.openxmlformats.org/presentationml/2006/main">
   <p:cSld>
     <p:spTree>
@@ -22912,7 +23966,7 @@
                 <a:hlinkClick r:id="rId2">
                   <a:extLst>
                     <a:ext uri="{A12FA001-AC4F-418D-AE19-62706E023703}">
-                      <ahyp:hlinkClr xmlns="" xmlns:ahyp="http://schemas.microsoft.com/office/drawing/2018/hyperlinkcolor" val="tx"/>
+                      <ahyp:hlinkClr xmlns:ahyp="http://schemas.microsoft.com/office/drawing/2018/hyperlinkcolor" xmlns="" val="tx"/>
                     </a:ext>
                   </a:extLst>
                 </a:hlinkClick>
@@ -22999,7 +24053,7 @@
                 <a:hlinkClick r:id="rId4">
                   <a:extLst>
                     <a:ext uri="{A12FA001-AC4F-418D-AE19-62706E023703}">
-                      <ahyp:hlinkClr xmlns="" xmlns:ahyp="http://schemas.microsoft.com/office/drawing/2018/hyperlinkcolor" val="tx"/>
+                      <ahyp:hlinkClr xmlns:ahyp="http://schemas.microsoft.com/office/drawing/2018/hyperlinkcolor" xmlns="" val="tx"/>
                     </a:ext>
                   </a:extLst>
                 </a:hlinkClick>

--- a/D2-documentation/YennyF.Diaz-Risk Percep &Injuries_CommitteeUdate 04-10-21.pptx
+++ b/D2-documentation/YennyF.Diaz-Risk Percep &Injuries_CommitteeUdate 04-10-21.pptx
@@ -5474,8 +5474,8 @@
         </p:nvSpPr>
         <p:spPr>
           <a:xfrm>
-            <a:off x="537029" y="884903"/>
-            <a:ext cx="11212148" cy="5619413"/>
+            <a:off x="537029" y="776751"/>
+            <a:ext cx="11212148" cy="5919017"/>
           </a:xfrm>
         </p:spPr>
         <p:txBody>
@@ -5718,6 +5718,51 @@
             </a:endParaRPr>
           </a:p>
           <a:p>
+            <a:pPr marL="342900" indent="-342900">
+              <a:buAutoNum type="arabicPeriod" startAt="2"/>
+            </a:pPr>
+            <a:r>
+              <a:rPr lang="en-US" sz="1400" dirty="0" smtClean="0">
+                <a:latin typeface="Arial" panose="020B0604020202020204" pitchFamily="34" charset="0"/>
+                <a:cs typeface="Arial" panose="020B0604020202020204" pitchFamily="34" charset="0"/>
+              </a:rPr>
+              <a:t>To </a:t>
+            </a:r>
+            <a:r>
+              <a:rPr lang="en-US" sz="1400" dirty="0" smtClean="0">
+                <a:latin typeface="Arial" panose="020B0604020202020204" pitchFamily="34" charset="0"/>
+                <a:cs typeface="Arial" panose="020B0604020202020204" pitchFamily="34" charset="0"/>
+              </a:rPr>
+              <a:t>create a factor, where the magnitude of the index will demonstrate fatalities normalized to injuries. </a:t>
+            </a:r>
+            <a:endParaRPr lang="en-US" sz="1400" dirty="0" smtClean="0">
+              <a:latin typeface="Arial" panose="020B0604020202020204" pitchFamily="34" charset="0"/>
+              <a:cs typeface="Arial" panose="020B0604020202020204" pitchFamily="34" charset="0"/>
+            </a:endParaRPr>
+          </a:p>
+          <a:p>
+            <a:pPr marL="342900" indent="-342900">
+              <a:buAutoNum type="arabicPeriod" startAt="2"/>
+            </a:pPr>
+            <a:endParaRPr lang="en-US" sz="1400" dirty="0" smtClean="0">
+              <a:latin typeface="Arial" panose="020B0604020202020204" pitchFamily="34" charset="0"/>
+              <a:cs typeface="Arial" panose="020B0604020202020204" pitchFamily="34" charset="0"/>
+            </a:endParaRPr>
+          </a:p>
+          <a:p>
+            <a:pPr marL="342900" indent="-342900">
+              <a:buFont typeface="Arial" panose="020B0604020202020204" pitchFamily="34" charset="0"/>
+              <a:buAutoNum type="arabicPeriod" startAt="2"/>
+            </a:pPr>
+            <a:r>
+              <a:rPr lang="en-US" sz="1400" dirty="0">
+                <a:latin typeface="Arial" panose="020B0604020202020204" pitchFamily="34" charset="0"/>
+                <a:cs typeface="Arial" panose="020B0604020202020204" pitchFamily="34" charset="0"/>
+              </a:rPr>
+              <a:t>To create a risk perception index. </a:t>
+            </a:r>
+          </a:p>
+          <a:p>
             <a:pPr marL="0" indent="0">
               <a:buNone/>
             </a:pPr>
@@ -5726,8 +5771,12 @@
                 <a:latin typeface="Arial" panose="020B0604020202020204" pitchFamily="34" charset="0"/>
                 <a:cs typeface="Arial" panose="020B0604020202020204" pitchFamily="34" charset="0"/>
               </a:rPr>
-              <a:t>2.    To create a factor, where the magnitude of the index will demonstrate fatalities normalized to injuries.  </a:t>
-            </a:r>
+              <a:t> </a:t>
+            </a:r>
+            <a:endParaRPr lang="en-US" sz="1400" dirty="0" smtClean="0">
+              <a:latin typeface="Arial" panose="020B0604020202020204" pitchFamily="34" charset="0"/>
+              <a:cs typeface="Arial" panose="020B0604020202020204" pitchFamily="34" charset="0"/>
+            </a:endParaRPr>
           </a:p>
           <a:p>
             <a:pPr marL="0" indent="0">
@@ -5965,14 +6014,7 @@
                 <a:latin typeface="Arial" panose="020B0604020202020204" pitchFamily="34" charset="0"/>
                 <a:cs typeface="Arial" panose="020B0604020202020204" pitchFamily="34" charset="0"/>
               </a:rPr>
-              <a:t>Mathematical Summary</a:t>
-            </a:r>
-            <a:r>
-              <a:rPr lang="en-US" sz="2000" b="1" dirty="0" smtClean="0">
-                <a:latin typeface="Arial" panose="020B0604020202020204" pitchFamily="34" charset="0"/>
-                <a:cs typeface="Arial" panose="020B0604020202020204" pitchFamily="34" charset="0"/>
-              </a:rPr>
-              <a:t>:  Risk Perception Defined</a:t>
+              <a:t>Mathematical Summary:  Risk Perception Defined</a:t>
             </a:r>
             <a:endParaRPr lang="en-US" sz="2000" b="1" dirty="0">
               <a:solidFill>
@@ -6023,14 +6065,7 @@
                 <a:latin typeface="Arial" panose="020B0604020202020204" pitchFamily="34" charset="0"/>
                 <a:cs typeface="Arial" panose="020B0604020202020204" pitchFamily="34" charset="0"/>
               </a:rPr>
-              <a:t>Fatal risk log </a:t>
-            </a:r>
-            <a:r>
-              <a:rPr lang="en-US" sz="1400" b="1" dirty="0" smtClean="0">
-                <a:latin typeface="Arial" panose="020B0604020202020204" pitchFamily="34" charset="0"/>
-                <a:cs typeface="Arial" panose="020B0604020202020204" pitchFamily="34" charset="0"/>
-              </a:rPr>
-              <a:t>factor (</a:t>
+              <a:t>Fatal risk log factor (</a:t>
             </a:r>
             <a:r>
               <a:rPr lang="en-US" sz="1400" b="1" dirty="0" smtClean="0">
@@ -6047,21 +6082,7 @@
                 <a:latin typeface="Arial" panose="020B0604020202020204" pitchFamily="34" charset="0"/>
                 <a:cs typeface="Arial" panose="020B0604020202020204" pitchFamily="34" charset="0"/>
               </a:rPr>
-              <a:t>) </a:t>
-            </a:r>
-            <a:r>
-              <a:rPr lang="en-US" sz="1400" b="1" dirty="0" smtClean="0">
-                <a:latin typeface="Arial" panose="020B0604020202020204" pitchFamily="34" charset="0"/>
-                <a:cs typeface="Arial" panose="020B0604020202020204" pitchFamily="34" charset="0"/>
-              </a:rPr>
-              <a:t>=  -1 * LOG10 [ AVG(FATAL_COUNT / INJURY_COUNT) </a:t>
-            </a:r>
-            <a:r>
-              <a:rPr lang="en-US" sz="1400" b="1" dirty="0" smtClean="0">
-                <a:latin typeface="Arial" panose="020B0604020202020204" pitchFamily="34" charset="0"/>
-                <a:cs typeface="Arial" panose="020B0604020202020204" pitchFamily="34" charset="0"/>
-              </a:rPr>
-              <a:t>]</a:t>
+              <a:t>) =  -1 * LOG10 [ AVG(FATAL_COUNT / INJURY_COUNT) ]</a:t>
             </a:r>
           </a:p>
           <a:p>
@@ -6105,10 +6126,6 @@
               </a:rPr>
               <a:t>In our analysis we will end up with a graph that represents risk perception vs a measure of risk. We will use this graph to analyze the overall response of the data.</a:t>
             </a:r>
-            <a:endParaRPr lang="en-US" sz="1400" dirty="0" smtClean="0">
-              <a:latin typeface="Arial" panose="020B0604020202020204" pitchFamily="34" charset="0"/>
-              <a:cs typeface="Arial" panose="020B0604020202020204" pitchFamily="34" charset="0"/>
-            </a:endParaRPr>
           </a:p>
           <a:p>
             <a:pPr marL="0" indent="0">
@@ -6374,11 +6391,7 @@
               <a:pPr algn="ctr"/>
               <a:r>
                 <a:rPr lang="en-US" sz="1600" b="1" dirty="0" smtClean="0"/>
-                <a:t>Relative Fatality </a:t>
-              </a:r>
-              <a:r>
-                <a:rPr lang="en-US" sz="1600" b="1" dirty="0" smtClean="0"/>
-                <a:t>Index</a:t>
+                <a:t>Relative Fatality Index</a:t>
               </a:r>
             </a:p>
             <a:p>
@@ -6625,17 +6638,7 @@
                 <a:latin typeface="Arial" panose="020B0604020202020204" pitchFamily="34" charset="0"/>
                 <a:cs typeface="Arial" panose="020B0604020202020204" pitchFamily="34" charset="0"/>
               </a:rPr>
-              <a:t>isk perce</a:t>
-            </a:r>
-            <a:r>
-              <a:rPr lang="en-US" sz="1400" b="1" dirty="0" smtClean="0">
-                <a:solidFill>
-                  <a:srgbClr val="00B050"/>
-                </a:solidFill>
-                <a:latin typeface="Arial" panose="020B0604020202020204" pitchFamily="34" charset="0"/>
-                <a:cs typeface="Arial" panose="020B0604020202020204" pitchFamily="34" charset="0"/>
-              </a:rPr>
-              <a:t>ption</a:t>
+              <a:t>isk perception</a:t>
             </a:r>
             <a:endParaRPr lang="en-US" sz="1400" b="1" dirty="0">
               <a:solidFill>
@@ -15351,7 +15354,7 @@
             </a:solidFill>
             <a:extLst>
               <a:ext uri="{C807C97D-BFC1-408E-A445-0C87EB9F89A2}">
-                <ask:lineSketchStyleProps xmlns:ask="http://schemas.microsoft.com/office/drawing/2018/sketchyshapes" xmlns="" sd="1131949855">
+                <ask:lineSketchStyleProps xmlns="" xmlns:ask="http://schemas.microsoft.com/office/drawing/2018/sketchyshapes" sd="1131949855">
                   <a:prstGeom prst="rect">
                     <a:avLst/>
                   </a:prstGeom>
@@ -15834,11 +15837,7 @@
               <a:pPr algn="ctr"/>
               <a:r>
                 <a:rPr lang="en-US" sz="1600" b="1" dirty="0" smtClean="0"/>
-                <a:t>Relative Fatality </a:t>
-              </a:r>
-              <a:r>
-                <a:rPr lang="en-US" sz="1600" b="1" dirty="0" smtClean="0"/>
-                <a:t>Index</a:t>
+                <a:t>Relative Fatality Index</a:t>
               </a:r>
             </a:p>
             <a:p>
@@ -17694,17 +17693,7 @@
                 <a:latin typeface="Arial" panose="020B0604020202020204" pitchFamily="34" charset="0"/>
                 <a:cs typeface="Arial" panose="020B0604020202020204" pitchFamily="34" charset="0"/>
               </a:rPr>
-              <a:t>isk perce</a:t>
-            </a:r>
-            <a:r>
-              <a:rPr lang="en-US" sz="1400" b="1" dirty="0" smtClean="0">
-                <a:solidFill>
-                  <a:srgbClr val="00B050"/>
-                </a:solidFill>
-                <a:latin typeface="Arial" panose="020B0604020202020204" pitchFamily="34" charset="0"/>
-                <a:cs typeface="Arial" panose="020B0604020202020204" pitchFamily="34" charset="0"/>
-              </a:rPr>
-              <a:t>ption</a:t>
+              <a:t>isk perception</a:t>
             </a:r>
             <a:endParaRPr lang="en-US" sz="1400" b="1" dirty="0">
               <a:solidFill>
@@ -18102,17 +18091,7 @@
                 <a:latin typeface="Arial" panose="020B0604020202020204" pitchFamily="34" charset="0"/>
                 <a:cs typeface="Arial" panose="020B0604020202020204" pitchFamily="34" charset="0"/>
               </a:rPr>
-              <a:t>isk perce</a:t>
-            </a:r>
-            <a:r>
-              <a:rPr lang="en-US" sz="1400" b="1" dirty="0" smtClean="0">
-                <a:solidFill>
-                  <a:srgbClr val="00B050"/>
-                </a:solidFill>
-                <a:latin typeface="Arial" panose="020B0604020202020204" pitchFamily="34" charset="0"/>
-                <a:cs typeface="Arial" panose="020B0604020202020204" pitchFamily="34" charset="0"/>
-              </a:rPr>
-              <a:t>ption</a:t>
+              <a:t>isk perception</a:t>
             </a:r>
             <a:endParaRPr lang="en-US" sz="1400" b="1" dirty="0">
               <a:solidFill>
@@ -18752,17 +18731,7 @@
                 <a:latin typeface="Arial" panose="020B0604020202020204" pitchFamily="34" charset="0"/>
                 <a:cs typeface="Arial" panose="020B0604020202020204" pitchFamily="34" charset="0"/>
               </a:rPr>
-              <a:t>isk perce</a:t>
-            </a:r>
-            <a:r>
-              <a:rPr lang="en-US" sz="1400" b="1" dirty="0" smtClean="0">
-                <a:solidFill>
-                  <a:srgbClr val="00B050"/>
-                </a:solidFill>
-                <a:latin typeface="Arial" panose="020B0604020202020204" pitchFamily="34" charset="0"/>
-                <a:cs typeface="Arial" panose="020B0604020202020204" pitchFamily="34" charset="0"/>
-              </a:rPr>
-              <a:t>ption</a:t>
+              <a:t>isk perception</a:t>
             </a:r>
             <a:endParaRPr lang="en-US" sz="1400" b="1" dirty="0">
               <a:solidFill>
@@ -19601,7 +19570,7 @@
                 <a:hlinkClick r:id="rId2">
                   <a:extLst>
                     <a:ext uri="{A12FA001-AC4F-418D-AE19-62706E023703}">
-                      <ahyp:hlinkClr xmlns:ahyp="http://schemas.microsoft.com/office/drawing/2018/hyperlinkcolor" xmlns="" val="tx"/>
+                      <ahyp:hlinkClr xmlns="" xmlns:ahyp="http://schemas.microsoft.com/office/drawing/2018/hyperlinkcolor" val="tx"/>
                     </a:ext>
                   </a:extLst>
                 </a:hlinkClick>
@@ -19636,7 +19605,7 @@
                 <a:hlinkClick r:id="rId3">
                   <a:extLst>
                     <a:ext uri="{A12FA001-AC4F-418D-AE19-62706E023703}">
-                      <ahyp:hlinkClr xmlns:ahyp="http://schemas.microsoft.com/office/drawing/2018/hyperlinkcolor" xmlns="" val="tx"/>
+                      <ahyp:hlinkClr xmlns="" xmlns:ahyp="http://schemas.microsoft.com/office/drawing/2018/hyperlinkcolor" val="tx"/>
                     </a:ext>
                   </a:extLst>
                 </a:hlinkClick>
@@ -19720,7 +19689,7 @@
             </a:solidFill>
             <a:extLst>
               <a:ext uri="{C807C97D-BFC1-408E-A445-0C87EB9F89A2}">
-                <ask:lineSketchStyleProps xmlns:ask="http://schemas.microsoft.com/office/drawing/2018/sketchyshapes" xmlns="" sd="1414897257">
+                <ask:lineSketchStyleProps xmlns="" xmlns:ask="http://schemas.microsoft.com/office/drawing/2018/sketchyshapes" sd="1414897257">
                   <a:custGeom>
                     <a:avLst/>
                     <a:gdLst>
@@ -20190,7 +20159,7 @@
             </a:solidFill>
             <a:extLst>
               <a:ext uri="{C807C97D-BFC1-408E-A445-0C87EB9F89A2}">
-                <ask:lineSketchStyleProps xmlns:ask="http://schemas.microsoft.com/office/drawing/2018/sketchyshapes" xmlns="" sd="2680392773">
+                <ask:lineSketchStyleProps xmlns="" xmlns:ask="http://schemas.microsoft.com/office/drawing/2018/sketchyshapes" sd="2680392773">
                   <a:custGeom>
                     <a:avLst/>
                     <a:gdLst>
@@ -21086,7 +21055,7 @@
           <a:graphicData uri="http://schemas.openxmlformats.org/presentationml/2006/ole">
             <mc:AlternateContent xmlns:mc="http://schemas.openxmlformats.org/markup-compatibility/2006">
               <mc:Choice xmlns:v="urn:schemas-microsoft-com:vml" Requires="v">
-                <p:oleObj spid="_x0000_s2127" name="Worksheet" r:id="rId3" imgW="13883401" imgH="9753822" progId="Excel.Sheet.8">
+                <p:oleObj spid="_x0000_s2130" name="Worksheet" r:id="rId3" imgW="13883401" imgH="9753822" progId="Excel.Sheet.8">
                   <p:embed/>
                 </p:oleObj>
               </mc:Choice>
@@ -23966,7 +23935,7 @@
                 <a:hlinkClick r:id="rId2">
                   <a:extLst>
                     <a:ext uri="{A12FA001-AC4F-418D-AE19-62706E023703}">
-                      <ahyp:hlinkClr xmlns:ahyp="http://schemas.microsoft.com/office/drawing/2018/hyperlinkcolor" xmlns="" val="tx"/>
+                      <ahyp:hlinkClr xmlns="" xmlns:ahyp="http://schemas.microsoft.com/office/drawing/2018/hyperlinkcolor" val="tx"/>
                     </a:ext>
                   </a:extLst>
                 </a:hlinkClick>
@@ -24053,7 +24022,7 @@
                 <a:hlinkClick r:id="rId4">
                   <a:extLst>
                     <a:ext uri="{A12FA001-AC4F-418D-AE19-62706E023703}">
-                      <ahyp:hlinkClr xmlns:ahyp="http://schemas.microsoft.com/office/drawing/2018/hyperlinkcolor" xmlns="" val="tx"/>
+                      <ahyp:hlinkClr xmlns="" xmlns:ahyp="http://schemas.microsoft.com/office/drawing/2018/hyperlinkcolor" val="tx"/>
                     </a:ext>
                   </a:extLst>
                 </a:hlinkClick>

--- a/D2-documentation/YennyF.Diaz-Risk Percep &Injuries_CommitteeUdate 04-10-21.pptx
+++ b/D2-documentation/YennyF.Diaz-Risk Percep &Injuries_CommitteeUdate 04-10-21.pptx
@@ -5,7 +5,7 @@
     <p:sldMasterId id="2147483648" r:id="rId1"/>
   </p:sldMasterIdLst>
   <p:notesMasterIdLst>
-    <p:notesMasterId r:id="rId45"/>
+    <p:notesMasterId r:id="rId46"/>
   </p:notesMasterIdLst>
   <p:sldIdLst>
     <p:sldId id="276" r:id="rId2"/>
@@ -41,16 +41,17 @@
     <p:sldId id="470" r:id="rId32"/>
     <p:sldId id="477" r:id="rId33"/>
     <p:sldId id="478" r:id="rId34"/>
-    <p:sldId id="479" r:id="rId35"/>
-    <p:sldId id="468" r:id="rId36"/>
-    <p:sldId id="429" r:id="rId37"/>
-    <p:sldId id="434" r:id="rId38"/>
-    <p:sldId id="469" r:id="rId39"/>
-    <p:sldId id="402" r:id="rId40"/>
-    <p:sldId id="394" r:id="rId41"/>
-    <p:sldId id="396" r:id="rId42"/>
-    <p:sldId id="440" r:id="rId43"/>
-    <p:sldId id="362" r:id="rId44"/>
+    <p:sldId id="480" r:id="rId35"/>
+    <p:sldId id="481" r:id="rId36"/>
+    <p:sldId id="468" r:id="rId37"/>
+    <p:sldId id="429" r:id="rId38"/>
+    <p:sldId id="434" r:id="rId39"/>
+    <p:sldId id="469" r:id="rId40"/>
+    <p:sldId id="402" r:id="rId41"/>
+    <p:sldId id="394" r:id="rId42"/>
+    <p:sldId id="396" r:id="rId43"/>
+    <p:sldId id="440" r:id="rId44"/>
+    <p:sldId id="362" r:id="rId45"/>
   </p:sldIdLst>
   <p:sldSz cx="12192000" cy="6858000"/>
   <p:notesSz cx="6858000" cy="9144000"/>
@@ -669,7 +670,7 @@
           <a:p>
             <a:fld id="{F0E330A2-CD2B-45CA-AD44-A7A41C6AD554}" type="slidenum">
               <a:rPr lang="en-US" smtClean="0"/>
-              <a:t>37</a:t>
+              <a:t>38</a:t>
             </a:fld>
             <a:endParaRPr lang="en-US"/>
           </a:p>
@@ -882,7 +883,7 @@
           <a:p>
             <a:fld id="{CEA69D61-F6FA-4088-8930-3AE437C79CE6}" type="slidenum">
               <a:rPr lang="en-US" smtClean="0"/>
-              <a:t>43</a:t>
+              <a:t>44</a:t>
             </a:fld>
             <a:endParaRPr lang="en-US"/>
           </a:p>
@@ -1554,7 +1555,7 @@
           <a:p>
             <a:fld id="{F0E330A2-CD2B-45CA-AD44-A7A41C6AD554}" type="slidenum">
               <a:rPr lang="en-US" smtClean="0"/>
-              <a:t>36</a:t>
+              <a:t>37</a:t>
             </a:fld>
             <a:endParaRPr lang="en-US"/>
           </a:p>
@@ -18239,8 +18240,8 @@
         </p:nvSpPr>
         <p:spPr>
           <a:xfrm>
-            <a:off x="557348" y="645070"/>
-            <a:ext cx="4882760" cy="6124754"/>
+            <a:off x="575386" y="1036176"/>
+            <a:ext cx="4882760" cy="5293757"/>
           </a:xfrm>
           <a:prstGeom prst="rect">
             <a:avLst/>
@@ -18259,7 +18260,7 @@
           <a:lstStyle/>
           <a:p>
             <a:r>
-              <a:rPr lang="en-US" sz="1400" dirty="0" smtClean="0">
+              <a:rPr lang="en-US" sz="1200" dirty="0" smtClean="0">
                 <a:latin typeface="Arial" panose="020B0604020202020204" pitchFamily="34" charset="0"/>
                 <a:cs typeface="Arial" panose="020B0604020202020204" pitchFamily="34" charset="0"/>
               </a:rPr>
@@ -18267,7 +18268,7 @@
             </a:r>
           </a:p>
           <a:p>
-            <a:endParaRPr lang="en-US" sz="1400" dirty="0" smtClean="0">
+            <a:endParaRPr lang="en-US" sz="1200" dirty="0" smtClean="0">
               <a:latin typeface="Arial" panose="020B0604020202020204" pitchFamily="34" charset="0"/>
               <a:cs typeface="Arial" panose="020B0604020202020204" pitchFamily="34" charset="0"/>
             </a:endParaRPr>
@@ -18275,49 +18276,49 @@
           <a:p>
             <a:pPr algn="ctr"/>
             <a:r>
-              <a:rPr lang="en-US" sz="1400" dirty="0" smtClean="0">
+              <a:rPr lang="en-US" sz="1200" dirty="0" smtClean="0">
                 <a:latin typeface="Arial" panose="020B0604020202020204" pitchFamily="34" charset="0"/>
                 <a:cs typeface="Arial" panose="020B0604020202020204" pitchFamily="34" charset="0"/>
               </a:rPr>
               <a:t> </a:t>
             </a:r>
             <a:r>
-              <a:rPr lang="en-US" sz="1400" dirty="0" err="1" smtClean="0">
+              <a:rPr lang="en-US" sz="1200" dirty="0" err="1" smtClean="0">
                 <a:latin typeface="Arial" panose="020B0604020202020204" pitchFamily="34" charset="0"/>
                 <a:cs typeface="Arial" panose="020B0604020202020204" pitchFamily="34" charset="0"/>
               </a:rPr>
               <a:t>y</a:t>
             </a:r>
             <a:r>
-              <a:rPr lang="en-US" sz="1400" baseline="-25000" dirty="0" err="1" smtClean="0">
+              <a:rPr lang="en-US" sz="1200" baseline="-25000" dirty="0" err="1" smtClean="0">
                 <a:latin typeface="Arial" panose="020B0604020202020204" pitchFamily="34" charset="0"/>
                 <a:cs typeface="Arial" panose="020B0604020202020204" pitchFamily="34" charset="0"/>
               </a:rPr>
               <a:t>log</a:t>
             </a:r>
             <a:r>
-              <a:rPr lang="en-US" sz="1400" dirty="0" smtClean="0">
+              <a:rPr lang="en-US" sz="1200" dirty="0" smtClean="0">
                 <a:latin typeface="Arial" panose="020B0604020202020204" pitchFamily="34" charset="0"/>
                 <a:cs typeface="Arial" panose="020B0604020202020204" pitchFamily="34" charset="0"/>
               </a:rPr>
               <a:t>  =  [-1 * log10(</a:t>
             </a:r>
             <a:r>
-              <a:rPr lang="en-US" sz="1400" dirty="0" err="1" smtClean="0">
+              <a:rPr lang="en-US" sz="1200" dirty="0" err="1" smtClean="0">
                 <a:latin typeface="Arial" panose="020B0604020202020204" pitchFamily="34" charset="0"/>
                 <a:cs typeface="Arial" panose="020B0604020202020204" pitchFamily="34" charset="0"/>
               </a:rPr>
               <a:t>y</a:t>
             </a:r>
             <a:r>
-              <a:rPr lang="en-US" sz="1400" baseline="-25000" dirty="0" err="1" smtClean="0">
+              <a:rPr lang="en-US" sz="1200" baseline="-25000" dirty="0" err="1" smtClean="0">
                 <a:latin typeface="Arial" panose="020B0604020202020204" pitchFamily="34" charset="0"/>
                 <a:cs typeface="Arial" panose="020B0604020202020204" pitchFamily="34" charset="0"/>
               </a:rPr>
               <a:t>data</a:t>
             </a:r>
             <a:r>
-              <a:rPr lang="en-US" sz="1400" dirty="0" smtClean="0">
+              <a:rPr lang="en-US" sz="1200" dirty="0" smtClean="0">
                 <a:latin typeface="Arial" panose="020B0604020202020204" pitchFamily="34" charset="0"/>
                 <a:cs typeface="Arial" panose="020B0604020202020204" pitchFamily="34" charset="0"/>
               </a:rPr>
@@ -18326,21 +18327,21 @@
           </a:p>
           <a:p>
             <a:pPr algn="ctr"/>
-            <a:endParaRPr lang="en-US" sz="1400" dirty="0" smtClean="0">
+            <a:endParaRPr lang="en-US" sz="1200" dirty="0" smtClean="0">
               <a:latin typeface="Arial" panose="020B0604020202020204" pitchFamily="34" charset="0"/>
               <a:cs typeface="Arial" panose="020B0604020202020204" pitchFamily="34" charset="0"/>
             </a:endParaRPr>
           </a:p>
           <a:p>
             <a:r>
-              <a:rPr lang="en-US" sz="1400" dirty="0">
+              <a:rPr lang="en-US" sz="1200" dirty="0">
                 <a:latin typeface="Arial" panose="020B0604020202020204" pitchFamily="34" charset="0"/>
                 <a:cs typeface="Arial" panose="020B0604020202020204" pitchFamily="34" charset="0"/>
               </a:rPr>
               <a:t>t</a:t>
             </a:r>
             <a:r>
-              <a:rPr lang="en-US" sz="1400" dirty="0" smtClean="0">
+              <a:rPr lang="en-US" sz="1200" dirty="0" smtClean="0">
                 <a:latin typeface="Arial" panose="020B0604020202020204" pitchFamily="34" charset="0"/>
                 <a:cs typeface="Arial" panose="020B0604020202020204" pitchFamily="34" charset="0"/>
               </a:rPr>
@@ -18348,14 +18349,14 @@
             </a:r>
           </a:p>
           <a:p>
-            <a:endParaRPr lang="en-US" sz="1400" dirty="0">
+            <a:endParaRPr lang="en-US" sz="1200" dirty="0">
               <a:latin typeface="Arial" panose="020B0604020202020204" pitchFamily="34" charset="0"/>
               <a:cs typeface="Arial" panose="020B0604020202020204" pitchFamily="34" charset="0"/>
             </a:endParaRPr>
           </a:p>
           <a:p>
             <a:r>
-              <a:rPr lang="en-US" sz="1400" dirty="0" smtClean="0">
+              <a:rPr lang="en-US" sz="1200" dirty="0" smtClean="0">
                 <a:latin typeface="Arial" panose="020B0604020202020204" pitchFamily="34" charset="0"/>
                 <a:cs typeface="Arial" panose="020B0604020202020204" pitchFamily="34" charset="0"/>
               </a:rPr>
@@ -18363,14 +18364,14 @@
             </a:r>
           </a:p>
           <a:p>
-            <a:endParaRPr lang="en-US" sz="1400" dirty="0">
+            <a:endParaRPr lang="en-US" sz="1200" dirty="0">
               <a:latin typeface="Arial" panose="020B0604020202020204" pitchFamily="34" charset="0"/>
               <a:cs typeface="Arial" panose="020B0604020202020204" pitchFamily="34" charset="0"/>
             </a:endParaRPr>
           </a:p>
           <a:p>
             <a:r>
-              <a:rPr lang="en-US" sz="1400" dirty="0" smtClean="0">
+              <a:rPr lang="en-US" sz="1200" dirty="0" smtClean="0">
                 <a:latin typeface="Arial" panose="020B0604020202020204" pitchFamily="34" charset="0"/>
                 <a:cs typeface="Arial" panose="020B0604020202020204" pitchFamily="34" charset="0"/>
               </a:rPr>
@@ -18379,7 +18380,7 @@
           </a:p>
           <a:p>
             <a:r>
-              <a:rPr lang="en-US" sz="1400" dirty="0" smtClean="0">
+              <a:rPr lang="en-US" sz="1200" dirty="0" smtClean="0">
                 <a:latin typeface="Arial" panose="020B0604020202020204" pitchFamily="34" charset="0"/>
                 <a:cs typeface="Arial" panose="020B0604020202020204" pitchFamily="34" charset="0"/>
               </a:rPr>
@@ -18387,43 +18388,57 @@
             </a:r>
           </a:p>
           <a:p>
-            <a:endParaRPr lang="en-US" sz="1400" dirty="0">
+            <a:endParaRPr lang="en-US" sz="1200" dirty="0">
               <a:latin typeface="Arial" panose="020B0604020202020204" pitchFamily="34" charset="0"/>
               <a:cs typeface="Arial" panose="020B0604020202020204" pitchFamily="34" charset="0"/>
             </a:endParaRPr>
           </a:p>
           <a:p>
             <a:r>
-              <a:rPr lang="en-US" sz="1400" dirty="0" smtClean="0">
-                <a:latin typeface="Arial" panose="020B0604020202020204" pitchFamily="34" charset="0"/>
-                <a:cs typeface="Arial" panose="020B0604020202020204" pitchFamily="34" charset="0"/>
-              </a:rPr>
-              <a:t>Since these are log values the correspond to:</a:t>
-            </a:r>
-          </a:p>
-          <a:p>
-            <a:endParaRPr lang="en-US" sz="1400" dirty="0">
+              <a:rPr lang="en-US" sz="1200" dirty="0" smtClean="0">
+                <a:latin typeface="Arial" panose="020B0604020202020204" pitchFamily="34" charset="0"/>
+                <a:cs typeface="Arial" panose="020B0604020202020204" pitchFamily="34" charset="0"/>
+              </a:rPr>
+              <a:t>Since these are log values </a:t>
+            </a:r>
+            <a:r>
+              <a:rPr lang="en-US" sz="1200" dirty="0" smtClean="0">
+                <a:latin typeface="Arial" panose="020B0604020202020204" pitchFamily="34" charset="0"/>
+                <a:cs typeface="Arial" panose="020B0604020202020204" pitchFamily="34" charset="0"/>
+              </a:rPr>
+              <a:t>they </a:t>
+            </a:r>
+            <a:r>
+              <a:rPr lang="en-US" sz="1200" dirty="0" smtClean="0">
+                <a:latin typeface="Arial" panose="020B0604020202020204" pitchFamily="34" charset="0"/>
+                <a:cs typeface="Arial" panose="020B0604020202020204" pitchFamily="34" charset="0"/>
+              </a:rPr>
+              <a:t>correspond to:</a:t>
+            </a:r>
+          </a:p>
+          <a:p>
+            <a:endParaRPr lang="en-US" sz="1200" dirty="0">
               <a:latin typeface="Arial" panose="020B0604020202020204" pitchFamily="34" charset="0"/>
               <a:cs typeface="Arial" panose="020B0604020202020204" pitchFamily="34" charset="0"/>
             </a:endParaRPr>
           </a:p>
           <a:p>
             <a:r>
-              <a:rPr lang="en-US" sz="1400" dirty="0" smtClean="0">
+              <a:rPr lang="en-US" sz="1200" dirty="0" smtClean="0">
                 <a:latin typeface="Arial" panose="020B0604020202020204" pitchFamily="34" charset="0"/>
                 <a:cs typeface="Arial" panose="020B0604020202020204" pitchFamily="34" charset="0"/>
               </a:rPr>
               <a:t>True Fatal Index = 10 ^ (-1 * </a:t>
             </a:r>
             <a:r>
-              <a:rPr lang="en-US" sz="1400" dirty="0" err="1" smtClean="0">
+              <a:rPr lang="en-US" sz="1200" dirty="0" err="1" smtClean="0">
                 <a:latin typeface="Arial" panose="020B0604020202020204" pitchFamily="34" charset="0"/>
                 <a:cs typeface="Arial" panose="020B0604020202020204" pitchFamily="34" charset="0"/>
               </a:rPr>
               <a:t>logvalue</a:t>
             </a:r>
             <a:r>
-              <a:rPr lang="en-US" sz="1400" dirty="0" smtClean="0">
+              <a:rPr lang="en-US" sz="1200" dirty="0" smtClean="0">
                 <a:latin typeface="Arial" panose="020B0604020202020204" pitchFamily="34" charset="0"/>
                 <a:cs typeface="Arial" panose="020B0604020202020204" pitchFamily="34" charset="0"/>
               </a:rPr>
@@ -18431,14 +18446,14 @@
             </a:r>
           </a:p>
           <a:p>
-            <a:endParaRPr lang="en-US" sz="1400" dirty="0">
+            <a:endParaRPr lang="en-US" sz="1200" dirty="0">
               <a:latin typeface="Arial" panose="020B0604020202020204" pitchFamily="34" charset="0"/>
               <a:cs typeface="Arial" panose="020B0604020202020204" pitchFamily="34" charset="0"/>
             </a:endParaRPr>
           </a:p>
           <a:p>
             <a:r>
-              <a:rPr lang="en-US" sz="1400" dirty="0" smtClean="0">
+              <a:rPr lang="en-US" sz="1200" dirty="0" smtClean="0">
                 <a:latin typeface="Arial" panose="020B0604020202020204" pitchFamily="34" charset="0"/>
                 <a:cs typeface="Arial" panose="020B0604020202020204" pitchFamily="34" charset="0"/>
               </a:rPr>
@@ -18446,28 +18461,28 @@
             </a:r>
           </a:p>
           <a:p>
-            <a:endParaRPr lang="en-US" sz="1400" dirty="0" smtClean="0">
+            <a:endParaRPr lang="en-US" sz="1200" dirty="0" smtClean="0">
               <a:latin typeface="Arial" panose="020B0604020202020204" pitchFamily="34" charset="0"/>
               <a:cs typeface="Arial" panose="020B0604020202020204" pitchFamily="34" charset="0"/>
             </a:endParaRPr>
           </a:p>
           <a:p>
             <a:r>
-              <a:rPr lang="en-US" sz="1400" dirty="0" smtClean="0">
+              <a:rPr lang="en-US" sz="1200" dirty="0" smtClean="0">
                 <a:latin typeface="Arial" panose="020B0604020202020204" pitchFamily="34" charset="0"/>
                 <a:cs typeface="Arial" panose="020B0604020202020204" pitchFamily="34" charset="0"/>
               </a:rPr>
               <a:t>The real fatality index </a:t>
             </a:r>
             <a:r>
-              <a:rPr lang="en-US" sz="1400" dirty="0">
+              <a:rPr lang="en-US" sz="1200" dirty="0">
                 <a:latin typeface="Arial" panose="020B0604020202020204" pitchFamily="34" charset="0"/>
                 <a:cs typeface="Arial" panose="020B0604020202020204" pitchFamily="34" charset="0"/>
               </a:rPr>
               <a:t>0 regression, is </a:t>
             </a:r>
             <a:r>
-              <a:rPr lang="en-US" sz="1400" dirty="0" smtClean="0">
+              <a:rPr lang="en-US" sz="1200" dirty="0" smtClean="0">
                 <a:latin typeface="Arial" panose="020B0604020202020204" pitchFamily="34" charset="0"/>
                 <a:cs typeface="Arial" panose="020B0604020202020204" pitchFamily="34" charset="0"/>
               </a:rPr>
@@ -18476,21 +18491,21 @@
           </a:p>
           <a:p>
             <a:r>
-              <a:rPr lang="en-US" sz="1400" dirty="0" smtClean="0">
+              <a:rPr lang="en-US" sz="1200" dirty="0" smtClean="0">
                 <a:latin typeface="Arial" panose="020B0604020202020204" pitchFamily="34" charset="0"/>
                 <a:cs typeface="Arial" panose="020B0604020202020204" pitchFamily="34" charset="0"/>
               </a:rPr>
               <a:t>The </a:t>
             </a:r>
             <a:r>
-              <a:rPr lang="en-US" sz="1400" dirty="0">
+              <a:rPr lang="en-US" sz="1200" dirty="0">
                 <a:latin typeface="Arial" panose="020B0604020202020204" pitchFamily="34" charset="0"/>
                 <a:cs typeface="Arial" panose="020B0604020202020204" pitchFamily="34" charset="0"/>
               </a:rPr>
               <a:t>real </a:t>
             </a:r>
             <a:r>
-              <a:rPr lang="en-US" sz="1400" dirty="0" smtClean="0">
+              <a:rPr lang="en-US" sz="1200" dirty="0" smtClean="0">
                 <a:latin typeface="Arial" panose="020B0604020202020204" pitchFamily="34" charset="0"/>
                 <a:cs typeface="Arial" panose="020B0604020202020204" pitchFamily="34" charset="0"/>
               </a:rPr>
@@ -18498,21 +18513,21 @@
             </a:r>
           </a:p>
           <a:p>
-            <a:endParaRPr lang="en-US" sz="1400" dirty="0">
+            <a:endParaRPr lang="en-US" sz="1200" dirty="0">
               <a:latin typeface="Arial" panose="020B0604020202020204" pitchFamily="34" charset="0"/>
               <a:cs typeface="Arial" panose="020B0604020202020204" pitchFamily="34" charset="0"/>
             </a:endParaRPr>
           </a:p>
           <a:p>
             <a:r>
-              <a:rPr lang="en-US" sz="1400" dirty="0" smtClean="0">
+              <a:rPr lang="en-US" sz="1200" dirty="0" smtClean="0">
                 <a:latin typeface="Arial" panose="020B0604020202020204" pitchFamily="34" charset="0"/>
                 <a:cs typeface="Arial" panose="020B0604020202020204" pitchFamily="34" charset="0"/>
               </a:rPr>
               <a:t>This means that the occupation with the most risk for fatality being </a:t>
             </a:r>
             <a:r>
-              <a:rPr lang="en-US" sz="1400" b="1" dirty="0" smtClean="0">
+              <a:rPr lang="en-US" sz="1200" b="1" dirty="0" smtClean="0">
                 <a:solidFill>
                   <a:srgbClr val="FF0000"/>
                 </a:solidFill>
@@ -18522,28 +18537,56 @@
               <a:t>Military Specific Operations</a:t>
             </a:r>
             <a:r>
-              <a:rPr lang="en-US" sz="1400" dirty="0" smtClean="0">
-                <a:latin typeface="Arial" panose="020B0604020202020204" pitchFamily="34" charset="0"/>
-                <a:cs typeface="Arial" panose="020B0604020202020204" pitchFamily="34" charset="0"/>
-              </a:rPr>
-              <a:t>, actually had the least fatality index. </a:t>
-            </a:r>
-            <a:r>
-              <a:rPr lang="en-US" sz="1400" dirty="0">
+              <a:rPr lang="en-US" sz="1200" dirty="0" smtClean="0">
+                <a:latin typeface="Arial" panose="020B0604020202020204" pitchFamily="34" charset="0"/>
+                <a:cs typeface="Arial" panose="020B0604020202020204" pitchFamily="34" charset="0"/>
+              </a:rPr>
+              <a:t>, actually had the </a:t>
+            </a:r>
+            <a:r>
+              <a:rPr lang="en-US" sz="1200" dirty="0" smtClean="0">
+                <a:latin typeface="Arial" panose="020B0604020202020204" pitchFamily="34" charset="0"/>
+                <a:cs typeface="Arial" panose="020B0604020202020204" pitchFamily="34" charset="0"/>
+              </a:rPr>
+              <a:t>smallest</a:t>
+            </a:r>
+            <a:r>
+              <a:rPr lang="en-US" sz="1200" dirty="0" smtClean="0">
+                <a:latin typeface="Arial" panose="020B0604020202020204" pitchFamily="34" charset="0"/>
+                <a:cs typeface="Arial" panose="020B0604020202020204" pitchFamily="34" charset="0"/>
+              </a:rPr>
+              <a:t> real fatality </a:t>
+            </a:r>
+            <a:r>
+              <a:rPr lang="en-US" sz="1200" dirty="0" smtClean="0">
+                <a:latin typeface="Arial" panose="020B0604020202020204" pitchFamily="34" charset="0"/>
+                <a:cs typeface="Arial" panose="020B0604020202020204" pitchFamily="34" charset="0"/>
+              </a:rPr>
+              <a:t>value (highest perception index)</a:t>
+            </a:r>
+            <a:r>
+              <a:rPr lang="en-US" sz="1200" dirty="0" smtClean="0">
+                <a:latin typeface="Arial" panose="020B0604020202020204" pitchFamily="34" charset="0"/>
+                <a:cs typeface="Arial" panose="020B0604020202020204" pitchFamily="34" charset="0"/>
+              </a:rPr>
+              <a:t>. </a:t>
+            </a:r>
+            <a:r>
+              <a:rPr lang="en-US" sz="1200" dirty="0">
                 <a:latin typeface="Arial" panose="020B0604020202020204" pitchFamily="34" charset="0"/>
                 <a:cs typeface="Arial" panose="020B0604020202020204" pitchFamily="34" charset="0"/>
               </a:rPr>
               <a:t>T</a:t>
             </a:r>
             <a:r>
-              <a:rPr lang="en-US" sz="1400" dirty="0" smtClean="0">
+              <a:rPr lang="en-US" sz="1200" dirty="0" smtClean="0">
                 <a:latin typeface="Arial" panose="020B0604020202020204" pitchFamily="34" charset="0"/>
                 <a:cs typeface="Arial" panose="020B0604020202020204" pitchFamily="34" charset="0"/>
               </a:rPr>
               <a:t>he occupation with the least perceived risk, </a:t>
             </a:r>
             <a:r>
-              <a:rPr lang="en-US" sz="1400" b="1" dirty="0" smtClean="0">
+              <a:rPr lang="en-US" sz="1200" b="1" dirty="0" smtClean="0">
                 <a:solidFill>
                   <a:srgbClr val="FF0000"/>
                 </a:solidFill>
@@ -18553,11 +18596,25 @@
               <a:t>Management Operations</a:t>
             </a:r>
             <a:r>
+              <a:rPr lang="en-US" sz="1200" dirty="0" smtClean="0">
+                <a:latin typeface="Arial" panose="020B0604020202020204" pitchFamily="34" charset="0"/>
+                <a:cs typeface="Arial" panose="020B0604020202020204" pitchFamily="34" charset="0"/>
+              </a:rPr>
+              <a:t>, had the largest </a:t>
+            </a:r>
+            <a:r>
+              <a:rPr lang="en-US" sz="1200" dirty="0" smtClean="0">
+                <a:latin typeface="Arial" panose="020B0604020202020204" pitchFamily="34" charset="0"/>
+                <a:cs typeface="Arial" panose="020B0604020202020204" pitchFamily="34" charset="0"/>
+              </a:rPr>
+              <a:t>real fatality value (lowest perception index)</a:t>
+            </a:r>
+            <a:r>
               <a:rPr lang="en-US" sz="1400" dirty="0" smtClean="0">
                 <a:latin typeface="Arial" panose="020B0604020202020204" pitchFamily="34" charset="0"/>
                 <a:cs typeface="Arial" panose="020B0604020202020204" pitchFamily="34" charset="0"/>
               </a:rPr>
-              <a:t>, had the largest fatality index.</a:t>
+              <a:t>.</a:t>
             </a:r>
             <a:endParaRPr lang="en-US" sz="1400" dirty="0">
               <a:latin typeface="Arial" panose="020B0604020202020204" pitchFamily="34" charset="0"/>
@@ -18746,7 +18803,7 @@
     </p:spTree>
     <p:extLst>
       <p:ext uri="{BB962C8B-B14F-4D97-AF65-F5344CB8AC3E}">
-        <p14:creationId xmlns:p14="http://schemas.microsoft.com/office/powerpoint/2010/main" val="1099297621"/>
+        <p14:creationId xmlns:p14="http://schemas.microsoft.com/office/powerpoint/2010/main" val="20121231"/>
       </p:ext>
     </p:extLst>
   </p:cSld>
@@ -18764,6 +18821,797 @@
 </file>
 
 <file path=ppt/slides/slide35.xml><?xml version="1.0" encoding="utf-8"?>
+<p:sld xmlns:a="http://schemas.openxmlformats.org/drawingml/2006/main" xmlns:r="http://schemas.openxmlformats.org/officeDocument/2006/relationships" xmlns:p="http://schemas.openxmlformats.org/presentationml/2006/main">
+  <p:cSld>
+    <p:spTree>
+      <p:nvGrpSpPr>
+        <p:cNvPr id="1" name=""/>
+        <p:cNvGrpSpPr/>
+        <p:nvPr/>
+      </p:nvGrpSpPr>
+      <p:grpSpPr>
+        <a:xfrm>
+          <a:off x="0" y="0"/>
+          <a:ext cx="0" cy="0"/>
+          <a:chOff x="0" y="0"/>
+          <a:chExt cx="0" cy="0"/>
+        </a:xfrm>
+      </p:grpSpPr>
+      <p:pic>
+        <p:nvPicPr>
+          <p:cNvPr id="3" name="Picture 2"/>
+          <p:cNvPicPr>
+            <a:picLocks noChangeAspect="1"/>
+          </p:cNvPicPr>
+          <p:nvPr/>
+        </p:nvPicPr>
+        <p:blipFill>
+          <a:blip r:embed="rId2"/>
+          <a:stretch>
+            <a:fillRect/>
+          </a:stretch>
+        </p:blipFill>
+        <p:spPr>
+          <a:xfrm>
+            <a:off x="5528535" y="288046"/>
+            <a:ext cx="6561208" cy="6561208"/>
+          </a:xfrm>
+          <a:prstGeom prst="rect">
+            <a:avLst/>
+          </a:prstGeom>
+        </p:spPr>
+      </p:pic>
+      <p:sp>
+        <p:nvSpPr>
+          <p:cNvPr id="11" name="Title 1">
+            <a:extLst>
+              <a:ext uri="{FF2B5EF4-FFF2-40B4-BE49-F238E27FC236}">
+                <a16:creationId xmlns:a16="http://schemas.microsoft.com/office/drawing/2014/main" id="{E316B5D4-4FE6-49C6-BD43-0BB822385B6D}"/>
+              </a:ext>
+            </a:extLst>
+          </p:cNvPr>
+          <p:cNvSpPr txBox="1">
+            <a:spLocks/>
+          </p:cNvSpPr>
+          <p:nvPr/>
+        </p:nvSpPr>
+        <p:spPr>
+          <a:xfrm>
+            <a:off x="537028" y="211016"/>
+            <a:ext cx="11065035" cy="369087"/>
+          </a:xfrm>
+          <a:prstGeom prst="rect">
+            <a:avLst/>
+          </a:prstGeom>
+          <a:solidFill>
+            <a:srgbClr val="00B0F0"/>
+          </a:solidFill>
+        </p:spPr>
+        <p:txBody>
+          <a:bodyPr vert="horz" lIns="91440" tIns="45720" rIns="91440" bIns="45720" rtlCol="0" anchor="ctr">
+            <a:normAutofit/>
+          </a:bodyPr>
+          <a:lstStyle>
+            <a:lvl1pPr algn="l" defTabSz="914400" rtl="0" eaLnBrk="1" latinLnBrk="0" hangingPunct="1">
+              <a:lnSpc>
+                <a:spcPct val="90000"/>
+              </a:lnSpc>
+              <a:spcBef>
+                <a:spcPct val="0"/>
+              </a:spcBef>
+              <a:buNone/>
+              <a:defRPr sz="4400" kern="1200">
+                <a:solidFill>
+                  <a:schemeClr val="tx1"/>
+                </a:solidFill>
+                <a:latin typeface="+mj-lt"/>
+                <a:ea typeface="+mj-ea"/>
+                <a:cs typeface="+mj-cs"/>
+              </a:defRPr>
+            </a:lvl1pPr>
+          </a:lstStyle>
+          <a:p>
+            <a:r>
+              <a:rPr lang="en-US" sz="2000" b="1" dirty="0" smtClean="0">
+                <a:latin typeface="Arial" panose="020B0604020202020204" pitchFamily="34" charset="0"/>
+                <a:cs typeface="Arial" panose="020B0604020202020204" pitchFamily="34" charset="0"/>
+              </a:rPr>
+              <a:t>Example Data:  Conclusion Summary</a:t>
+            </a:r>
+            <a:endParaRPr lang="en-US" sz="2000" b="1" dirty="0">
+              <a:solidFill>
+                <a:schemeClr val="bg1"/>
+              </a:solidFill>
+              <a:latin typeface="Arial" panose="020B0604020202020204" pitchFamily="34" charset="0"/>
+              <a:cs typeface="Arial" panose="020B0604020202020204" pitchFamily="34" charset="0"/>
+            </a:endParaRPr>
+          </a:p>
+        </p:txBody>
+      </p:sp>
+      <p:sp>
+        <p:nvSpPr>
+          <p:cNvPr id="14" name="TextBox 13"/>
+          <p:cNvSpPr txBox="1"/>
+          <p:nvPr/>
+        </p:nvSpPr>
+        <p:spPr>
+          <a:xfrm>
+            <a:off x="575386" y="1458962"/>
+            <a:ext cx="4882760" cy="4770537"/>
+          </a:xfrm>
+          <a:prstGeom prst="rect">
+            <a:avLst/>
+          </a:prstGeom>
+          <a:noFill/>
+          <a:ln>
+            <a:solidFill>
+              <a:schemeClr val="tx1"/>
+            </a:solidFill>
+          </a:ln>
+        </p:spPr>
+        <p:txBody>
+          <a:bodyPr wrap="square" rtlCol="0">
+            <a:spAutoFit/>
+          </a:bodyPr>
+          <a:lstStyle/>
+          <a:p>
+            <a:endParaRPr lang="en-US" sz="1600" dirty="0" smtClean="0">
+              <a:latin typeface="Arial" panose="020B0604020202020204" pitchFamily="34" charset="0"/>
+              <a:cs typeface="Arial" panose="020B0604020202020204" pitchFamily="34" charset="0"/>
+            </a:endParaRPr>
+          </a:p>
+          <a:p>
+            <a:r>
+              <a:rPr lang="en-US" sz="1600" dirty="0" smtClean="0">
+                <a:latin typeface="Arial" panose="020B0604020202020204" pitchFamily="34" charset="0"/>
+                <a:cs typeface="Arial" panose="020B0604020202020204" pitchFamily="34" charset="0"/>
+              </a:rPr>
+              <a:t>The real fatality </a:t>
+            </a:r>
+            <a:r>
+              <a:rPr lang="en-US" sz="1600" b="1" dirty="0" smtClean="0">
+                <a:latin typeface="Arial" panose="020B0604020202020204" pitchFamily="34" charset="0"/>
+                <a:cs typeface="Arial" panose="020B0604020202020204" pitchFamily="34" charset="0"/>
+              </a:rPr>
+              <a:t>index </a:t>
+            </a:r>
+            <a:r>
+              <a:rPr lang="en-US" sz="1600" b="1" dirty="0">
+                <a:latin typeface="Arial" panose="020B0604020202020204" pitchFamily="34" charset="0"/>
+                <a:cs typeface="Arial" panose="020B0604020202020204" pitchFamily="34" charset="0"/>
+              </a:rPr>
+              <a:t>0 </a:t>
+            </a:r>
+            <a:r>
+              <a:rPr lang="en-US" sz="1600" dirty="0">
+                <a:latin typeface="Arial" panose="020B0604020202020204" pitchFamily="34" charset="0"/>
+                <a:cs typeface="Arial" panose="020B0604020202020204" pitchFamily="34" charset="0"/>
+              </a:rPr>
+              <a:t>regression, </a:t>
+            </a:r>
+            <a:r>
+              <a:rPr lang="en-US" sz="1600" dirty="0" smtClean="0">
+                <a:latin typeface="Arial" panose="020B0604020202020204" pitchFamily="34" charset="0"/>
+                <a:cs typeface="Arial" panose="020B0604020202020204" pitchFamily="34" charset="0"/>
+              </a:rPr>
+              <a:t>is:</a:t>
+            </a:r>
+          </a:p>
+          <a:p>
+            <a:endParaRPr lang="en-US" sz="1600" dirty="0" smtClean="0">
+              <a:latin typeface="Arial" panose="020B0604020202020204" pitchFamily="34" charset="0"/>
+              <a:cs typeface="Arial" panose="020B0604020202020204" pitchFamily="34" charset="0"/>
+            </a:endParaRPr>
+          </a:p>
+          <a:p>
+            <a:pPr algn="ctr"/>
+            <a:r>
+              <a:rPr lang="en-US" sz="1600" dirty="0">
+                <a:latin typeface="Arial" panose="020B0604020202020204" pitchFamily="34" charset="0"/>
+                <a:cs typeface="Arial" panose="020B0604020202020204" pitchFamily="34" charset="0"/>
+              </a:rPr>
+              <a:t>8.73 </a:t>
+            </a:r>
+            <a:r>
+              <a:rPr lang="en-US" sz="1600" dirty="0" smtClean="0">
+                <a:latin typeface="Arial" panose="020B0604020202020204" pitchFamily="34" charset="0"/>
+                <a:cs typeface="Arial" panose="020B0604020202020204" pitchFamily="34" charset="0"/>
+              </a:rPr>
+              <a:t>(lower risk perception index)</a:t>
+            </a:r>
+            <a:endParaRPr lang="en-US" sz="1600" dirty="0" smtClean="0">
+              <a:latin typeface="Arial" panose="020B0604020202020204" pitchFamily="34" charset="0"/>
+              <a:cs typeface="Arial" panose="020B0604020202020204" pitchFamily="34" charset="0"/>
+            </a:endParaRPr>
+          </a:p>
+          <a:p>
+            <a:pPr algn="ctr"/>
+            <a:r>
+              <a:rPr lang="en-US" sz="1600" b="1" dirty="0" smtClean="0">
+                <a:latin typeface="Arial" panose="020B0604020202020204" pitchFamily="34" charset="0"/>
+                <a:cs typeface="Arial" panose="020B0604020202020204" pitchFamily="34" charset="0"/>
+              </a:rPr>
+              <a:t>1.841e-09 (largest fatality/injury)</a:t>
+            </a:r>
+            <a:endParaRPr lang="en-US" sz="1600" b="1" dirty="0" smtClean="0">
+              <a:latin typeface="Arial" panose="020B0604020202020204" pitchFamily="34" charset="0"/>
+              <a:cs typeface="Arial" panose="020B0604020202020204" pitchFamily="34" charset="0"/>
+            </a:endParaRPr>
+          </a:p>
+          <a:p>
+            <a:endParaRPr lang="en-US" sz="1600" dirty="0">
+              <a:latin typeface="Arial" panose="020B0604020202020204" pitchFamily="34" charset="0"/>
+              <a:cs typeface="Arial" panose="020B0604020202020204" pitchFamily="34" charset="0"/>
+            </a:endParaRPr>
+          </a:p>
+          <a:p>
+            <a:r>
+              <a:rPr lang="en-US" sz="1600" dirty="0" smtClean="0">
+                <a:latin typeface="Arial" panose="020B0604020202020204" pitchFamily="34" charset="0"/>
+                <a:cs typeface="Arial" panose="020B0604020202020204" pitchFamily="34" charset="0"/>
+              </a:rPr>
+              <a:t>The occupation </a:t>
+            </a:r>
+            <a:r>
+              <a:rPr lang="en-US" sz="1600" dirty="0" smtClean="0">
+                <a:latin typeface="Arial" panose="020B0604020202020204" pitchFamily="34" charset="0"/>
+                <a:cs typeface="Arial" panose="020B0604020202020204" pitchFamily="34" charset="0"/>
+              </a:rPr>
+              <a:t>with the most risk for fatality being </a:t>
+            </a:r>
+            <a:r>
+              <a:rPr lang="en-US" sz="1600" b="1" dirty="0" smtClean="0">
+                <a:solidFill>
+                  <a:srgbClr val="FF0000"/>
+                </a:solidFill>
+                <a:latin typeface="Arial" panose="020B0604020202020204" pitchFamily="34" charset="0"/>
+                <a:cs typeface="Arial" panose="020B0604020202020204" pitchFamily="34" charset="0"/>
+              </a:rPr>
+              <a:t>Military Specific Operations</a:t>
+            </a:r>
+            <a:r>
+              <a:rPr lang="en-US" sz="1600" dirty="0" smtClean="0">
+                <a:latin typeface="Arial" panose="020B0604020202020204" pitchFamily="34" charset="0"/>
+                <a:cs typeface="Arial" panose="020B0604020202020204" pitchFamily="34" charset="0"/>
+              </a:rPr>
+              <a:t>, actually had the </a:t>
+            </a:r>
+            <a:r>
+              <a:rPr lang="en-US" sz="1600" dirty="0" smtClean="0">
+                <a:latin typeface="Arial" panose="020B0604020202020204" pitchFamily="34" charset="0"/>
+                <a:cs typeface="Arial" panose="020B0604020202020204" pitchFamily="34" charset="0"/>
+              </a:rPr>
+              <a:t>smallest</a:t>
+            </a:r>
+            <a:r>
+              <a:rPr lang="en-US" sz="1600" dirty="0" smtClean="0">
+                <a:latin typeface="Arial" panose="020B0604020202020204" pitchFamily="34" charset="0"/>
+                <a:cs typeface="Arial" panose="020B0604020202020204" pitchFamily="34" charset="0"/>
+              </a:rPr>
+              <a:t> real fatality </a:t>
+            </a:r>
+            <a:r>
+              <a:rPr lang="en-US" sz="1600" dirty="0" smtClean="0">
+                <a:latin typeface="Arial" panose="020B0604020202020204" pitchFamily="34" charset="0"/>
+                <a:cs typeface="Arial" panose="020B0604020202020204" pitchFamily="34" charset="0"/>
+              </a:rPr>
+              <a:t>value (highest perception index)</a:t>
+            </a:r>
+            <a:r>
+              <a:rPr lang="en-US" sz="1600" dirty="0" smtClean="0">
+                <a:latin typeface="Arial" panose="020B0604020202020204" pitchFamily="34" charset="0"/>
+                <a:cs typeface="Arial" panose="020B0604020202020204" pitchFamily="34" charset="0"/>
+              </a:rPr>
+              <a:t>. </a:t>
+            </a:r>
+          </a:p>
+          <a:p>
+            <a:endParaRPr lang="en-US" sz="1600" dirty="0">
+              <a:latin typeface="Arial" panose="020B0604020202020204" pitchFamily="34" charset="0"/>
+              <a:cs typeface="Arial" panose="020B0604020202020204" pitchFamily="34" charset="0"/>
+            </a:endParaRPr>
+          </a:p>
+          <a:p>
+            <a:r>
+              <a:rPr lang="en-US" sz="1600" dirty="0">
+                <a:latin typeface="Arial" panose="020B0604020202020204" pitchFamily="34" charset="0"/>
+                <a:cs typeface="Arial" panose="020B0604020202020204" pitchFamily="34" charset="0"/>
+              </a:rPr>
+              <a:t>The real fatality </a:t>
+            </a:r>
+            <a:r>
+              <a:rPr lang="en-US" sz="1600" b="1" dirty="0">
+                <a:latin typeface="Arial" panose="020B0604020202020204" pitchFamily="34" charset="0"/>
+                <a:cs typeface="Arial" panose="020B0604020202020204" pitchFamily="34" charset="0"/>
+              </a:rPr>
+              <a:t>index 22 </a:t>
+            </a:r>
+            <a:r>
+              <a:rPr lang="en-US" sz="1600" dirty="0">
+                <a:latin typeface="Arial" panose="020B0604020202020204" pitchFamily="34" charset="0"/>
+                <a:cs typeface="Arial" panose="020B0604020202020204" pitchFamily="34" charset="0"/>
+              </a:rPr>
+              <a:t>regression, </a:t>
+            </a:r>
+            <a:r>
+              <a:rPr lang="en-US" sz="1600" dirty="0" smtClean="0">
+                <a:latin typeface="Arial" panose="020B0604020202020204" pitchFamily="34" charset="0"/>
+                <a:cs typeface="Arial" panose="020B0604020202020204" pitchFamily="34" charset="0"/>
+              </a:rPr>
+              <a:t>is:</a:t>
+            </a:r>
+          </a:p>
+          <a:p>
+            <a:endParaRPr lang="en-US" sz="1600" dirty="0">
+              <a:latin typeface="Arial" panose="020B0604020202020204" pitchFamily="34" charset="0"/>
+              <a:cs typeface="Arial" panose="020B0604020202020204" pitchFamily="34" charset="0"/>
+            </a:endParaRPr>
+          </a:p>
+          <a:p>
+            <a:pPr algn="ctr"/>
+            <a:r>
+              <a:rPr lang="en-US" sz="1600" dirty="0" smtClean="0">
+                <a:latin typeface="Arial" panose="020B0604020202020204" pitchFamily="34" charset="0"/>
+                <a:cs typeface="Arial" panose="020B0604020202020204" pitchFamily="34" charset="0"/>
+              </a:rPr>
+              <a:t>10.71 (higher </a:t>
+            </a:r>
+            <a:r>
+              <a:rPr lang="en-US" sz="1600" dirty="0">
+                <a:latin typeface="Arial" panose="020B0604020202020204" pitchFamily="34" charset="0"/>
+                <a:cs typeface="Arial" panose="020B0604020202020204" pitchFamily="34" charset="0"/>
+              </a:rPr>
+              <a:t>risk perception index</a:t>
+            </a:r>
+            <a:r>
+              <a:rPr lang="en-US" sz="1600" dirty="0" smtClean="0">
+                <a:latin typeface="Arial" panose="020B0604020202020204" pitchFamily="34" charset="0"/>
+                <a:cs typeface="Arial" panose="020B0604020202020204" pitchFamily="34" charset="0"/>
+              </a:rPr>
+              <a:t>)</a:t>
+            </a:r>
+          </a:p>
+          <a:p>
+            <a:pPr algn="ctr"/>
+            <a:r>
+              <a:rPr lang="en-US" sz="1600" b="1" dirty="0" smtClean="0">
+                <a:solidFill>
+                  <a:srgbClr val="00B0F0"/>
+                </a:solidFill>
+                <a:latin typeface="Arial" panose="020B0604020202020204" pitchFamily="34" charset="0"/>
+                <a:cs typeface="Arial" panose="020B0604020202020204" pitchFamily="34" charset="0"/>
+              </a:rPr>
+              <a:t> </a:t>
+            </a:r>
+            <a:r>
+              <a:rPr lang="en-US" sz="1600" b="1" dirty="0">
+                <a:latin typeface="Arial" panose="020B0604020202020204" pitchFamily="34" charset="0"/>
+                <a:cs typeface="Arial" panose="020B0604020202020204" pitchFamily="34" charset="0"/>
+              </a:rPr>
+              <a:t>1.94e-11 (</a:t>
+            </a:r>
+            <a:r>
+              <a:rPr lang="en-US" sz="1600" b="1" dirty="0" smtClean="0">
+                <a:latin typeface="Arial" panose="020B0604020202020204" pitchFamily="34" charset="0"/>
+                <a:cs typeface="Arial" panose="020B0604020202020204" pitchFamily="34" charset="0"/>
+              </a:rPr>
+              <a:t>smallest</a:t>
+            </a:r>
+            <a:r>
+              <a:rPr lang="en-US" sz="1600" b="1" dirty="0">
+                <a:latin typeface="Arial" panose="020B0604020202020204" pitchFamily="34" charset="0"/>
+                <a:cs typeface="Arial" panose="020B0604020202020204" pitchFamily="34" charset="0"/>
+              </a:rPr>
+              <a:t> fatality/injury</a:t>
+            </a:r>
+            <a:r>
+              <a:rPr lang="en-US" sz="1600" b="1" dirty="0" smtClean="0">
+                <a:latin typeface="Arial" panose="020B0604020202020204" pitchFamily="34" charset="0"/>
+                <a:cs typeface="Arial" panose="020B0604020202020204" pitchFamily="34" charset="0"/>
+              </a:rPr>
+              <a:t> )</a:t>
+            </a:r>
+            <a:endParaRPr lang="en-US" sz="1600" b="1" dirty="0">
+              <a:latin typeface="Arial" panose="020B0604020202020204" pitchFamily="34" charset="0"/>
+              <a:cs typeface="Arial" panose="020B0604020202020204" pitchFamily="34" charset="0"/>
+            </a:endParaRPr>
+          </a:p>
+          <a:p>
+            <a:endParaRPr lang="en-US" sz="1600" dirty="0">
+              <a:latin typeface="Arial" panose="020B0604020202020204" pitchFamily="34" charset="0"/>
+              <a:cs typeface="Arial" panose="020B0604020202020204" pitchFamily="34" charset="0"/>
+            </a:endParaRPr>
+          </a:p>
+          <a:p>
+            <a:r>
+              <a:rPr lang="en-US" sz="1600" dirty="0" smtClean="0">
+                <a:latin typeface="Arial" panose="020B0604020202020204" pitchFamily="34" charset="0"/>
+                <a:cs typeface="Arial" panose="020B0604020202020204" pitchFamily="34" charset="0"/>
+              </a:rPr>
+              <a:t>The </a:t>
+            </a:r>
+            <a:r>
+              <a:rPr lang="en-US" sz="1600" dirty="0" smtClean="0">
+                <a:latin typeface="Arial" panose="020B0604020202020204" pitchFamily="34" charset="0"/>
+                <a:cs typeface="Arial" panose="020B0604020202020204" pitchFamily="34" charset="0"/>
+              </a:rPr>
+              <a:t>occupation with the least perceived risk, </a:t>
+            </a:r>
+            <a:r>
+              <a:rPr lang="en-US" sz="1600" b="1" dirty="0" smtClean="0">
+                <a:solidFill>
+                  <a:srgbClr val="FF0000"/>
+                </a:solidFill>
+                <a:latin typeface="Arial" panose="020B0604020202020204" pitchFamily="34" charset="0"/>
+                <a:cs typeface="Arial" panose="020B0604020202020204" pitchFamily="34" charset="0"/>
+              </a:rPr>
+              <a:t>Management Operations</a:t>
+            </a:r>
+            <a:r>
+              <a:rPr lang="en-US" sz="1600" dirty="0" smtClean="0">
+                <a:latin typeface="Arial" panose="020B0604020202020204" pitchFamily="34" charset="0"/>
+                <a:cs typeface="Arial" panose="020B0604020202020204" pitchFamily="34" charset="0"/>
+              </a:rPr>
+              <a:t>, had the largest </a:t>
+            </a:r>
+            <a:r>
+              <a:rPr lang="en-US" sz="1600" dirty="0" smtClean="0">
+                <a:latin typeface="Arial" panose="020B0604020202020204" pitchFamily="34" charset="0"/>
+                <a:cs typeface="Arial" panose="020B0604020202020204" pitchFamily="34" charset="0"/>
+              </a:rPr>
+              <a:t>real fatality value (lowest perception index).</a:t>
+            </a:r>
+            <a:endParaRPr lang="en-US" sz="1600" dirty="0">
+              <a:latin typeface="Arial" panose="020B0604020202020204" pitchFamily="34" charset="0"/>
+              <a:cs typeface="Arial" panose="020B0604020202020204" pitchFamily="34" charset="0"/>
+            </a:endParaRPr>
+          </a:p>
+        </p:txBody>
+      </p:sp>
+      <p:grpSp>
+        <p:nvGrpSpPr>
+          <p:cNvPr id="5" name="Group 4"/>
+          <p:cNvGrpSpPr/>
+          <p:nvPr/>
+        </p:nvGrpSpPr>
+        <p:grpSpPr>
+          <a:xfrm>
+            <a:off x="6362044" y="6464447"/>
+            <a:ext cx="5179716" cy="289911"/>
+            <a:chOff x="4502858" y="6478953"/>
+            <a:chExt cx="3130761" cy="307777"/>
+          </a:xfrm>
+        </p:grpSpPr>
+        <p:cxnSp>
+          <p:nvCxnSpPr>
+            <p:cNvPr id="15" name="Straight Arrow Connector 14"/>
+            <p:cNvCxnSpPr/>
+            <p:nvPr/>
+          </p:nvCxnSpPr>
+          <p:spPr>
+            <a:xfrm>
+              <a:off x="5223478" y="6641280"/>
+              <a:ext cx="2410141" cy="9727"/>
+            </a:xfrm>
+            <a:prstGeom prst="straightConnector1">
+              <a:avLst/>
+            </a:prstGeom>
+            <a:ln w="25400">
+              <a:solidFill>
+                <a:schemeClr val="tx1"/>
+              </a:solidFill>
+              <a:prstDash val="dash"/>
+              <a:tailEnd type="triangle" w="lg" len="lg"/>
+            </a:ln>
+          </p:spPr>
+          <p:style>
+            <a:lnRef idx="1">
+              <a:schemeClr val="accent1"/>
+            </a:lnRef>
+            <a:fillRef idx="0">
+              <a:schemeClr val="accent1"/>
+            </a:fillRef>
+            <a:effectRef idx="0">
+              <a:schemeClr val="accent1"/>
+            </a:effectRef>
+            <a:fontRef idx="minor">
+              <a:schemeClr val="tx1"/>
+            </a:fontRef>
+          </p:style>
+        </p:cxnSp>
+        <p:sp>
+          <p:nvSpPr>
+            <p:cNvPr id="19" name="TextBox 18"/>
+            <p:cNvSpPr txBox="1"/>
+            <p:nvPr/>
+          </p:nvSpPr>
+          <p:spPr>
+            <a:xfrm>
+              <a:off x="4502858" y="6478953"/>
+              <a:ext cx="463588" cy="307777"/>
+            </a:xfrm>
+            <a:prstGeom prst="rect">
+              <a:avLst/>
+            </a:prstGeom>
+            <a:noFill/>
+          </p:spPr>
+          <p:txBody>
+            <a:bodyPr wrap="none" rtlCol="0">
+              <a:spAutoFit/>
+            </a:bodyPr>
+            <a:lstStyle/>
+            <a:p>
+              <a:r>
+                <a:rPr lang="en-US" sz="1400" dirty="0" smtClean="0">
+                  <a:latin typeface="Arial" panose="020B0604020202020204" pitchFamily="34" charset="0"/>
+                  <a:cs typeface="Arial" panose="020B0604020202020204" pitchFamily="34" charset="0"/>
+                </a:rPr>
+                <a:t>risk</a:t>
+              </a:r>
+              <a:endParaRPr lang="en-US" sz="1400" dirty="0">
+                <a:latin typeface="Arial" panose="020B0604020202020204" pitchFamily="34" charset="0"/>
+                <a:cs typeface="Arial" panose="020B0604020202020204" pitchFamily="34" charset="0"/>
+              </a:endParaRPr>
+            </a:p>
+          </p:txBody>
+        </p:sp>
+      </p:grpSp>
+      <p:cxnSp>
+        <p:nvCxnSpPr>
+          <p:cNvPr id="8" name="Straight Arrow Connector 7"/>
+          <p:cNvCxnSpPr/>
+          <p:nvPr/>
+        </p:nvCxnSpPr>
+        <p:spPr>
+          <a:xfrm flipV="1">
+            <a:off x="5882640" y="1036176"/>
+            <a:ext cx="23509" cy="3698384"/>
+          </a:xfrm>
+          <a:prstGeom prst="straightConnector1">
+            <a:avLst/>
+          </a:prstGeom>
+          <a:ln w="25400">
+            <a:solidFill>
+              <a:srgbClr val="00B050"/>
+            </a:solidFill>
+            <a:prstDash val="dash"/>
+            <a:tailEnd type="triangle" w="lg" len="lg"/>
+          </a:ln>
+        </p:spPr>
+        <p:style>
+          <a:lnRef idx="1">
+            <a:schemeClr val="accent1"/>
+          </a:lnRef>
+          <a:fillRef idx="0">
+            <a:schemeClr val="accent1"/>
+          </a:fillRef>
+          <a:effectRef idx="0">
+            <a:schemeClr val="accent1"/>
+          </a:effectRef>
+          <a:fontRef idx="minor">
+            <a:schemeClr val="tx1"/>
+          </a:fontRef>
+        </p:style>
+      </p:cxnSp>
+      <p:sp>
+        <p:nvSpPr>
+          <p:cNvPr id="9" name="TextBox 8"/>
+          <p:cNvSpPr txBox="1"/>
+          <p:nvPr/>
+        </p:nvSpPr>
+        <p:spPr>
+          <a:xfrm rot="16200000">
+            <a:off x="5041942" y="5208877"/>
+            <a:ext cx="1707615" cy="307777"/>
+          </a:xfrm>
+          <a:prstGeom prst="rect">
+            <a:avLst/>
+          </a:prstGeom>
+          <a:noFill/>
+        </p:spPr>
+        <p:txBody>
+          <a:bodyPr wrap="square" rtlCol="0">
+            <a:spAutoFit/>
+          </a:bodyPr>
+          <a:lstStyle/>
+          <a:p>
+            <a:r>
+              <a:rPr lang="en-US" sz="1400" b="1" dirty="0">
+                <a:solidFill>
+                  <a:srgbClr val="00B050"/>
+                </a:solidFill>
+                <a:latin typeface="Arial" panose="020B0604020202020204" pitchFamily="34" charset="0"/>
+                <a:cs typeface="Arial" panose="020B0604020202020204" pitchFamily="34" charset="0"/>
+              </a:rPr>
+              <a:t>r</a:t>
+            </a:r>
+            <a:r>
+              <a:rPr lang="en-US" sz="1400" b="1" dirty="0" smtClean="0">
+                <a:solidFill>
+                  <a:srgbClr val="00B050"/>
+                </a:solidFill>
+                <a:latin typeface="Arial" panose="020B0604020202020204" pitchFamily="34" charset="0"/>
+                <a:cs typeface="Arial" panose="020B0604020202020204" pitchFamily="34" charset="0"/>
+              </a:rPr>
+              <a:t>isk perception</a:t>
+            </a:r>
+            <a:endParaRPr lang="en-US" sz="1400" b="1" dirty="0">
+              <a:solidFill>
+                <a:srgbClr val="00B050"/>
+              </a:solidFill>
+              <a:latin typeface="Arial" panose="020B0604020202020204" pitchFamily="34" charset="0"/>
+              <a:cs typeface="Arial" panose="020B0604020202020204" pitchFamily="34" charset="0"/>
+            </a:endParaRPr>
+          </a:p>
+        </p:txBody>
+      </p:sp>
+      <p:sp>
+        <p:nvSpPr>
+          <p:cNvPr id="10" name="TextBox 9"/>
+          <p:cNvSpPr txBox="1"/>
+          <p:nvPr/>
+        </p:nvSpPr>
+        <p:spPr>
+          <a:xfrm>
+            <a:off x="10552050" y="2390641"/>
+            <a:ext cx="940988" cy="307777"/>
+          </a:xfrm>
+          <a:prstGeom prst="rect">
+            <a:avLst/>
+          </a:prstGeom>
+          <a:noFill/>
+        </p:spPr>
+        <p:txBody>
+          <a:bodyPr wrap="square" rtlCol="0">
+            <a:spAutoFit/>
+          </a:bodyPr>
+          <a:lstStyle/>
+          <a:p>
+            <a:r>
+              <a:rPr lang="en-US" sz="1400" b="1" dirty="0" smtClean="0">
+                <a:latin typeface="Arial" panose="020B0604020202020204" pitchFamily="34" charset="0"/>
+                <a:cs typeface="Arial" panose="020B0604020202020204" pitchFamily="34" charset="0"/>
+              </a:rPr>
+              <a:t>Index 22</a:t>
+            </a:r>
+            <a:endParaRPr lang="en-US" sz="1400" b="1" dirty="0">
+              <a:latin typeface="Arial" panose="020B0604020202020204" pitchFamily="34" charset="0"/>
+              <a:cs typeface="Arial" panose="020B0604020202020204" pitchFamily="34" charset="0"/>
+            </a:endParaRPr>
+          </a:p>
+        </p:txBody>
+      </p:sp>
+      <p:sp>
+        <p:nvSpPr>
+          <p:cNvPr id="12" name="TextBox 11"/>
+          <p:cNvSpPr txBox="1"/>
+          <p:nvPr/>
+        </p:nvSpPr>
+        <p:spPr>
+          <a:xfrm>
+            <a:off x="6369614" y="3214497"/>
+            <a:ext cx="940988" cy="307777"/>
+          </a:xfrm>
+          <a:prstGeom prst="rect">
+            <a:avLst/>
+          </a:prstGeom>
+          <a:noFill/>
+        </p:spPr>
+        <p:txBody>
+          <a:bodyPr wrap="square" rtlCol="0">
+            <a:spAutoFit/>
+          </a:bodyPr>
+          <a:lstStyle/>
+          <a:p>
+            <a:r>
+              <a:rPr lang="en-US" sz="1400" b="1" dirty="0" smtClean="0">
+                <a:latin typeface="Arial" panose="020B0604020202020204" pitchFamily="34" charset="0"/>
+                <a:cs typeface="Arial" panose="020B0604020202020204" pitchFamily="34" charset="0"/>
+              </a:rPr>
+              <a:t>Index 0</a:t>
+            </a:r>
+            <a:endParaRPr lang="en-US" sz="1400" b="1" dirty="0">
+              <a:latin typeface="Arial" panose="020B0604020202020204" pitchFamily="34" charset="0"/>
+              <a:cs typeface="Arial" panose="020B0604020202020204" pitchFamily="34" charset="0"/>
+            </a:endParaRPr>
+          </a:p>
+        </p:txBody>
+      </p:sp>
+      <p:cxnSp>
+        <p:nvCxnSpPr>
+          <p:cNvPr id="4" name="Straight Arrow Connector 3"/>
+          <p:cNvCxnSpPr/>
+          <p:nvPr/>
+        </p:nvCxnSpPr>
+        <p:spPr>
+          <a:xfrm flipH="1" flipV="1">
+            <a:off x="6617110" y="2544529"/>
+            <a:ext cx="128427" cy="642762"/>
+          </a:xfrm>
+          <a:prstGeom prst="straightConnector1">
+            <a:avLst/>
+          </a:prstGeom>
+          <a:ln w="12700">
+            <a:solidFill>
+              <a:schemeClr val="tx1"/>
+            </a:solidFill>
+            <a:tailEnd type="triangle" w="lg" len="lg"/>
+          </a:ln>
+        </p:spPr>
+        <p:style>
+          <a:lnRef idx="1">
+            <a:schemeClr val="accent1"/>
+          </a:lnRef>
+          <a:fillRef idx="0">
+            <a:schemeClr val="accent1"/>
+          </a:fillRef>
+          <a:effectRef idx="0">
+            <a:schemeClr val="accent1"/>
+          </a:effectRef>
+          <a:fontRef idx="minor">
+            <a:schemeClr val="tx1"/>
+          </a:fontRef>
+        </p:style>
+      </p:cxnSp>
+      <p:cxnSp>
+        <p:nvCxnSpPr>
+          <p:cNvPr id="16" name="Straight Arrow Connector 15"/>
+          <p:cNvCxnSpPr>
+            <a:stCxn id="10" idx="0"/>
+          </p:cNvCxnSpPr>
+          <p:nvPr/>
+        </p:nvCxnSpPr>
+        <p:spPr>
+          <a:xfrm flipV="1">
+            <a:off x="11022544" y="1676402"/>
+            <a:ext cx="183936" cy="714239"/>
+          </a:xfrm>
+          <a:prstGeom prst="straightConnector1">
+            <a:avLst/>
+          </a:prstGeom>
+          <a:ln w="12700">
+            <a:solidFill>
+              <a:schemeClr val="tx1"/>
+            </a:solidFill>
+            <a:tailEnd type="triangle" w="lg" len="lg"/>
+          </a:ln>
+        </p:spPr>
+        <p:style>
+          <a:lnRef idx="1">
+            <a:schemeClr val="accent1"/>
+          </a:lnRef>
+          <a:fillRef idx="0">
+            <a:schemeClr val="accent1"/>
+          </a:fillRef>
+          <a:effectRef idx="0">
+            <a:schemeClr val="accent1"/>
+          </a:effectRef>
+          <a:fontRef idx="minor">
+            <a:schemeClr val="tx1"/>
+          </a:fontRef>
+        </p:style>
+      </p:cxnSp>
+    </p:spTree>
+    <p:extLst>
+      <p:ext uri="{BB962C8B-B14F-4D97-AF65-F5344CB8AC3E}">
+        <p14:creationId xmlns:p14="http://schemas.microsoft.com/office/powerpoint/2010/main" val="1887743390"/>
+      </p:ext>
+    </p:extLst>
+  </p:cSld>
+  <p:clrMapOvr>
+    <a:masterClrMapping/>
+  </p:clrMapOvr>
+  <p:timing>
+    <p:tnLst>
+      <p:par>
+        <p:cTn id="1" dur="indefinite" restart="never" nodeType="tmRoot"/>
+      </p:par>
+    </p:tnLst>
+  </p:timing>
+</p:sld>
+</file>
+
+<file path=ppt/slides/slide36.xml><?xml version="1.0" encoding="utf-8"?>
 <p:sld xmlns:a="http://schemas.openxmlformats.org/drawingml/2006/main" xmlns:r="http://schemas.openxmlformats.org/officeDocument/2006/relationships" xmlns:p="http://schemas.openxmlformats.org/presentationml/2006/main">
   <p:cSld>
     <p:spTree>
@@ -18851,7 +19699,7 @@
 </p:sld>
 </file>
 
-<file path=ppt/slides/slide36.xml><?xml version="1.0" encoding="utf-8"?>
+<file path=ppt/slides/slide37.xml><?xml version="1.0" encoding="utf-8"?>
 <p:sld xmlns:a="http://schemas.openxmlformats.org/drawingml/2006/main" xmlns:r="http://schemas.openxmlformats.org/officeDocument/2006/relationships" xmlns:p="http://schemas.openxmlformats.org/presentationml/2006/main">
   <p:cSld>
     <p:spTree>
@@ -19070,7 +19918,7 @@
 </p:sld>
 </file>
 
-<file path=ppt/slides/slide37.xml><?xml version="1.0" encoding="utf-8"?>
+<file path=ppt/slides/slide38.xml><?xml version="1.0" encoding="utf-8"?>
 <p:sld xmlns:a="http://schemas.openxmlformats.org/drawingml/2006/main" xmlns:r="http://schemas.openxmlformats.org/officeDocument/2006/relationships" xmlns:p="http://schemas.openxmlformats.org/presentationml/2006/main">
   <p:cSld>
     <p:spTree>
@@ -19295,7 +20143,7 @@
 </p:sld>
 </file>
 
-<file path=ppt/slides/slide38.xml><?xml version="1.0" encoding="utf-8"?>
+<file path=ppt/slides/slide39.xml><?xml version="1.0" encoding="utf-8"?>
 <p:sld xmlns:a="http://schemas.openxmlformats.org/drawingml/2006/main" xmlns:r="http://schemas.openxmlformats.org/officeDocument/2006/relationships" xmlns:p="http://schemas.openxmlformats.org/presentationml/2006/main">
   <p:cSld>
     <p:spTree>
@@ -19368,285 +20216,6 @@
   <p:clrMapOvr>
     <a:masterClrMapping/>
   </p:clrMapOvr>
-</p:sld>
-</file>
-
-<file path=ppt/slides/slide39.xml><?xml version="1.0" encoding="utf-8"?>
-<p:sld xmlns:a="http://schemas.openxmlformats.org/drawingml/2006/main" xmlns:r="http://schemas.openxmlformats.org/officeDocument/2006/relationships" xmlns:p="http://schemas.openxmlformats.org/presentationml/2006/main" show="0">
-  <p:cSld>
-    <p:spTree>
-      <p:nvGrpSpPr>
-        <p:cNvPr id="1" name=""/>
-        <p:cNvGrpSpPr/>
-        <p:nvPr/>
-      </p:nvGrpSpPr>
-      <p:grpSpPr>
-        <a:xfrm>
-          <a:off x="0" y="0"/>
-          <a:ext cx="0" cy="0"/>
-          <a:chOff x="0" y="0"/>
-          <a:chExt cx="0" cy="0"/>
-        </a:xfrm>
-      </p:grpSpPr>
-      <p:sp>
-        <p:nvSpPr>
-          <p:cNvPr id="4" name="Title 1"/>
-          <p:cNvSpPr>
-            <a:spLocks noGrp="1"/>
-          </p:cNvSpPr>
-          <p:nvPr>
-            <p:ph type="title"/>
-          </p:nvPr>
-        </p:nvSpPr>
-        <p:spPr>
-          <a:xfrm>
-            <a:off x="537029" y="211016"/>
-            <a:ext cx="10515600" cy="607332"/>
-          </a:xfrm>
-          <a:solidFill>
-            <a:srgbClr val="00B0F0"/>
-          </a:solidFill>
-        </p:spPr>
-        <p:txBody>
-          <a:bodyPr>
-            <a:normAutofit/>
-          </a:bodyPr>
-          <a:lstStyle/>
-          <a:p>
-            <a:pPr algn="ctr"/>
-            <a:r>
-              <a:rPr lang="en-US" sz="2000" b="1" dirty="0">
-                <a:latin typeface="Arial" panose="020B0604020202020204" pitchFamily="34" charset="0"/>
-                <a:cs typeface="Arial" panose="020B0604020202020204" pitchFamily="34" charset="0"/>
-              </a:rPr>
-              <a:t>References</a:t>
-            </a:r>
-          </a:p>
-        </p:txBody>
-      </p:sp>
-      <p:sp>
-        <p:nvSpPr>
-          <p:cNvPr id="6" name="Rectangle 5">
-            <a:extLst>
-              <a:ext uri="{FF2B5EF4-FFF2-40B4-BE49-F238E27FC236}">
-                <a16:creationId xmlns:a16="http://schemas.microsoft.com/office/drawing/2014/main" id="{AE20B0FD-02FE-44F3-B9DE-A8329DE27B72}"/>
-              </a:ext>
-            </a:extLst>
-          </p:cNvPr>
-          <p:cNvSpPr/>
-          <p:nvPr/>
-        </p:nvSpPr>
-        <p:spPr>
-          <a:xfrm>
-            <a:off x="537029" y="1068093"/>
-            <a:ext cx="10585061" cy="4979825"/>
-          </a:xfrm>
-          <a:prstGeom prst="rect">
-            <a:avLst/>
-          </a:prstGeom>
-        </p:spPr>
-        <p:txBody>
-          <a:bodyPr wrap="square">
-            <a:spAutoFit/>
-          </a:bodyPr>
-          <a:lstStyle/>
-          <a:p>
-            <a:pPr>
-              <a:lnSpc>
-                <a:spcPct val="115000"/>
-              </a:lnSpc>
-              <a:spcAft>
-                <a:spcPts val="800"/>
-              </a:spcAft>
-            </a:pPr>
-            <a:r>
-              <a:rPr lang="en-US" sz="1600" i="1" dirty="0">
-                <a:latin typeface="Arial" panose="020B0604020202020204" pitchFamily="34" charset="0"/>
-                <a:cs typeface="Arial" panose="020B0604020202020204" pitchFamily="34" charset="0"/>
-              </a:rPr>
-              <a:t>Cambridge University Press (2020).  Definition of lagging indicator. Cambridge Advanced Learner's Dictionary &amp; Thesaurus.</a:t>
-            </a:r>
-          </a:p>
-          <a:p>
-            <a:pPr>
-              <a:lnSpc>
-                <a:spcPct val="115000"/>
-              </a:lnSpc>
-              <a:spcAft>
-                <a:spcPts val="800"/>
-              </a:spcAft>
-            </a:pPr>
-            <a:endParaRPr lang="en-US" sz="1600" i="1" dirty="0">
-              <a:latin typeface="Arial" panose="020B0604020202020204" pitchFamily="34" charset="0"/>
-              <a:ea typeface="Calibri" panose="020F0502020204030204" pitchFamily="34" charset="0"/>
-              <a:cs typeface="Arial" panose="020B0604020202020204" pitchFamily="34" charset="0"/>
-            </a:endParaRPr>
-          </a:p>
-          <a:p>
-            <a:pPr>
-              <a:lnSpc>
-                <a:spcPct val="115000"/>
-              </a:lnSpc>
-              <a:spcAft>
-                <a:spcPts val="800"/>
-              </a:spcAft>
-            </a:pPr>
-            <a:r>
-              <a:rPr lang="en-US" sz="1600" i="1" dirty="0">
-                <a:latin typeface="Arial" panose="020B0604020202020204" pitchFamily="34" charset="0"/>
-                <a:ea typeface="Calibri" panose="020F0502020204030204" pitchFamily="34" charset="0"/>
-                <a:cs typeface="Arial" panose="020B0604020202020204" pitchFamily="34" charset="0"/>
-              </a:rPr>
-              <a:t>National Safety Council (2018, 2017).  Injury Facts. Retrieved from:  https://injuryfacts.nsc.org.</a:t>
-            </a:r>
-          </a:p>
-          <a:p>
-            <a:endParaRPr lang="en-US" sz="1600" i="1" dirty="0">
-              <a:latin typeface="Arial" panose="020B0604020202020204" pitchFamily="34" charset="0"/>
-              <a:cs typeface="Arial" panose="020B0604020202020204" pitchFamily="34" charset="0"/>
-            </a:endParaRPr>
-          </a:p>
-          <a:p>
-            <a:r>
-              <a:rPr lang="en-US" sz="1600" i="1" dirty="0">
-                <a:latin typeface="Arial" panose="020B0604020202020204" pitchFamily="34" charset="0"/>
-                <a:cs typeface="Arial" panose="020B0604020202020204" pitchFamily="34" charset="0"/>
-              </a:rPr>
-              <a:t>Occupational Safety and Health Administration (OSHA) (2001). Recording and Reporting Occupational Injuries and Illness, 29 C.F.R.§1904.7 Subpart C.    </a:t>
-            </a:r>
-          </a:p>
-          <a:p>
-            <a:endParaRPr lang="en-US" sz="1600" i="1" dirty="0">
-              <a:latin typeface="Arial" panose="020B0604020202020204" pitchFamily="34" charset="0"/>
-              <a:cs typeface="Arial" panose="020B0604020202020204" pitchFamily="34" charset="0"/>
-            </a:endParaRPr>
-          </a:p>
-          <a:p>
-            <a:endParaRPr lang="en-US" sz="1600" i="1" dirty="0">
-              <a:latin typeface="Arial" panose="020B0604020202020204" pitchFamily="34" charset="0"/>
-              <a:cs typeface="Arial" panose="020B0604020202020204" pitchFamily="34" charset="0"/>
-            </a:endParaRPr>
-          </a:p>
-          <a:p>
-            <a:r>
-              <a:rPr lang="en-US" sz="1600" i="1" dirty="0">
-                <a:latin typeface="Arial" panose="020B0604020202020204" pitchFamily="34" charset="0"/>
-                <a:cs typeface="Arial" panose="020B0604020202020204" pitchFamily="34" charset="0"/>
-              </a:rPr>
-              <a:t>U.S. Bureau of Labor Statistics (2016). Current Population Survey. Census of Fatal Occupational Injuries.</a:t>
-            </a:r>
-          </a:p>
-          <a:p>
-            <a:endParaRPr lang="en-US" sz="1600" dirty="0">
-              <a:latin typeface="Arial" panose="020B0604020202020204" pitchFamily="34" charset="0"/>
-              <a:cs typeface="Arial" panose="020B0604020202020204" pitchFamily="34" charset="0"/>
-            </a:endParaRPr>
-          </a:p>
-          <a:p>
-            <a:endParaRPr lang="en-US" sz="1600" i="1" dirty="0">
-              <a:latin typeface="Arial" panose="020B0604020202020204" pitchFamily="34" charset="0"/>
-              <a:cs typeface="Arial" panose="020B0604020202020204" pitchFamily="34" charset="0"/>
-            </a:endParaRPr>
-          </a:p>
-          <a:p>
-            <a:r>
-              <a:rPr lang="en-US" sz="1600" i="1" dirty="0">
-                <a:latin typeface="Arial" panose="020B0604020202020204" pitchFamily="34" charset="0"/>
-                <a:cs typeface="Arial" panose="020B0604020202020204" pitchFamily="34" charset="0"/>
-              </a:rPr>
-              <a:t>U.S. Bureau of Labor Statistics (2020). Copyrights, publications, licensing and data protection</a:t>
-            </a:r>
-            <a:r>
-              <a:rPr lang="en-US" sz="1600" b="1" dirty="0">
-                <a:latin typeface="Arial" panose="020B0604020202020204" pitchFamily="34" charset="0"/>
-                <a:cs typeface="Arial" panose="020B0604020202020204" pitchFamily="34" charset="0"/>
-              </a:rPr>
-              <a:t>. </a:t>
-            </a:r>
-            <a:r>
-              <a:rPr lang="en-US" sz="1600" dirty="0">
-                <a:latin typeface="Arial" panose="020B0604020202020204" pitchFamily="34" charset="0"/>
-                <a:cs typeface="Arial" panose="020B0604020202020204" pitchFamily="34" charset="0"/>
-                <a:hlinkClick r:id="rId2">
-                  <a:extLst>
-                    <a:ext uri="{A12FA001-AC4F-418D-AE19-62706E023703}">
-                      <ahyp:hlinkClr xmlns="" xmlns:ahyp="http://schemas.microsoft.com/office/drawing/2018/hyperlinkcolor" val="tx"/>
-                    </a:ext>
-                  </a:extLst>
-                </a:hlinkClick>
-              </a:rPr>
-              <a:t>https://www.bls.gov/opub</a:t>
-            </a:r>
-          </a:p>
-          <a:p>
-            <a:endParaRPr lang="en-US" sz="1600" i="1" dirty="0">
-              <a:latin typeface="Arial" panose="020B0604020202020204" pitchFamily="34" charset="0"/>
-              <a:cs typeface="Arial" panose="020B0604020202020204" pitchFamily="34" charset="0"/>
-            </a:endParaRPr>
-          </a:p>
-          <a:p>
-            <a:endParaRPr lang="en-US" sz="1600" i="1" dirty="0">
-              <a:latin typeface="Arial" panose="020B0604020202020204" pitchFamily="34" charset="0"/>
-              <a:cs typeface="Arial" panose="020B0604020202020204" pitchFamily="34" charset="0"/>
-            </a:endParaRPr>
-          </a:p>
-          <a:p>
-            <a:r>
-              <a:rPr lang="en-US" sz="1600" i="1" dirty="0">
-                <a:latin typeface="Arial" panose="020B0604020202020204" pitchFamily="34" charset="0"/>
-                <a:cs typeface="Arial" panose="020B0604020202020204" pitchFamily="34" charset="0"/>
-              </a:rPr>
-              <a:t>U.S. Bureau of Labor Statistics (2020). Multi-screen data search for Injuries, Illnesses and Fatalities Data from 2011-2018. </a:t>
-            </a:r>
-            <a:r>
-              <a:rPr lang="en-US" sz="1600" dirty="0">
-                <a:latin typeface="Arial" panose="020B0604020202020204" pitchFamily="34" charset="0"/>
-                <a:cs typeface="Arial" panose="020B0604020202020204" pitchFamily="34" charset="0"/>
-                <a:hlinkClick r:id="rId3">
-                  <a:extLst>
-                    <a:ext uri="{A12FA001-AC4F-418D-AE19-62706E023703}">
-                      <ahyp:hlinkClr xmlns="" xmlns:ahyp="http://schemas.microsoft.com/office/drawing/2018/hyperlinkcolor" val="tx"/>
-                    </a:ext>
-                  </a:extLst>
-                </a:hlinkClick>
-              </a:rPr>
-              <a:t>https://www.bls.gov/iif/data.htm</a:t>
-            </a:r>
-            <a:r>
-              <a:rPr lang="en-US" sz="1600" dirty="0">
-                <a:latin typeface="Arial" panose="020B0604020202020204" pitchFamily="34" charset="0"/>
-                <a:cs typeface="Arial" panose="020B0604020202020204" pitchFamily="34" charset="0"/>
-              </a:rPr>
-              <a:t> </a:t>
-            </a:r>
-          </a:p>
-        </p:txBody>
-      </p:sp>
-    </p:spTree>
-    <p:extLst>
-      <p:ext uri="{BB962C8B-B14F-4D97-AF65-F5344CB8AC3E}">
-        <p14:creationId xmlns:p14="http://schemas.microsoft.com/office/powerpoint/2010/main" val="3807424168"/>
-      </p:ext>
-    </p:extLst>
-  </p:cSld>
-  <p:clrMapOvr>
-    <a:masterClrMapping/>
-  </p:clrMapOvr>
-  <mc:AlternateContent xmlns:mc="http://schemas.openxmlformats.org/markup-compatibility/2006" xmlns:p14="http://schemas.microsoft.com/office/powerpoint/2010/main">
-    <mc:Choice Requires="p14">
-      <p:transition spd="slow" p14:dur="2000"/>
-    </mc:Choice>
-    <mc:Fallback xmlns="">
-      <p:transition spd="slow"/>
-    </mc:Fallback>
-  </mc:AlternateContent>
-  <p:timing>
-    <p:tnLst>
-      <p:par>
-        <p:cTn id="1" dur="indefinite" restart="never" nodeType="tmRoot"/>
-      </p:par>
-    </p:tnLst>
-  </p:timing>
 </p:sld>
 </file>
 
@@ -20575,210 +21144,7 @@
       </p:grpSpPr>
       <p:sp>
         <p:nvSpPr>
-          <p:cNvPr id="4" name="Rectangle 3"/>
-          <p:cNvSpPr/>
-          <p:nvPr/>
-        </p:nvSpPr>
-        <p:spPr>
-          <a:xfrm>
-            <a:off x="573261" y="363305"/>
-            <a:ext cx="11267286" cy="2210990"/>
-          </a:xfrm>
-          <a:prstGeom prst="rect">
-            <a:avLst/>
-          </a:prstGeom>
-        </p:spPr>
-        <p:txBody>
-          <a:bodyPr wrap="square">
-            <a:spAutoFit/>
-          </a:bodyPr>
-          <a:lstStyle/>
-          <a:p>
-            <a:pPr algn="ctr">
-              <a:lnSpc>
-                <a:spcPct val="115000"/>
-              </a:lnSpc>
-              <a:spcAft>
-                <a:spcPts val="1000"/>
-              </a:spcAft>
-            </a:pPr>
-            <a:r>
-              <a:rPr lang="en-US" sz="2400" dirty="0">
-                <a:solidFill>
-                  <a:srgbClr val="000000"/>
-                </a:solidFill>
-                <a:latin typeface="Arial" panose="020B0604020202020204" pitchFamily="34" charset="0"/>
-                <a:ea typeface="Times New Roman" panose="02020603050405020304" pitchFamily="18" charset="0"/>
-                <a:cs typeface="Arial" panose="020B0604020202020204" pitchFamily="34" charset="0"/>
-              </a:rPr>
-              <a:t>Figures</a:t>
-            </a:r>
-            <a:endParaRPr lang="en-US" sz="2400" dirty="0">
-              <a:latin typeface="Arial" panose="020B0604020202020204" pitchFamily="34" charset="0"/>
-              <a:ea typeface="Calibri" panose="020F0502020204030204" pitchFamily="34" charset="0"/>
-              <a:cs typeface="Arial" panose="020B0604020202020204" pitchFamily="34" charset="0"/>
-            </a:endParaRPr>
-          </a:p>
-          <a:p>
-            <a:pPr marL="457200" marR="0" indent="-457200">
-              <a:lnSpc>
-                <a:spcPct val="115000"/>
-              </a:lnSpc>
-              <a:spcBef>
-                <a:spcPts val="0"/>
-              </a:spcBef>
-              <a:spcAft>
-                <a:spcPts val="0"/>
-              </a:spcAft>
-            </a:pPr>
-            <a:endParaRPr lang="en-US" i="1" dirty="0">
-              <a:solidFill>
-                <a:srgbClr val="000000"/>
-              </a:solidFill>
-              <a:latin typeface="Arial" panose="020B0604020202020204" pitchFamily="34" charset="0"/>
-              <a:ea typeface="Times New Roman" panose="02020603050405020304" pitchFamily="18" charset="0"/>
-              <a:cs typeface="Arial" panose="020B0604020202020204" pitchFamily="34" charset="0"/>
-            </a:endParaRPr>
-          </a:p>
-          <a:p>
-            <a:pPr marL="457200" marR="0" indent="-457200">
-              <a:lnSpc>
-                <a:spcPct val="115000"/>
-              </a:lnSpc>
-              <a:spcBef>
-                <a:spcPts val="0"/>
-              </a:spcBef>
-              <a:spcAft>
-                <a:spcPts val="0"/>
-              </a:spcAft>
-            </a:pPr>
-            <a:r>
-              <a:rPr lang="en-US" i="1" dirty="0">
-                <a:solidFill>
-                  <a:srgbClr val="000000"/>
-                </a:solidFill>
-                <a:latin typeface="Arial" panose="020B0604020202020204" pitchFamily="34" charset="0"/>
-                <a:ea typeface="Times New Roman" panose="02020603050405020304" pitchFamily="18" charset="0"/>
-                <a:cs typeface="Arial" panose="020B0604020202020204" pitchFamily="34" charset="0"/>
-              </a:rPr>
-              <a:t>Figure 1</a:t>
-            </a:r>
-            <a:r>
-              <a:rPr lang="en-US" dirty="0">
-                <a:solidFill>
-                  <a:srgbClr val="000000"/>
-                </a:solidFill>
-                <a:latin typeface="Arial" panose="020B0604020202020204" pitchFamily="34" charset="0"/>
-                <a:ea typeface="Times New Roman" panose="02020603050405020304" pitchFamily="18" charset="0"/>
-                <a:cs typeface="Arial" panose="020B0604020202020204" pitchFamily="34" charset="0"/>
-              </a:rPr>
-              <a:t>:	  </a:t>
-            </a:r>
-            <a:r>
-              <a:rPr lang="en-US" altLang="en-US" dirty="0">
-                <a:latin typeface="Arial" panose="020B0604020202020204" pitchFamily="34" charset="0"/>
-                <a:cs typeface="Arial" panose="020B0604020202020204" pitchFamily="34" charset="0"/>
-              </a:rPr>
-              <a:t>Graphical Representation of Hypothesis</a:t>
-            </a:r>
-            <a:r>
-              <a:rPr lang="en-US" dirty="0">
-                <a:latin typeface="Arial" panose="020B0604020202020204" pitchFamily="34" charset="0"/>
-                <a:cs typeface="Arial" panose="020B0604020202020204" pitchFamily="34" charset="0"/>
-              </a:rPr>
-              <a:t>.  </a:t>
-            </a:r>
-          </a:p>
-          <a:p>
-            <a:pPr marL="457200" marR="0" indent="-457200">
-              <a:lnSpc>
-                <a:spcPct val="115000"/>
-              </a:lnSpc>
-              <a:spcBef>
-                <a:spcPts val="0"/>
-              </a:spcBef>
-              <a:spcAft>
-                <a:spcPts val="0"/>
-              </a:spcAft>
-            </a:pPr>
-            <a:endParaRPr lang="en-US" dirty="0">
-              <a:latin typeface="Arial" panose="020B0604020202020204" pitchFamily="34" charset="0"/>
-              <a:ea typeface="Calibri" panose="020F0502020204030204" pitchFamily="34" charset="0"/>
-              <a:cs typeface="Arial" panose="020B0604020202020204" pitchFamily="34" charset="0"/>
-            </a:endParaRPr>
-          </a:p>
-          <a:p>
-            <a:pPr marL="457200" indent="-457200">
-              <a:lnSpc>
-                <a:spcPct val="115000"/>
-              </a:lnSpc>
-            </a:pPr>
-            <a:r>
-              <a:rPr lang="en-US" i="1" dirty="0">
-                <a:solidFill>
-                  <a:srgbClr val="000000"/>
-                </a:solidFill>
-                <a:latin typeface="Arial" panose="020B0604020202020204" pitchFamily="34" charset="0"/>
-                <a:ea typeface="Times New Roman" panose="02020603050405020304" pitchFamily="18" charset="0"/>
-                <a:cs typeface="Arial" panose="020B0604020202020204" pitchFamily="34" charset="0"/>
-              </a:rPr>
-              <a:t>Figure 2</a:t>
-            </a:r>
-            <a:r>
-              <a:rPr lang="en-US" dirty="0">
-                <a:solidFill>
-                  <a:srgbClr val="000000"/>
-                </a:solidFill>
-                <a:latin typeface="Arial" panose="020B0604020202020204" pitchFamily="34" charset="0"/>
-                <a:ea typeface="Times New Roman" panose="02020603050405020304" pitchFamily="18" charset="0"/>
-                <a:cs typeface="Arial" panose="020B0604020202020204" pitchFamily="34" charset="0"/>
-              </a:rPr>
-              <a:t>:	  </a:t>
-            </a:r>
-            <a:r>
-              <a:rPr lang="en-US" altLang="en-US" dirty="0">
-                <a:latin typeface="Arial" panose="020B0604020202020204" pitchFamily="34" charset="0"/>
-                <a:cs typeface="Arial" panose="020B0604020202020204" pitchFamily="34" charset="0"/>
-              </a:rPr>
-              <a:t>Risk Perception Model</a:t>
-            </a:r>
-            <a:r>
-              <a:rPr lang="en-US" dirty="0">
-                <a:latin typeface="Arial" panose="020B0604020202020204" pitchFamily="34" charset="0"/>
-                <a:cs typeface="Arial" panose="020B0604020202020204" pitchFamily="34" charset="0"/>
-              </a:rPr>
-              <a:t>.  </a:t>
-            </a:r>
-          </a:p>
-          <a:p>
-            <a:pPr marL="457200" marR="0" indent="-457200">
-              <a:lnSpc>
-                <a:spcPct val="115000"/>
-              </a:lnSpc>
-              <a:spcBef>
-                <a:spcPts val="0"/>
-              </a:spcBef>
-              <a:spcAft>
-                <a:spcPts val="0"/>
-              </a:spcAft>
-            </a:pPr>
-            <a:endParaRPr lang="en-US" dirty="0">
-              <a:latin typeface="Arial" panose="020B0604020202020204" pitchFamily="34" charset="0"/>
-              <a:ea typeface="Calibri" panose="020F0502020204030204" pitchFamily="34" charset="0"/>
-              <a:cs typeface="Arial" panose="020B0604020202020204" pitchFamily="34" charset="0"/>
-            </a:endParaRPr>
-          </a:p>
-        </p:txBody>
-      </p:sp>
-      <p:sp>
-        <p:nvSpPr>
-          <p:cNvPr id="3" name="Title 1">
-            <a:extLst>
-              <a:ext uri="{FF2B5EF4-FFF2-40B4-BE49-F238E27FC236}">
-                <a16:creationId xmlns:a16="http://schemas.microsoft.com/office/drawing/2014/main" id="{942CE3BE-8410-45DD-8AF3-F24C306F8F52}"/>
-              </a:ext>
-            </a:extLst>
-          </p:cNvPr>
+          <p:cNvPr id="4" name="Title 1"/>
           <p:cNvSpPr>
             <a:spLocks noGrp="1"/>
           </p:cNvSpPr>
@@ -20807,7 +21173,205 @@
                 <a:latin typeface="Arial" panose="020B0604020202020204" pitchFamily="34" charset="0"/>
                 <a:cs typeface="Arial" panose="020B0604020202020204" pitchFamily="34" charset="0"/>
               </a:rPr>
-              <a:t>Figures</a:t>
+              <a:t>References</a:t>
+            </a:r>
+          </a:p>
+        </p:txBody>
+      </p:sp>
+      <p:sp>
+        <p:nvSpPr>
+          <p:cNvPr id="6" name="Rectangle 5">
+            <a:extLst>
+              <a:ext uri="{FF2B5EF4-FFF2-40B4-BE49-F238E27FC236}">
+                <a16:creationId xmlns:a16="http://schemas.microsoft.com/office/drawing/2014/main" id="{AE20B0FD-02FE-44F3-B9DE-A8329DE27B72}"/>
+              </a:ext>
+            </a:extLst>
+          </p:cNvPr>
+          <p:cNvSpPr/>
+          <p:nvPr/>
+        </p:nvSpPr>
+        <p:spPr>
+          <a:xfrm>
+            <a:off x="537029" y="1068093"/>
+            <a:ext cx="10585061" cy="4979825"/>
+          </a:xfrm>
+          <a:prstGeom prst="rect">
+            <a:avLst/>
+          </a:prstGeom>
+        </p:spPr>
+        <p:txBody>
+          <a:bodyPr wrap="square">
+            <a:spAutoFit/>
+          </a:bodyPr>
+          <a:lstStyle/>
+          <a:p>
+            <a:pPr>
+              <a:lnSpc>
+                <a:spcPct val="115000"/>
+              </a:lnSpc>
+              <a:spcAft>
+                <a:spcPts val="800"/>
+              </a:spcAft>
+            </a:pPr>
+            <a:r>
+              <a:rPr lang="en-US" sz="1600" i="1" dirty="0">
+                <a:latin typeface="Arial" panose="020B0604020202020204" pitchFamily="34" charset="0"/>
+                <a:cs typeface="Arial" panose="020B0604020202020204" pitchFamily="34" charset="0"/>
+              </a:rPr>
+              <a:t>Cambridge University Press (2020).  Definition of lagging indicator. Cambridge Advanced Learner's Dictionary &amp; Thesaurus.</a:t>
+            </a:r>
+          </a:p>
+          <a:p>
+            <a:pPr>
+              <a:lnSpc>
+                <a:spcPct val="115000"/>
+              </a:lnSpc>
+              <a:spcAft>
+                <a:spcPts val="800"/>
+              </a:spcAft>
+            </a:pPr>
+            <a:endParaRPr lang="en-US" sz="1600" i="1" dirty="0">
+              <a:latin typeface="Arial" panose="020B0604020202020204" pitchFamily="34" charset="0"/>
+              <a:ea typeface="Calibri" panose="020F0502020204030204" pitchFamily="34" charset="0"/>
+              <a:cs typeface="Arial" panose="020B0604020202020204" pitchFamily="34" charset="0"/>
+            </a:endParaRPr>
+          </a:p>
+          <a:p>
+            <a:pPr>
+              <a:lnSpc>
+                <a:spcPct val="115000"/>
+              </a:lnSpc>
+              <a:spcAft>
+                <a:spcPts val="800"/>
+              </a:spcAft>
+            </a:pPr>
+            <a:r>
+              <a:rPr lang="en-US" sz="1600" i="1" dirty="0">
+                <a:latin typeface="Arial" panose="020B0604020202020204" pitchFamily="34" charset="0"/>
+                <a:ea typeface="Calibri" panose="020F0502020204030204" pitchFamily="34" charset="0"/>
+                <a:cs typeface="Arial" panose="020B0604020202020204" pitchFamily="34" charset="0"/>
+              </a:rPr>
+              <a:t>National Safety Council (2018, 2017).  Injury Facts. Retrieved from:  https://injuryfacts.nsc.org.</a:t>
+            </a:r>
+          </a:p>
+          <a:p>
+            <a:endParaRPr lang="en-US" sz="1600" i="1" dirty="0">
+              <a:latin typeface="Arial" panose="020B0604020202020204" pitchFamily="34" charset="0"/>
+              <a:cs typeface="Arial" panose="020B0604020202020204" pitchFamily="34" charset="0"/>
+            </a:endParaRPr>
+          </a:p>
+          <a:p>
+            <a:r>
+              <a:rPr lang="en-US" sz="1600" i="1" dirty="0">
+                <a:latin typeface="Arial" panose="020B0604020202020204" pitchFamily="34" charset="0"/>
+                <a:cs typeface="Arial" panose="020B0604020202020204" pitchFamily="34" charset="0"/>
+              </a:rPr>
+              <a:t>Occupational Safety and Health Administration (OSHA) (2001). Recording and Reporting Occupational Injuries and Illness, 29 C.F.R.§1904.7 Subpart C.    </a:t>
+            </a:r>
+          </a:p>
+          <a:p>
+            <a:endParaRPr lang="en-US" sz="1600" i="1" dirty="0">
+              <a:latin typeface="Arial" panose="020B0604020202020204" pitchFamily="34" charset="0"/>
+              <a:cs typeface="Arial" panose="020B0604020202020204" pitchFamily="34" charset="0"/>
+            </a:endParaRPr>
+          </a:p>
+          <a:p>
+            <a:endParaRPr lang="en-US" sz="1600" i="1" dirty="0">
+              <a:latin typeface="Arial" panose="020B0604020202020204" pitchFamily="34" charset="0"/>
+              <a:cs typeface="Arial" panose="020B0604020202020204" pitchFamily="34" charset="0"/>
+            </a:endParaRPr>
+          </a:p>
+          <a:p>
+            <a:r>
+              <a:rPr lang="en-US" sz="1600" i="1" dirty="0">
+                <a:latin typeface="Arial" panose="020B0604020202020204" pitchFamily="34" charset="0"/>
+                <a:cs typeface="Arial" panose="020B0604020202020204" pitchFamily="34" charset="0"/>
+              </a:rPr>
+              <a:t>U.S. Bureau of Labor Statistics (2016). Current Population Survey. Census of Fatal Occupational Injuries.</a:t>
+            </a:r>
+          </a:p>
+          <a:p>
+            <a:endParaRPr lang="en-US" sz="1600" dirty="0">
+              <a:latin typeface="Arial" panose="020B0604020202020204" pitchFamily="34" charset="0"/>
+              <a:cs typeface="Arial" panose="020B0604020202020204" pitchFamily="34" charset="0"/>
+            </a:endParaRPr>
+          </a:p>
+          <a:p>
+            <a:endParaRPr lang="en-US" sz="1600" i="1" dirty="0">
+              <a:latin typeface="Arial" panose="020B0604020202020204" pitchFamily="34" charset="0"/>
+              <a:cs typeface="Arial" panose="020B0604020202020204" pitchFamily="34" charset="0"/>
+            </a:endParaRPr>
+          </a:p>
+          <a:p>
+            <a:r>
+              <a:rPr lang="en-US" sz="1600" i="1" dirty="0">
+                <a:latin typeface="Arial" panose="020B0604020202020204" pitchFamily="34" charset="0"/>
+                <a:cs typeface="Arial" panose="020B0604020202020204" pitchFamily="34" charset="0"/>
+              </a:rPr>
+              <a:t>U.S. Bureau of Labor Statistics (2020). Copyrights, publications, licensing and data protection</a:t>
+            </a:r>
+            <a:r>
+              <a:rPr lang="en-US" sz="1600" b="1" dirty="0">
+                <a:latin typeface="Arial" panose="020B0604020202020204" pitchFamily="34" charset="0"/>
+                <a:cs typeface="Arial" panose="020B0604020202020204" pitchFamily="34" charset="0"/>
+              </a:rPr>
+              <a:t>. </a:t>
+            </a:r>
+            <a:r>
+              <a:rPr lang="en-US" sz="1600" dirty="0">
+                <a:latin typeface="Arial" panose="020B0604020202020204" pitchFamily="34" charset="0"/>
+                <a:cs typeface="Arial" panose="020B0604020202020204" pitchFamily="34" charset="0"/>
+                <a:hlinkClick r:id="rId2">
+                  <a:extLst>
+                    <a:ext uri="{A12FA001-AC4F-418D-AE19-62706E023703}">
+                      <ahyp:hlinkClr xmlns="" xmlns:ahyp="http://schemas.microsoft.com/office/drawing/2018/hyperlinkcolor" val="tx"/>
+                    </a:ext>
+                  </a:extLst>
+                </a:hlinkClick>
+              </a:rPr>
+              <a:t>https://www.bls.gov/opub</a:t>
+            </a:r>
+          </a:p>
+          <a:p>
+            <a:endParaRPr lang="en-US" sz="1600" i="1" dirty="0">
+              <a:latin typeface="Arial" panose="020B0604020202020204" pitchFamily="34" charset="0"/>
+              <a:cs typeface="Arial" panose="020B0604020202020204" pitchFamily="34" charset="0"/>
+            </a:endParaRPr>
+          </a:p>
+          <a:p>
+            <a:endParaRPr lang="en-US" sz="1600" i="1" dirty="0">
+              <a:latin typeface="Arial" panose="020B0604020202020204" pitchFamily="34" charset="0"/>
+              <a:cs typeface="Arial" panose="020B0604020202020204" pitchFamily="34" charset="0"/>
+            </a:endParaRPr>
+          </a:p>
+          <a:p>
+            <a:r>
+              <a:rPr lang="en-US" sz="1600" i="1" dirty="0">
+                <a:latin typeface="Arial" panose="020B0604020202020204" pitchFamily="34" charset="0"/>
+                <a:cs typeface="Arial" panose="020B0604020202020204" pitchFamily="34" charset="0"/>
+              </a:rPr>
+              <a:t>U.S. Bureau of Labor Statistics (2020). Multi-screen data search for Injuries, Illnesses and Fatalities Data from 2011-2018. </a:t>
+            </a:r>
+            <a:r>
+              <a:rPr lang="en-US" sz="1600" dirty="0">
+                <a:latin typeface="Arial" panose="020B0604020202020204" pitchFamily="34" charset="0"/>
+                <a:cs typeface="Arial" panose="020B0604020202020204" pitchFamily="34" charset="0"/>
+                <a:hlinkClick r:id="rId3">
+                  <a:extLst>
+                    <a:ext uri="{A12FA001-AC4F-418D-AE19-62706E023703}">
+                      <ahyp:hlinkClr xmlns="" xmlns:ahyp="http://schemas.microsoft.com/office/drawing/2018/hyperlinkcolor" val="tx"/>
+                    </a:ext>
+                  </a:extLst>
+                </a:hlinkClick>
+              </a:rPr>
+              <a:t>https://www.bls.gov/iif/data.htm</a:t>
+            </a:r>
+            <a:r>
+              <a:rPr lang="en-US" sz="1600" dirty="0">
+                <a:latin typeface="Arial" panose="020B0604020202020204" pitchFamily="34" charset="0"/>
+                <a:cs typeface="Arial" panose="020B0604020202020204" pitchFamily="34" charset="0"/>
+              </a:rPr>
+              <a:t> </a:t>
             </a:r>
           </a:p>
         </p:txBody>
@@ -20815,7 +21379,7 @@
     </p:spTree>
     <p:extLst>
       <p:ext uri="{BB962C8B-B14F-4D97-AF65-F5344CB8AC3E}">
-        <p14:creationId xmlns:p14="http://schemas.microsoft.com/office/powerpoint/2010/main" val="3662038059"/>
+        <p14:creationId xmlns:p14="http://schemas.microsoft.com/office/powerpoint/2010/main" val="3807424168"/>
       </p:ext>
     </p:extLst>
   </p:cSld>
@@ -20859,6 +21423,290 @@
       </p:grpSpPr>
       <p:sp>
         <p:nvSpPr>
+          <p:cNvPr id="4" name="Rectangle 3"/>
+          <p:cNvSpPr/>
+          <p:nvPr/>
+        </p:nvSpPr>
+        <p:spPr>
+          <a:xfrm>
+            <a:off x="573261" y="363305"/>
+            <a:ext cx="11267286" cy="2210990"/>
+          </a:xfrm>
+          <a:prstGeom prst="rect">
+            <a:avLst/>
+          </a:prstGeom>
+        </p:spPr>
+        <p:txBody>
+          <a:bodyPr wrap="square">
+            <a:spAutoFit/>
+          </a:bodyPr>
+          <a:lstStyle/>
+          <a:p>
+            <a:pPr algn="ctr">
+              <a:lnSpc>
+                <a:spcPct val="115000"/>
+              </a:lnSpc>
+              <a:spcAft>
+                <a:spcPts val="1000"/>
+              </a:spcAft>
+            </a:pPr>
+            <a:r>
+              <a:rPr lang="en-US" sz="2400" dirty="0">
+                <a:solidFill>
+                  <a:srgbClr val="000000"/>
+                </a:solidFill>
+                <a:latin typeface="Arial" panose="020B0604020202020204" pitchFamily="34" charset="0"/>
+                <a:ea typeface="Times New Roman" panose="02020603050405020304" pitchFamily="18" charset="0"/>
+                <a:cs typeface="Arial" panose="020B0604020202020204" pitchFamily="34" charset="0"/>
+              </a:rPr>
+              <a:t>Figures</a:t>
+            </a:r>
+            <a:endParaRPr lang="en-US" sz="2400" dirty="0">
+              <a:latin typeface="Arial" panose="020B0604020202020204" pitchFamily="34" charset="0"/>
+              <a:ea typeface="Calibri" panose="020F0502020204030204" pitchFamily="34" charset="0"/>
+              <a:cs typeface="Arial" panose="020B0604020202020204" pitchFamily="34" charset="0"/>
+            </a:endParaRPr>
+          </a:p>
+          <a:p>
+            <a:pPr marL="457200" marR="0" indent="-457200">
+              <a:lnSpc>
+                <a:spcPct val="115000"/>
+              </a:lnSpc>
+              <a:spcBef>
+                <a:spcPts val="0"/>
+              </a:spcBef>
+              <a:spcAft>
+                <a:spcPts val="0"/>
+              </a:spcAft>
+            </a:pPr>
+            <a:endParaRPr lang="en-US" i="1" dirty="0">
+              <a:solidFill>
+                <a:srgbClr val="000000"/>
+              </a:solidFill>
+              <a:latin typeface="Arial" panose="020B0604020202020204" pitchFamily="34" charset="0"/>
+              <a:ea typeface="Times New Roman" panose="02020603050405020304" pitchFamily="18" charset="0"/>
+              <a:cs typeface="Arial" panose="020B0604020202020204" pitchFamily="34" charset="0"/>
+            </a:endParaRPr>
+          </a:p>
+          <a:p>
+            <a:pPr marL="457200" marR="0" indent="-457200">
+              <a:lnSpc>
+                <a:spcPct val="115000"/>
+              </a:lnSpc>
+              <a:spcBef>
+                <a:spcPts val="0"/>
+              </a:spcBef>
+              <a:spcAft>
+                <a:spcPts val="0"/>
+              </a:spcAft>
+            </a:pPr>
+            <a:r>
+              <a:rPr lang="en-US" i="1" dirty="0">
+                <a:solidFill>
+                  <a:srgbClr val="000000"/>
+                </a:solidFill>
+                <a:latin typeface="Arial" panose="020B0604020202020204" pitchFamily="34" charset="0"/>
+                <a:ea typeface="Times New Roman" panose="02020603050405020304" pitchFamily="18" charset="0"/>
+                <a:cs typeface="Arial" panose="020B0604020202020204" pitchFamily="34" charset="0"/>
+              </a:rPr>
+              <a:t>Figure 1</a:t>
+            </a:r>
+            <a:r>
+              <a:rPr lang="en-US" dirty="0">
+                <a:solidFill>
+                  <a:srgbClr val="000000"/>
+                </a:solidFill>
+                <a:latin typeface="Arial" panose="020B0604020202020204" pitchFamily="34" charset="0"/>
+                <a:ea typeface="Times New Roman" panose="02020603050405020304" pitchFamily="18" charset="0"/>
+                <a:cs typeface="Arial" panose="020B0604020202020204" pitchFamily="34" charset="0"/>
+              </a:rPr>
+              <a:t>:	  </a:t>
+            </a:r>
+            <a:r>
+              <a:rPr lang="en-US" altLang="en-US" dirty="0">
+                <a:latin typeface="Arial" panose="020B0604020202020204" pitchFamily="34" charset="0"/>
+                <a:cs typeface="Arial" panose="020B0604020202020204" pitchFamily="34" charset="0"/>
+              </a:rPr>
+              <a:t>Graphical Representation of Hypothesis</a:t>
+            </a:r>
+            <a:r>
+              <a:rPr lang="en-US" dirty="0">
+                <a:latin typeface="Arial" panose="020B0604020202020204" pitchFamily="34" charset="0"/>
+                <a:cs typeface="Arial" panose="020B0604020202020204" pitchFamily="34" charset="0"/>
+              </a:rPr>
+              <a:t>.  </a:t>
+            </a:r>
+          </a:p>
+          <a:p>
+            <a:pPr marL="457200" marR="0" indent="-457200">
+              <a:lnSpc>
+                <a:spcPct val="115000"/>
+              </a:lnSpc>
+              <a:spcBef>
+                <a:spcPts val="0"/>
+              </a:spcBef>
+              <a:spcAft>
+                <a:spcPts val="0"/>
+              </a:spcAft>
+            </a:pPr>
+            <a:endParaRPr lang="en-US" dirty="0">
+              <a:latin typeface="Arial" panose="020B0604020202020204" pitchFamily="34" charset="0"/>
+              <a:ea typeface="Calibri" panose="020F0502020204030204" pitchFamily="34" charset="0"/>
+              <a:cs typeface="Arial" panose="020B0604020202020204" pitchFamily="34" charset="0"/>
+            </a:endParaRPr>
+          </a:p>
+          <a:p>
+            <a:pPr marL="457200" indent="-457200">
+              <a:lnSpc>
+                <a:spcPct val="115000"/>
+              </a:lnSpc>
+            </a:pPr>
+            <a:r>
+              <a:rPr lang="en-US" i="1" dirty="0">
+                <a:solidFill>
+                  <a:srgbClr val="000000"/>
+                </a:solidFill>
+                <a:latin typeface="Arial" panose="020B0604020202020204" pitchFamily="34" charset="0"/>
+                <a:ea typeface="Times New Roman" panose="02020603050405020304" pitchFamily="18" charset="0"/>
+                <a:cs typeface="Arial" panose="020B0604020202020204" pitchFamily="34" charset="0"/>
+              </a:rPr>
+              <a:t>Figure 2</a:t>
+            </a:r>
+            <a:r>
+              <a:rPr lang="en-US" dirty="0">
+                <a:solidFill>
+                  <a:srgbClr val="000000"/>
+                </a:solidFill>
+                <a:latin typeface="Arial" panose="020B0604020202020204" pitchFamily="34" charset="0"/>
+                <a:ea typeface="Times New Roman" panose="02020603050405020304" pitchFamily="18" charset="0"/>
+                <a:cs typeface="Arial" panose="020B0604020202020204" pitchFamily="34" charset="0"/>
+              </a:rPr>
+              <a:t>:	  </a:t>
+            </a:r>
+            <a:r>
+              <a:rPr lang="en-US" altLang="en-US" dirty="0">
+                <a:latin typeface="Arial" panose="020B0604020202020204" pitchFamily="34" charset="0"/>
+                <a:cs typeface="Arial" panose="020B0604020202020204" pitchFamily="34" charset="0"/>
+              </a:rPr>
+              <a:t>Risk Perception Model</a:t>
+            </a:r>
+            <a:r>
+              <a:rPr lang="en-US" dirty="0">
+                <a:latin typeface="Arial" panose="020B0604020202020204" pitchFamily="34" charset="0"/>
+                <a:cs typeface="Arial" panose="020B0604020202020204" pitchFamily="34" charset="0"/>
+              </a:rPr>
+              <a:t>.  </a:t>
+            </a:r>
+          </a:p>
+          <a:p>
+            <a:pPr marL="457200" marR="0" indent="-457200">
+              <a:lnSpc>
+                <a:spcPct val="115000"/>
+              </a:lnSpc>
+              <a:spcBef>
+                <a:spcPts val="0"/>
+              </a:spcBef>
+              <a:spcAft>
+                <a:spcPts val="0"/>
+              </a:spcAft>
+            </a:pPr>
+            <a:endParaRPr lang="en-US" dirty="0">
+              <a:latin typeface="Arial" panose="020B0604020202020204" pitchFamily="34" charset="0"/>
+              <a:ea typeface="Calibri" panose="020F0502020204030204" pitchFamily="34" charset="0"/>
+              <a:cs typeface="Arial" panose="020B0604020202020204" pitchFamily="34" charset="0"/>
+            </a:endParaRPr>
+          </a:p>
+        </p:txBody>
+      </p:sp>
+      <p:sp>
+        <p:nvSpPr>
+          <p:cNvPr id="3" name="Title 1">
+            <a:extLst>
+              <a:ext uri="{FF2B5EF4-FFF2-40B4-BE49-F238E27FC236}">
+                <a16:creationId xmlns:a16="http://schemas.microsoft.com/office/drawing/2014/main" id="{942CE3BE-8410-45DD-8AF3-F24C306F8F52}"/>
+              </a:ext>
+            </a:extLst>
+          </p:cNvPr>
+          <p:cNvSpPr>
+            <a:spLocks noGrp="1"/>
+          </p:cNvSpPr>
+          <p:nvPr>
+            <p:ph type="title"/>
+          </p:nvPr>
+        </p:nvSpPr>
+        <p:spPr>
+          <a:xfrm>
+            <a:off x="537029" y="211016"/>
+            <a:ext cx="10515600" cy="607332"/>
+          </a:xfrm>
+          <a:solidFill>
+            <a:srgbClr val="00B0F0"/>
+          </a:solidFill>
+        </p:spPr>
+        <p:txBody>
+          <a:bodyPr>
+            <a:normAutofit/>
+          </a:bodyPr>
+          <a:lstStyle/>
+          <a:p>
+            <a:pPr algn="ctr"/>
+            <a:r>
+              <a:rPr lang="en-US" sz="2000" b="1" dirty="0">
+                <a:latin typeface="Arial" panose="020B0604020202020204" pitchFamily="34" charset="0"/>
+                <a:cs typeface="Arial" panose="020B0604020202020204" pitchFamily="34" charset="0"/>
+              </a:rPr>
+              <a:t>Figures</a:t>
+            </a:r>
+          </a:p>
+        </p:txBody>
+      </p:sp>
+    </p:spTree>
+    <p:extLst>
+      <p:ext uri="{BB962C8B-B14F-4D97-AF65-F5344CB8AC3E}">
+        <p14:creationId xmlns:p14="http://schemas.microsoft.com/office/powerpoint/2010/main" val="3662038059"/>
+      </p:ext>
+    </p:extLst>
+  </p:cSld>
+  <p:clrMapOvr>
+    <a:masterClrMapping/>
+  </p:clrMapOvr>
+  <mc:AlternateContent xmlns:mc="http://schemas.openxmlformats.org/markup-compatibility/2006" xmlns:p14="http://schemas.microsoft.com/office/powerpoint/2010/main">
+    <mc:Choice Requires="p14">
+      <p:transition spd="slow" p14:dur="2000"/>
+    </mc:Choice>
+    <mc:Fallback xmlns="">
+      <p:transition spd="slow"/>
+    </mc:Fallback>
+  </mc:AlternateContent>
+  <p:timing>
+    <p:tnLst>
+      <p:par>
+        <p:cTn id="1" dur="indefinite" restart="never" nodeType="tmRoot"/>
+      </p:par>
+    </p:tnLst>
+  </p:timing>
+</p:sld>
+</file>
+
+<file path=ppt/slides/slide42.xml><?xml version="1.0" encoding="utf-8"?>
+<p:sld xmlns:a="http://schemas.openxmlformats.org/drawingml/2006/main" xmlns:r="http://schemas.openxmlformats.org/officeDocument/2006/relationships" xmlns:p="http://schemas.openxmlformats.org/presentationml/2006/main" show="0">
+  <p:cSld>
+    <p:spTree>
+      <p:nvGrpSpPr>
+        <p:cNvPr id="1" name=""/>
+        <p:cNvGrpSpPr/>
+        <p:nvPr/>
+      </p:nvGrpSpPr>
+      <p:grpSpPr>
+        <a:xfrm>
+          <a:off x="0" y="0"/>
+          <a:ext cx="0" cy="0"/>
+          <a:chOff x="0" y="0"/>
+          <a:chExt cx="0" cy="0"/>
+        </a:xfrm>
+      </p:grpSpPr>
+      <p:sp>
+        <p:nvSpPr>
           <p:cNvPr id="5" name="TextBox 4">
             <a:extLst>
               <a:ext uri="{FF2B5EF4-FFF2-40B4-BE49-F238E27FC236}">
@@ -21010,7 +21858,7 @@
 </p:sld>
 </file>
 
-<file path=ppt/slides/slide42.xml><?xml version="1.0" encoding="utf-8"?>
+<file path=ppt/slides/slide43.xml><?xml version="1.0" encoding="utf-8"?>
 <p:sld xmlns:a="http://schemas.openxmlformats.org/drawingml/2006/main" xmlns:r="http://schemas.openxmlformats.org/officeDocument/2006/relationships" xmlns:p="http://schemas.openxmlformats.org/presentationml/2006/main">
   <p:cSld>
     <p:spTree>
@@ -21055,7 +21903,7 @@
           <a:graphicData uri="http://schemas.openxmlformats.org/presentationml/2006/ole">
             <mc:AlternateContent xmlns:mc="http://schemas.openxmlformats.org/markup-compatibility/2006">
               <mc:Choice xmlns:v="urn:schemas-microsoft-com:vml" Requires="v">
-                <p:oleObj spid="_x0000_s2130" name="Worksheet" r:id="rId3" imgW="13883401" imgH="9753822" progId="Excel.Sheet.8">
+                <p:oleObj spid="_x0000_s2135" name="Worksheet" r:id="rId3" imgW="13883401" imgH="9753822" progId="Excel.Sheet.8">
                   <p:embed/>
                 </p:oleObj>
               </mc:Choice>
@@ -21110,7 +21958,7 @@
 </p:sld>
 </file>
 
-<file path=ppt/slides/slide43.xml><?xml version="1.0" encoding="utf-8"?>
+<file path=ppt/slides/slide44.xml><?xml version="1.0" encoding="utf-8"?>
 <p:sld xmlns:a="http://schemas.openxmlformats.org/drawingml/2006/main" xmlns:r="http://schemas.openxmlformats.org/officeDocument/2006/relationships" xmlns:p="http://schemas.openxmlformats.org/presentationml/2006/main">
   <p:cSld>
     <p:spTree>
@@ -24309,7 +25157,21 @@
                 <a:latin typeface="Arial" panose="020B0604020202020204" pitchFamily="34" charset="0"/>
                 <a:cs typeface="Arial" panose="020B0604020202020204" pitchFamily="34" charset="0"/>
               </a:rPr>
-              <a:t>The SOCJOBCODE is a numerical valued categorical classification system, that is used to encode the occupational type, however it is encoded in such a way, that it can also be used as an independent variable. The SOC job code number is a six digit number, where the powers of 10 place value, implement a value of manual operation encoding.  The numerical range of this encoding is also enumerated in increasing risk order, since the employment classifications at the lower range of value represents an occupation with a higher degree of administration type work.</a:t>
+              <a:t>The SOCJOBCODE is a numerical valued categorical classification system, that is used to encode the occupational type, however it is encoded in such a way, that it can also be used as an independent variable. The SOC job code number is a six digit number, where the powers of 10 place value, implement a value of manual operation encoding.  The numerical range of this encoding is also enumerated in increasing risk order, since the employment classifications at the lower range of value represents an occupation with a higher degree of </a:t>
+            </a:r>
+            <a:r>
+              <a:rPr lang="en-US" sz="1600" dirty="0">
+                <a:latin typeface="Arial" panose="020B0604020202020204" pitchFamily="34" charset="0"/>
+                <a:cs typeface="Arial" panose="020B0604020202020204" pitchFamily="34" charset="0"/>
+              </a:rPr>
+              <a:t>administrative </a:t>
+            </a:r>
+            <a:r>
+              <a:rPr lang="en-US" sz="1600" dirty="0" smtClean="0">
+                <a:latin typeface="Arial" panose="020B0604020202020204" pitchFamily="34" charset="0"/>
+                <a:cs typeface="Arial" panose="020B0604020202020204" pitchFamily="34" charset="0"/>
+              </a:rPr>
+              <a:t>type work.</a:t>
             </a:r>
           </a:p>
           <a:p>
